--- a/intro-pivot-tables-slides.pptx
+++ b/intro-pivot-tables-slides.pptx
@@ -5,7 +5,7 @@
     <p:sldMasterId id="2147483648" r:id="rId1"/>
   </p:sldMasterIdLst>
   <p:notesMasterIdLst>
-    <p:notesMasterId r:id="rId21"/>
+    <p:notesMasterId r:id="rId22"/>
   </p:notesMasterIdLst>
   <p:sldIdLst>
     <p:sldId id="256" r:id="rId2"/>
@@ -13,20 +13,21 @@
     <p:sldId id="258" r:id="rId4"/>
     <p:sldId id="427" r:id="rId5"/>
     <p:sldId id="364" r:id="rId6"/>
-    <p:sldId id="426" r:id="rId7"/>
-    <p:sldId id="420" r:id="rId8"/>
-    <p:sldId id="421" r:id="rId9"/>
-    <p:sldId id="422" r:id="rId10"/>
-    <p:sldId id="401" r:id="rId11"/>
-    <p:sldId id="423" r:id="rId12"/>
-    <p:sldId id="424" r:id="rId13"/>
-    <p:sldId id="425" r:id="rId14"/>
-    <p:sldId id="398" r:id="rId15"/>
+    <p:sldId id="257" r:id="rId7"/>
+    <p:sldId id="266" r:id="rId8"/>
+    <p:sldId id="359" r:id="rId9"/>
+    <p:sldId id="360" r:id="rId10"/>
+    <p:sldId id="361" r:id="rId11"/>
+    <p:sldId id="369" r:id="rId12"/>
+    <p:sldId id="374" r:id="rId13"/>
+    <p:sldId id="373" r:id="rId14"/>
+    <p:sldId id="375" r:id="rId15"/>
     <p:sldId id="354" r:id="rId16"/>
-    <p:sldId id="428" r:id="rId17"/>
-    <p:sldId id="400" r:id="rId18"/>
-    <p:sldId id="404" r:id="rId19"/>
-    <p:sldId id="355" r:id="rId20"/>
+    <p:sldId id="430" r:id="rId17"/>
+    <p:sldId id="428" r:id="rId18"/>
+    <p:sldId id="400" r:id="rId19"/>
+    <p:sldId id="429" r:id="rId20"/>
+    <p:sldId id="355" r:id="rId21"/>
   </p:sldIdLst>
   <p:sldSz cx="12192000" cy="6858000"/>
   <p:notesSz cx="6858000" cy="9144000"/>
@@ -233,7 +234,7 @@
           <a:p>
             <a:fld id="{05534BD0-1400-4EBA-BBA1-04F52AB31B36}" type="datetimeFigureOut">
               <a:rPr lang="en-US" smtClean="0"/>
-              <a:t>8/19/2023</a:t>
+              <a:t>8/23/2023</a:t>
             </a:fld>
             <a:endParaRPr lang="en-US"/>
           </a:p>
@@ -584,6 +585,93 @@
 </p:notes>
 </file>
 
+<file path=ppt/notesSlides/notesSlide10.xml><?xml version="1.0" encoding="utf-8"?>
+<p:notes xmlns:a="http://schemas.openxmlformats.org/drawingml/2006/main" xmlns:r="http://schemas.openxmlformats.org/officeDocument/2006/relationships" xmlns:p="http://schemas.openxmlformats.org/presentationml/2006/main">
+  <p:cSld>
+    <p:spTree>
+      <p:nvGrpSpPr>
+        <p:cNvPr id="1" name=""/>
+        <p:cNvGrpSpPr/>
+        <p:nvPr/>
+      </p:nvGrpSpPr>
+      <p:grpSpPr>
+        <a:xfrm>
+          <a:off x="0" y="0"/>
+          <a:ext cx="0" cy="0"/>
+          <a:chOff x="0" y="0"/>
+          <a:chExt cx="0" cy="0"/>
+        </a:xfrm>
+      </p:grpSpPr>
+      <p:sp>
+        <p:nvSpPr>
+          <p:cNvPr id="2" name="Slide Image Placeholder 1"/>
+          <p:cNvSpPr>
+            <a:spLocks noGrp="1" noRot="1" noChangeAspect="1"/>
+          </p:cNvSpPr>
+          <p:nvPr>
+            <p:ph type="sldImg"/>
+          </p:nvPr>
+        </p:nvSpPr>
+        <p:spPr/>
+      </p:sp>
+      <p:sp>
+        <p:nvSpPr>
+          <p:cNvPr id="3" name="Notes Placeholder 2"/>
+          <p:cNvSpPr>
+            <a:spLocks noGrp="1"/>
+          </p:cNvSpPr>
+          <p:nvPr>
+            <p:ph type="body" idx="1"/>
+          </p:nvPr>
+        </p:nvSpPr>
+        <p:spPr/>
+        <p:txBody>
+          <a:bodyPr/>
+          <a:lstStyle/>
+          <a:p>
+            <a:r>
+              <a:rPr lang="en-US" dirty="0"/>
+              <a:t>Any questions on descriptive statistics? </a:t>
+            </a:r>
+          </a:p>
+        </p:txBody>
+      </p:sp>
+      <p:sp>
+        <p:nvSpPr>
+          <p:cNvPr id="4" name="Slide Number Placeholder 3"/>
+          <p:cNvSpPr>
+            <a:spLocks noGrp="1"/>
+          </p:cNvSpPr>
+          <p:nvPr>
+            <p:ph type="sldNum" sz="quarter" idx="5"/>
+          </p:nvPr>
+        </p:nvSpPr>
+        <p:spPr/>
+        <p:txBody>
+          <a:bodyPr/>
+          <a:lstStyle/>
+          <a:p>
+            <a:fld id="{FFB500C5-13F7-48FC-8160-C29AECF6C602}" type="slidenum">
+              <a:rPr lang="en-US" smtClean="0"/>
+              <a:t>19</a:t>
+            </a:fld>
+            <a:endParaRPr lang="en-US"/>
+          </a:p>
+        </p:txBody>
+      </p:sp>
+    </p:spTree>
+    <p:extLst>
+      <p:ext uri="{BB962C8B-B14F-4D97-AF65-F5344CB8AC3E}">
+        <p14:creationId xmlns:p14="http://schemas.microsoft.com/office/powerpoint/2010/main" val="746477125"/>
+      </p:ext>
+    </p:extLst>
+  </p:cSld>
+  <p:clrMapOvr>
+    <a:masterClrMapping/>
+  </p:clrMapOvr>
+</p:notes>
+</file>
+
 <file path=ppt/notesSlides/notesSlide2.xml><?xml version="1.0" encoding="utf-8"?>
 <p:notes xmlns:a="http://schemas.openxmlformats.org/drawingml/2006/main" xmlns:r="http://schemas.openxmlformats.org/officeDocument/2006/relationships" xmlns:p="http://schemas.openxmlformats.org/presentationml/2006/main">
   <p:cSld>
@@ -661,7 +749,7 @@
     </p:spTree>
     <p:extLst>
       <p:ext uri="{BB962C8B-B14F-4D97-AF65-F5344CB8AC3E}">
-        <p14:creationId xmlns:p14="http://schemas.microsoft.com/office/powerpoint/2010/main" val="2076419595"/>
+        <p14:creationId xmlns:p14="http://schemas.microsoft.com/office/powerpoint/2010/main" val="2287506330"/>
       </p:ext>
     </p:extLst>
   </p:cSld>
@@ -717,7 +805,19 @@
           <a:p>
             <a:r>
               <a:rPr lang="en-US" dirty="0"/>
-              <a:t>Don’t worry too much about the building blocks right now – I have this in here to gauge everyone’s interest </a:t>
+              <a:t>This would be rolling up and drilling down</a:t>
+            </a:r>
+          </a:p>
+          <a:p>
+            <a:r>
+              <a:rPr lang="en-US" dirty="0"/>
+              <a:t>This is slicing and dicing</a:t>
+            </a:r>
+          </a:p>
+          <a:p>
+            <a:r>
+              <a:rPr lang="en-US" dirty="0"/>
+              <a:t>This is unpivoting and pivoting</a:t>
             </a:r>
           </a:p>
         </p:txBody>
@@ -739,7 +839,7 @@
           <a:p>
             <a:fld id="{1300335D-9F13-4B80-ADC5-B0EA3E10FF6B}" type="slidenum">
               <a:rPr lang="en-US" smtClean="0"/>
-              <a:t>11</a:t>
+              <a:t>8</a:t>
             </a:fld>
             <a:endParaRPr lang="en-US"/>
           </a:p>
@@ -748,7 +848,7 @@
     </p:spTree>
     <p:extLst>
       <p:ext uri="{BB962C8B-B14F-4D97-AF65-F5344CB8AC3E}">
-        <p14:creationId xmlns:p14="http://schemas.microsoft.com/office/powerpoint/2010/main" val="2111047895"/>
+        <p14:creationId xmlns:p14="http://schemas.microsoft.com/office/powerpoint/2010/main" val="3014088537"/>
       </p:ext>
     </p:extLst>
   </p:cSld>
@@ -804,13 +904,7 @@
           <a:p>
             <a:r>
               <a:rPr lang="en-US" dirty="0"/>
-              <a:t>I’m a data analyst give me data on how I did</a:t>
-            </a:r>
-          </a:p>
-          <a:p>
-            <a:r>
-              <a:rPr lang="en-US" dirty="0"/>
-              <a:t>Testimonials also VERY helpful. </a:t>
+              <a:t>Doesn’t work so well, right? </a:t>
             </a:r>
           </a:p>
         </p:txBody>
@@ -830,9 +924,9 @@
           <a:bodyPr/>
           <a:lstStyle/>
           <a:p>
-            <a:fld id="{FFB500C5-13F7-48FC-8160-C29AECF6C602}" type="slidenum">
+            <a:fld id="{1300335D-9F13-4B80-ADC5-B0EA3E10FF6B}" type="slidenum">
               <a:rPr lang="en-US" smtClean="0"/>
-              <a:t>17</a:t>
+              <a:t>9</a:t>
             </a:fld>
             <a:endParaRPr lang="en-US"/>
           </a:p>
@@ -841,7 +935,7 @@
     </p:spTree>
     <p:extLst>
       <p:ext uri="{BB962C8B-B14F-4D97-AF65-F5344CB8AC3E}">
-        <p14:creationId xmlns:p14="http://schemas.microsoft.com/office/powerpoint/2010/main" val="3125451817"/>
+        <p14:creationId xmlns:p14="http://schemas.microsoft.com/office/powerpoint/2010/main" val="3121549957"/>
       </p:ext>
     </p:extLst>
   </p:cSld>
@@ -897,7 +991,361 @@
           <a:p>
             <a:r>
               <a:rPr lang="en-US" dirty="0"/>
-              <a:t>Any questions on descriptive statistics? </a:t>
+              <a:t>The Power Query course will be good to actually shape this data. /</a:t>
+            </a:r>
+          </a:p>
+        </p:txBody>
+      </p:sp>
+      <p:sp>
+        <p:nvSpPr>
+          <p:cNvPr id="4" name="Slide Number Placeholder 3"/>
+          <p:cNvSpPr>
+            <a:spLocks noGrp="1"/>
+          </p:cNvSpPr>
+          <p:nvPr>
+            <p:ph type="sldNum" sz="quarter" idx="5"/>
+          </p:nvPr>
+        </p:nvSpPr>
+        <p:spPr/>
+        <p:txBody>
+          <a:bodyPr/>
+          <a:lstStyle/>
+          <a:p>
+            <a:fld id="{1300335D-9F13-4B80-ADC5-B0EA3E10FF6B}" type="slidenum">
+              <a:rPr lang="en-US" smtClean="0"/>
+              <a:t>10</a:t>
+            </a:fld>
+            <a:endParaRPr lang="en-US"/>
+          </a:p>
+        </p:txBody>
+      </p:sp>
+    </p:spTree>
+    <p:extLst>
+      <p:ext uri="{BB962C8B-B14F-4D97-AF65-F5344CB8AC3E}">
+        <p14:creationId xmlns:p14="http://schemas.microsoft.com/office/powerpoint/2010/main" val="1428042693"/>
+      </p:ext>
+    </p:extLst>
+  </p:cSld>
+  <p:clrMapOvr>
+    <a:masterClrMapping/>
+  </p:clrMapOvr>
+</p:notes>
+</file>
+
+<file path=ppt/notesSlides/notesSlide6.xml><?xml version="1.0" encoding="utf-8"?>
+<p:notes xmlns:a="http://schemas.openxmlformats.org/drawingml/2006/main" xmlns:r="http://schemas.openxmlformats.org/officeDocument/2006/relationships" xmlns:p="http://schemas.openxmlformats.org/presentationml/2006/main">
+  <p:cSld>
+    <p:spTree>
+      <p:nvGrpSpPr>
+        <p:cNvPr id="1" name=""/>
+        <p:cNvGrpSpPr/>
+        <p:nvPr/>
+      </p:nvGrpSpPr>
+      <p:grpSpPr>
+        <a:xfrm>
+          <a:off x="0" y="0"/>
+          <a:ext cx="0" cy="0"/>
+          <a:chOff x="0" y="0"/>
+          <a:chExt cx="0" cy="0"/>
+        </a:xfrm>
+      </p:grpSpPr>
+      <p:sp>
+        <p:nvSpPr>
+          <p:cNvPr id="2" name="Slide Image Placeholder 1"/>
+          <p:cNvSpPr>
+            <a:spLocks noGrp="1" noRot="1" noChangeAspect="1"/>
+          </p:cNvSpPr>
+          <p:nvPr>
+            <p:ph type="sldImg"/>
+          </p:nvPr>
+        </p:nvSpPr>
+        <p:spPr/>
+      </p:sp>
+      <p:sp>
+        <p:nvSpPr>
+          <p:cNvPr id="3" name="Notes Placeholder 2"/>
+          <p:cNvSpPr>
+            <a:spLocks noGrp="1"/>
+          </p:cNvSpPr>
+          <p:nvPr>
+            <p:ph type="body" idx="1"/>
+          </p:nvPr>
+        </p:nvSpPr>
+        <p:spPr/>
+        <p:txBody>
+          <a:bodyPr/>
+          <a:lstStyle/>
+          <a:p>
+            <a:r>
+              <a:rPr lang="en-US" dirty="0"/>
+              <a:t>Don’t worry too much about the building blocks right now – I have this in here to gauge everyone’s interest </a:t>
+            </a:r>
+          </a:p>
+        </p:txBody>
+      </p:sp>
+      <p:sp>
+        <p:nvSpPr>
+          <p:cNvPr id="4" name="Slide Number Placeholder 3"/>
+          <p:cNvSpPr>
+            <a:spLocks noGrp="1"/>
+          </p:cNvSpPr>
+          <p:nvPr>
+            <p:ph type="sldNum" sz="quarter" idx="5"/>
+          </p:nvPr>
+        </p:nvSpPr>
+        <p:spPr/>
+        <p:txBody>
+          <a:bodyPr/>
+          <a:lstStyle/>
+          <a:p>
+            <a:fld id="{1300335D-9F13-4B80-ADC5-B0EA3E10FF6B}" type="slidenum">
+              <a:rPr lang="en-US" smtClean="0"/>
+              <a:t>11</a:t>
+            </a:fld>
+            <a:endParaRPr lang="en-US"/>
+          </a:p>
+        </p:txBody>
+      </p:sp>
+    </p:spTree>
+    <p:extLst>
+      <p:ext uri="{BB962C8B-B14F-4D97-AF65-F5344CB8AC3E}">
+        <p14:creationId xmlns:p14="http://schemas.microsoft.com/office/powerpoint/2010/main" val="605682580"/>
+      </p:ext>
+    </p:extLst>
+  </p:cSld>
+  <p:clrMapOvr>
+    <a:masterClrMapping/>
+  </p:clrMapOvr>
+</p:notes>
+</file>
+
+<file path=ppt/notesSlides/notesSlide7.xml><?xml version="1.0" encoding="utf-8"?>
+<p:notes xmlns:a="http://schemas.openxmlformats.org/drawingml/2006/main" xmlns:r="http://schemas.openxmlformats.org/officeDocument/2006/relationships" xmlns:p="http://schemas.openxmlformats.org/presentationml/2006/main">
+  <p:cSld>
+    <p:spTree>
+      <p:nvGrpSpPr>
+        <p:cNvPr id="1" name=""/>
+        <p:cNvGrpSpPr/>
+        <p:nvPr/>
+      </p:nvGrpSpPr>
+      <p:grpSpPr>
+        <a:xfrm>
+          <a:off x="0" y="0"/>
+          <a:ext cx="0" cy="0"/>
+          <a:chOff x="0" y="0"/>
+          <a:chExt cx="0" cy="0"/>
+        </a:xfrm>
+      </p:grpSpPr>
+      <p:sp>
+        <p:nvSpPr>
+          <p:cNvPr id="2" name="Slide Image Placeholder 1"/>
+          <p:cNvSpPr>
+            <a:spLocks noGrp="1" noRot="1" noChangeAspect="1"/>
+          </p:cNvSpPr>
+          <p:nvPr>
+            <p:ph type="sldImg"/>
+          </p:nvPr>
+        </p:nvSpPr>
+        <p:spPr/>
+      </p:sp>
+      <p:sp>
+        <p:nvSpPr>
+          <p:cNvPr id="3" name="Notes Placeholder 2"/>
+          <p:cNvSpPr>
+            <a:spLocks noGrp="1"/>
+          </p:cNvSpPr>
+          <p:nvPr>
+            <p:ph type="body" idx="1"/>
+          </p:nvPr>
+        </p:nvSpPr>
+        <p:spPr/>
+        <p:txBody>
+          <a:bodyPr/>
+          <a:lstStyle/>
+          <a:p>
+            <a:r>
+              <a:rPr lang="en-US" dirty="0"/>
+              <a:t>Doesn’t work so well, right? </a:t>
+            </a:r>
+          </a:p>
+        </p:txBody>
+      </p:sp>
+      <p:sp>
+        <p:nvSpPr>
+          <p:cNvPr id="4" name="Slide Number Placeholder 3"/>
+          <p:cNvSpPr>
+            <a:spLocks noGrp="1"/>
+          </p:cNvSpPr>
+          <p:nvPr>
+            <p:ph type="sldNum" sz="quarter" idx="5"/>
+          </p:nvPr>
+        </p:nvSpPr>
+        <p:spPr/>
+        <p:txBody>
+          <a:bodyPr/>
+          <a:lstStyle/>
+          <a:p>
+            <a:fld id="{1300335D-9F13-4B80-ADC5-B0EA3E10FF6B}" type="slidenum">
+              <a:rPr lang="en-US" smtClean="0"/>
+              <a:t>12</a:t>
+            </a:fld>
+            <a:endParaRPr lang="en-US"/>
+          </a:p>
+        </p:txBody>
+      </p:sp>
+    </p:spTree>
+    <p:extLst>
+      <p:ext uri="{BB962C8B-B14F-4D97-AF65-F5344CB8AC3E}">
+        <p14:creationId xmlns:p14="http://schemas.microsoft.com/office/powerpoint/2010/main" val="1967764219"/>
+      </p:ext>
+    </p:extLst>
+  </p:cSld>
+  <p:clrMapOvr>
+    <a:masterClrMapping/>
+  </p:clrMapOvr>
+</p:notes>
+</file>
+
+<file path=ppt/notesSlides/notesSlide8.xml><?xml version="1.0" encoding="utf-8"?>
+<p:notes xmlns:a="http://schemas.openxmlformats.org/drawingml/2006/main" xmlns:r="http://schemas.openxmlformats.org/officeDocument/2006/relationships" xmlns:p="http://schemas.openxmlformats.org/presentationml/2006/main">
+  <p:cSld>
+    <p:spTree>
+      <p:nvGrpSpPr>
+        <p:cNvPr id="1" name=""/>
+        <p:cNvGrpSpPr/>
+        <p:nvPr/>
+      </p:nvGrpSpPr>
+      <p:grpSpPr>
+        <a:xfrm>
+          <a:off x="0" y="0"/>
+          <a:ext cx="0" cy="0"/>
+          <a:chOff x="0" y="0"/>
+          <a:chExt cx="0" cy="0"/>
+        </a:xfrm>
+      </p:grpSpPr>
+      <p:sp>
+        <p:nvSpPr>
+          <p:cNvPr id="2" name="Slide Image Placeholder 1"/>
+          <p:cNvSpPr>
+            <a:spLocks noGrp="1" noRot="1" noChangeAspect="1"/>
+          </p:cNvSpPr>
+          <p:nvPr>
+            <p:ph type="sldImg"/>
+          </p:nvPr>
+        </p:nvSpPr>
+        <p:spPr/>
+      </p:sp>
+      <p:sp>
+        <p:nvSpPr>
+          <p:cNvPr id="3" name="Notes Placeholder 2"/>
+          <p:cNvSpPr>
+            <a:spLocks noGrp="1"/>
+          </p:cNvSpPr>
+          <p:nvPr>
+            <p:ph type="body" idx="1"/>
+          </p:nvPr>
+        </p:nvSpPr>
+        <p:spPr/>
+        <p:txBody>
+          <a:bodyPr/>
+          <a:lstStyle/>
+          <a:p>
+            <a:r>
+              <a:rPr lang="en-US" dirty="0"/>
+              <a:t>Doesn’t work so well, right? </a:t>
+            </a:r>
+          </a:p>
+        </p:txBody>
+      </p:sp>
+      <p:sp>
+        <p:nvSpPr>
+          <p:cNvPr id="4" name="Slide Number Placeholder 3"/>
+          <p:cNvSpPr>
+            <a:spLocks noGrp="1"/>
+          </p:cNvSpPr>
+          <p:nvPr>
+            <p:ph type="sldNum" sz="quarter" idx="5"/>
+          </p:nvPr>
+        </p:nvSpPr>
+        <p:spPr/>
+        <p:txBody>
+          <a:bodyPr/>
+          <a:lstStyle/>
+          <a:p>
+            <a:fld id="{1300335D-9F13-4B80-ADC5-B0EA3E10FF6B}" type="slidenum">
+              <a:rPr lang="en-US" smtClean="0"/>
+              <a:t>13</a:t>
+            </a:fld>
+            <a:endParaRPr lang="en-US"/>
+          </a:p>
+        </p:txBody>
+      </p:sp>
+    </p:spTree>
+    <p:extLst>
+      <p:ext uri="{BB962C8B-B14F-4D97-AF65-F5344CB8AC3E}">
+        <p14:creationId xmlns:p14="http://schemas.microsoft.com/office/powerpoint/2010/main" val="3455439466"/>
+      </p:ext>
+    </p:extLst>
+  </p:cSld>
+  <p:clrMapOvr>
+    <a:masterClrMapping/>
+  </p:clrMapOvr>
+</p:notes>
+</file>
+
+<file path=ppt/notesSlides/notesSlide9.xml><?xml version="1.0" encoding="utf-8"?>
+<p:notes xmlns:a="http://schemas.openxmlformats.org/drawingml/2006/main" xmlns:r="http://schemas.openxmlformats.org/officeDocument/2006/relationships" xmlns:p="http://schemas.openxmlformats.org/presentationml/2006/main">
+  <p:cSld>
+    <p:spTree>
+      <p:nvGrpSpPr>
+        <p:cNvPr id="1" name=""/>
+        <p:cNvGrpSpPr/>
+        <p:nvPr/>
+      </p:nvGrpSpPr>
+      <p:grpSpPr>
+        <a:xfrm>
+          <a:off x="0" y="0"/>
+          <a:ext cx="0" cy="0"/>
+          <a:chOff x="0" y="0"/>
+          <a:chExt cx="0" cy="0"/>
+        </a:xfrm>
+      </p:grpSpPr>
+      <p:sp>
+        <p:nvSpPr>
+          <p:cNvPr id="2" name="Slide Image Placeholder 1"/>
+          <p:cNvSpPr>
+            <a:spLocks noGrp="1" noRot="1" noChangeAspect="1"/>
+          </p:cNvSpPr>
+          <p:nvPr>
+            <p:ph type="sldImg"/>
+          </p:nvPr>
+        </p:nvSpPr>
+        <p:spPr/>
+      </p:sp>
+      <p:sp>
+        <p:nvSpPr>
+          <p:cNvPr id="3" name="Notes Placeholder 2"/>
+          <p:cNvSpPr>
+            <a:spLocks noGrp="1"/>
+          </p:cNvSpPr>
+          <p:nvPr>
+            <p:ph type="body" idx="1"/>
+          </p:nvPr>
+        </p:nvSpPr>
+        <p:spPr/>
+        <p:txBody>
+          <a:bodyPr/>
+          <a:lstStyle/>
+          <a:p>
+            <a:r>
+              <a:rPr lang="en-US" dirty="0"/>
+              <a:t>I’m a data analyst give me data on how I did</a:t>
+            </a:r>
+          </a:p>
+          <a:p>
+            <a:r>
+              <a:rPr lang="en-US" dirty="0"/>
+              <a:t>Testimonials also VERY helpful. </a:t>
             </a:r>
           </a:p>
         </p:txBody>
@@ -928,7 +1376,7 @@
     </p:spTree>
     <p:extLst>
       <p:ext uri="{BB962C8B-B14F-4D97-AF65-F5344CB8AC3E}">
-        <p14:creationId xmlns:p14="http://schemas.microsoft.com/office/powerpoint/2010/main" val="746477125"/>
+        <p14:creationId xmlns:p14="http://schemas.microsoft.com/office/powerpoint/2010/main" val="3125451817"/>
       </p:ext>
     </p:extLst>
   </p:cSld>
@@ -1067,7 +1515,7 @@
           <a:p>
             <a:fld id="{0138B082-EFC2-46C1-B47C-51736C670379}" type="datetimeFigureOut">
               <a:rPr lang="en-US" smtClean="0"/>
-              <a:t>8/19/2023</a:t>
+              <a:t>8/23/2023</a:t>
             </a:fld>
             <a:endParaRPr lang="en-US"/>
           </a:p>
@@ -1235,7 +1683,7 @@
           <a:p>
             <a:fld id="{0138B082-EFC2-46C1-B47C-51736C670379}" type="datetimeFigureOut">
               <a:rPr lang="en-US" smtClean="0"/>
-              <a:t>8/19/2023</a:t>
+              <a:t>8/23/2023</a:t>
             </a:fld>
             <a:endParaRPr lang="en-US"/>
           </a:p>
@@ -1413,7 +1861,7 @@
           <a:p>
             <a:fld id="{0138B082-EFC2-46C1-B47C-51736C670379}" type="datetimeFigureOut">
               <a:rPr lang="en-US" smtClean="0"/>
-              <a:t>8/19/2023</a:t>
+              <a:t>8/23/2023</a:t>
             </a:fld>
             <a:endParaRPr lang="en-US"/>
           </a:p>
@@ -1581,7 +2029,7 @@
           <a:p>
             <a:fld id="{0138B082-EFC2-46C1-B47C-51736C670379}" type="datetimeFigureOut">
               <a:rPr lang="en-US" smtClean="0"/>
-              <a:t>8/19/2023</a:t>
+              <a:t>8/23/2023</a:t>
             </a:fld>
             <a:endParaRPr lang="en-US"/>
           </a:p>
@@ -1826,7 +2274,7 @@
           <a:p>
             <a:fld id="{0138B082-EFC2-46C1-B47C-51736C670379}" type="datetimeFigureOut">
               <a:rPr lang="en-US" smtClean="0"/>
-              <a:t>8/19/2023</a:t>
+              <a:t>8/23/2023</a:t>
             </a:fld>
             <a:endParaRPr lang="en-US"/>
           </a:p>
@@ -2055,7 +2503,7 @@
           <a:p>
             <a:fld id="{0138B082-EFC2-46C1-B47C-51736C670379}" type="datetimeFigureOut">
               <a:rPr lang="en-US" smtClean="0"/>
-              <a:t>8/19/2023</a:t>
+              <a:t>8/23/2023</a:t>
             </a:fld>
             <a:endParaRPr lang="en-US"/>
           </a:p>
@@ -2419,7 +2867,7 @@
           <a:p>
             <a:fld id="{0138B082-EFC2-46C1-B47C-51736C670379}" type="datetimeFigureOut">
               <a:rPr lang="en-US" smtClean="0"/>
-              <a:t>8/19/2023</a:t>
+              <a:t>8/23/2023</a:t>
             </a:fld>
             <a:endParaRPr lang="en-US"/>
           </a:p>
@@ -2536,7 +2984,7 @@
           <a:p>
             <a:fld id="{0138B082-EFC2-46C1-B47C-51736C670379}" type="datetimeFigureOut">
               <a:rPr lang="en-US" smtClean="0"/>
-              <a:t>8/19/2023</a:t>
+              <a:t>8/23/2023</a:t>
             </a:fld>
             <a:endParaRPr lang="en-US"/>
           </a:p>
@@ -2631,7 +3079,7 @@
           <a:p>
             <a:fld id="{0138B082-EFC2-46C1-B47C-51736C670379}" type="datetimeFigureOut">
               <a:rPr lang="en-US" smtClean="0"/>
-              <a:t>8/19/2023</a:t>
+              <a:t>8/23/2023</a:t>
             </a:fld>
             <a:endParaRPr lang="en-US"/>
           </a:p>
@@ -2906,7 +3354,7 @@
           <a:p>
             <a:fld id="{0138B082-EFC2-46C1-B47C-51736C670379}" type="datetimeFigureOut">
               <a:rPr lang="en-US" smtClean="0"/>
-              <a:t>8/19/2023</a:t>
+              <a:t>8/23/2023</a:t>
             </a:fld>
             <a:endParaRPr lang="en-US"/>
           </a:p>
@@ -3158,7 +3606,7 @@
           <a:p>
             <a:fld id="{0138B082-EFC2-46C1-B47C-51736C670379}" type="datetimeFigureOut">
               <a:rPr lang="en-US" smtClean="0"/>
-              <a:t>8/19/2023</a:t>
+              <a:t>8/23/2023</a:t>
             </a:fld>
             <a:endParaRPr lang="en-US"/>
           </a:p>
@@ -3372,7 +3820,7 @@
           <a:p>
             <a:fld id="{0138B082-EFC2-46C1-B47C-51736C670379}" type="datetimeFigureOut">
               <a:rPr lang="en-US" smtClean="0"/>
-              <a:t>8/19/2023</a:t>
+              <a:t>8/23/2023</a:t>
             </a:fld>
             <a:endParaRPr lang="en-US"/>
           </a:p>
@@ -3938,62 +4386,14 @@
       </p:grpSpPr>
       <p:sp>
         <p:nvSpPr>
-          <p:cNvPr id="4" name="Rectangle 3"/>
-          <p:cNvSpPr/>
-          <p:nvPr/>
-        </p:nvSpPr>
-        <p:spPr>
-          <a:xfrm>
-            <a:off x="0" y="0"/>
-            <a:ext cx="12192000" cy="6858000"/>
-          </a:xfrm>
-          <a:prstGeom prst="rect">
-            <a:avLst/>
-          </a:prstGeom>
-          <a:solidFill>
-            <a:schemeClr val="bg1">
-              <a:lumMod val="50000"/>
-            </a:schemeClr>
-          </a:solidFill>
-          <a:ln>
-            <a:noFill/>
-          </a:ln>
-        </p:spPr>
-        <p:style>
-          <a:lnRef idx="2">
-            <a:schemeClr val="accent1">
-              <a:shade val="50000"/>
-            </a:schemeClr>
-          </a:lnRef>
-          <a:fillRef idx="1">
-            <a:schemeClr val="accent1"/>
-          </a:fillRef>
-          <a:effectRef idx="0">
-            <a:schemeClr val="accent1"/>
-          </a:effectRef>
-          <a:fontRef idx="minor">
-            <a:schemeClr val="lt1"/>
-          </a:fontRef>
-        </p:style>
-        <p:txBody>
-          <a:bodyPr rtlCol="0" anchor="ctr"/>
-          <a:lstStyle/>
-          <a:p>
-            <a:pPr algn="ctr"/>
-            <a:endParaRPr lang="en-US"/>
-          </a:p>
-        </p:txBody>
-      </p:sp>
-      <p:sp>
-        <p:nvSpPr>
-          <p:cNvPr id="5" name="TextBox 4"/>
+          <p:cNvPr id="11" name="TextBox 10"/>
           <p:cNvSpPr txBox="1"/>
           <p:nvPr/>
         </p:nvSpPr>
         <p:spPr>
           <a:xfrm>
-            <a:off x="520861" y="393539"/>
-            <a:ext cx="10324617" cy="2123658"/>
+            <a:off x="347240" y="113388"/>
+            <a:ext cx="10348056" cy="830997"/>
           </a:xfrm>
           <a:prstGeom prst="rect">
             <a:avLst/>
@@ -4007,32 +4407,20 @@
           <a:lstStyle/>
           <a:p>
             <a:r>
-              <a:rPr lang="en-US" sz="6600" b="1" dirty="0">
-                <a:solidFill>
-                  <a:schemeClr val="bg1"/>
-                </a:solidFill>
-                <a:latin typeface="Normafixed Tryout" panose="00000409000000000000" pitchFamily="49" charset="0"/>
-              </a:rPr>
-              <a:t>Joining data sources with </a:t>
-            </a:r>
-            <a:r>
-              <a:rPr lang="en-US" sz="6600" b="1" dirty="0">
-                <a:solidFill>
-                  <a:schemeClr val="bg1"/>
-                </a:solidFill>
-                <a:latin typeface="Consolas" panose="020B0609020204030204" pitchFamily="49" charset="0"/>
-              </a:rPr>
-              <a:t>XLOOKUP()</a:t>
+              <a:rPr lang="en-US" sz="4800" dirty="0">
+                <a:latin typeface="Aliens &amp; cows" panose="00000500000000000000" pitchFamily="2" charset="0"/>
+              </a:rPr>
+              <a:t>What makes data “Pivot”-ready? </a:t>
             </a:r>
           </a:p>
         </p:txBody>
       </p:sp>
       <p:pic>
         <p:nvPicPr>
-          <p:cNvPr id="3" name="Picture 2" descr="Company name&#10;&#10;Description automatically generated with medium confidence">
+          <p:cNvPr id="15" name="Picture 14" descr="A close up of a sign&#10;&#10;Description automatically generated">
             <a:extLst>
               <a:ext uri="{FF2B5EF4-FFF2-40B4-BE49-F238E27FC236}">
-                <a16:creationId xmlns:a16="http://schemas.microsoft.com/office/drawing/2014/main" id="{D3C76AE8-3221-A25B-7C8F-9CDE92B87448}"/>
+                <a16:creationId xmlns:a16="http://schemas.microsoft.com/office/drawing/2014/main" id="{29761B90-A7DE-4A60-A915-F085BD87CAB4}"/>
               </a:ext>
             </a:extLst>
           </p:cNvPr>
@@ -4042,7 +4430,7 @@
           <p:nvPr/>
         </p:nvPicPr>
         <p:blipFill>
-          <a:blip r:embed="rId2" cstate="print">
+          <a:blip r:embed="rId3">
             <a:extLst>
               <a:ext uri="{28A0092B-C50C-407E-A947-70E740481C1C}">
                 <a14:useLocalDpi xmlns:a14="http://schemas.microsoft.com/office/drawing/2010/main" val="0"/>
@@ -4055,18 +4443,146 @@
         </p:blipFill>
         <p:spPr>
           <a:xfrm>
-            <a:off x="7118288" y="1864483"/>
-            <a:ext cx="3561142" cy="4748189"/>
+            <a:off x="10894024" y="5372286"/>
+            <a:ext cx="1295238" cy="1485714"/>
           </a:xfrm>
           <a:prstGeom prst="rect">
             <a:avLst/>
           </a:prstGeom>
         </p:spPr>
       </p:pic>
+      <p:pic>
+        <p:nvPicPr>
+          <p:cNvPr id="4" name="Picture 3">
+            <a:extLst>
+              <a:ext uri="{FF2B5EF4-FFF2-40B4-BE49-F238E27FC236}">
+                <a16:creationId xmlns:a16="http://schemas.microsoft.com/office/drawing/2014/main" id="{81048157-9FEE-C016-5CB4-2C3AE5FF6CFE}"/>
+              </a:ext>
+            </a:extLst>
+          </p:cNvPr>
+          <p:cNvPicPr>
+            <a:picLocks noChangeAspect="1"/>
+          </p:cNvPicPr>
+          <p:nvPr/>
+        </p:nvPicPr>
+        <p:blipFill>
+          <a:blip r:embed="rId4"/>
+          <a:stretch>
+            <a:fillRect/>
+          </a:stretch>
+        </p:blipFill>
+        <p:spPr>
+          <a:xfrm>
+            <a:off x="1894347" y="3345686"/>
+            <a:ext cx="7439892" cy="2998668"/>
+          </a:xfrm>
+          <a:prstGeom prst="rect">
+            <a:avLst/>
+          </a:prstGeom>
+        </p:spPr>
+      </p:pic>
+      <p:sp>
+        <p:nvSpPr>
+          <p:cNvPr id="5" name="TextBox 4">
+            <a:extLst>
+              <a:ext uri="{FF2B5EF4-FFF2-40B4-BE49-F238E27FC236}">
+                <a16:creationId xmlns:a16="http://schemas.microsoft.com/office/drawing/2014/main" id="{E6387811-4F0E-B40E-9FBC-65A81E1411FB}"/>
+              </a:ext>
+            </a:extLst>
+          </p:cNvPr>
+          <p:cNvSpPr txBox="1"/>
+          <p:nvPr/>
+        </p:nvSpPr>
+        <p:spPr>
+          <a:xfrm>
+            <a:off x="295835" y="1271570"/>
+            <a:ext cx="8589981" cy="1754968"/>
+          </a:xfrm>
+          <a:prstGeom prst="rect">
+            <a:avLst/>
+          </a:prstGeom>
+          <a:noFill/>
+        </p:spPr>
+        <p:txBody>
+          <a:bodyPr wrap="square" rtlCol="0">
+            <a:spAutoFit/>
+          </a:bodyPr>
+          <a:lstStyle/>
+          <a:p>
+            <a:pPr marL="457200" marR="190500" lvl="0" indent="-381000">
+              <a:lnSpc>
+                <a:spcPct val="115000"/>
+              </a:lnSpc>
+              <a:spcBef>
+                <a:spcPts val="800"/>
+              </a:spcBef>
+              <a:buClr>
+                <a:srgbClr val="CF3338"/>
+              </a:buClr>
+              <a:buSzPts val="2400"/>
+              <a:buChar char="•"/>
+            </a:pPr>
+            <a:r>
+              <a:rPr lang="en-US" sz="2800" dirty="0">
+                <a:solidFill>
+                  <a:srgbClr val="505050"/>
+                </a:solidFill>
+              </a:rPr>
+              <a:t>Each variable is in its own column </a:t>
+            </a:r>
+          </a:p>
+          <a:p>
+            <a:pPr marL="457200" marR="190500" lvl="0" indent="-381000">
+              <a:lnSpc>
+                <a:spcPct val="115000"/>
+              </a:lnSpc>
+              <a:spcBef>
+                <a:spcPts val="800"/>
+              </a:spcBef>
+              <a:buClr>
+                <a:srgbClr val="CF3338"/>
+              </a:buClr>
+              <a:buSzPts val="2400"/>
+              <a:buChar char="•"/>
+            </a:pPr>
+            <a:r>
+              <a:rPr lang="en-US" sz="2800" dirty="0">
+                <a:solidFill>
+                  <a:srgbClr val="505050"/>
+                </a:solidFill>
+              </a:rPr>
+              <a:t>Each observation is in its own row</a:t>
+            </a:r>
+          </a:p>
+          <a:p>
+            <a:pPr marL="457200" marR="190500" lvl="0" indent="-381000">
+              <a:lnSpc>
+                <a:spcPct val="115000"/>
+              </a:lnSpc>
+              <a:spcBef>
+                <a:spcPts val="800"/>
+              </a:spcBef>
+              <a:buClr>
+                <a:srgbClr val="CF3338"/>
+              </a:buClr>
+              <a:buSzPts val="2400"/>
+              <a:buChar char="•"/>
+            </a:pPr>
+            <a:r>
+              <a:rPr lang="en-US" sz="2800" dirty="0">
+                <a:solidFill>
+                  <a:srgbClr val="505050"/>
+                </a:solidFill>
+              </a:rPr>
+              <a:t>Every cell is an observation-variable intersection </a:t>
+            </a:r>
+          </a:p>
+        </p:txBody>
+      </p:sp>
     </p:spTree>
     <p:extLst>
       <p:ext uri="{BB962C8B-B14F-4D97-AF65-F5344CB8AC3E}">
-        <p14:creationId xmlns:p14="http://schemas.microsoft.com/office/powerpoint/2010/main" val="2386839950"/>
+        <p14:creationId xmlns:p14="http://schemas.microsoft.com/office/powerpoint/2010/main" val="4040772074"/>
       </p:ext>
     </p:extLst>
   </p:cSld>
@@ -4119,17 +4635,8 @@
               <a:rPr lang="en-US" sz="4800" dirty="0">
                 <a:latin typeface="Aliens &amp; cows" panose="00000500000000000000" pitchFamily="2" charset="0"/>
               </a:rPr>
-              <a:t>Say bye-bye to </a:t>
-            </a:r>
-            <a:r>
-              <a:rPr lang="en-US" sz="4800" dirty="0">
-                <a:latin typeface="Consolas" panose="020B0609020204030204" pitchFamily="49" charset="0"/>
-              </a:rPr>
-              <a:t>VLOOKUP()</a:t>
-            </a:r>
-            <a:endParaRPr lang="en-US" sz="4800" dirty="0">
-              <a:latin typeface="Aliens &amp; cows" panose="00000500000000000000" pitchFamily="2" charset="0"/>
-            </a:endParaRPr>
+              <a:t>Heavy cleaning is a job for Power Query</a:t>
+            </a:r>
           </a:p>
         </p:txBody>
       </p:sp>
@@ -4169,141 +4676,12 @@
           </a:prstGeom>
         </p:spPr>
       </p:pic>
-      <p:sp>
-        <p:nvSpPr>
-          <p:cNvPr id="2" name="TextBox 1">
+      <p:pic>
+        <p:nvPicPr>
+          <p:cNvPr id="2050" name="Picture 2" descr="What is Power BI? - P3 Adaptive">
             <a:extLst>
               <a:ext uri="{FF2B5EF4-FFF2-40B4-BE49-F238E27FC236}">
-                <a16:creationId xmlns:a16="http://schemas.microsoft.com/office/drawing/2014/main" id="{7C9AAFED-EFE9-09D1-C311-028312093479}"/>
-              </a:ext>
-            </a:extLst>
-          </p:cNvPr>
-          <p:cNvSpPr txBox="1"/>
-          <p:nvPr/>
-        </p:nvSpPr>
-        <p:spPr>
-          <a:xfrm>
-            <a:off x="347240" y="1181720"/>
-            <a:ext cx="5686425" cy="2848600"/>
-          </a:xfrm>
-          <a:prstGeom prst="rect">
-            <a:avLst/>
-          </a:prstGeom>
-          <a:noFill/>
-        </p:spPr>
-        <p:txBody>
-          <a:bodyPr wrap="square" rtlCol="0">
-            <a:spAutoFit/>
-          </a:bodyPr>
-          <a:lstStyle/>
-          <a:p>
-            <a:pPr marL="76200" marR="190500" lvl="0">
-              <a:lnSpc>
-                <a:spcPct val="115000"/>
-              </a:lnSpc>
-              <a:spcBef>
-                <a:spcPts val="800"/>
-              </a:spcBef>
-              <a:buClr>
-                <a:srgbClr val="CF3338"/>
-              </a:buClr>
-              <a:buSzPts val="2400"/>
-            </a:pPr>
-            <a:r>
-              <a:rPr lang="en-US" sz="2800" dirty="0">
-                <a:solidFill>
-                  <a:srgbClr val="505050"/>
-                </a:solidFill>
-                <a:latin typeface="Consolas" panose="020B0609020204030204" pitchFamily="49" charset="0"/>
-              </a:rPr>
-              <a:t>XLOOKUP()</a:t>
-            </a:r>
-            <a:r>
-              <a:rPr lang="en-US" sz="2800" dirty="0">
-                <a:solidFill>
-                  <a:srgbClr val="505050"/>
-                </a:solidFill>
-              </a:rPr>
-              <a:t> can: </a:t>
-            </a:r>
-          </a:p>
-          <a:p>
-            <a:pPr marL="457200" marR="190500" lvl="0" indent="-381000">
-              <a:lnSpc>
-                <a:spcPct val="115000"/>
-              </a:lnSpc>
-              <a:spcBef>
-                <a:spcPts val="800"/>
-              </a:spcBef>
-              <a:buClr>
-                <a:srgbClr val="CF3338"/>
-              </a:buClr>
-              <a:buSzPts val="2400"/>
-              <a:buChar char="•"/>
-            </a:pPr>
-            <a:r>
-              <a:rPr lang="en-US" sz="2800" dirty="0">
-                <a:solidFill>
-                  <a:srgbClr val="505050"/>
-                </a:solidFill>
-              </a:rPr>
-              <a:t>Easily look up to the left </a:t>
-            </a:r>
-          </a:p>
-          <a:p>
-            <a:pPr marL="457200" marR="190500" lvl="0" indent="-381000">
-              <a:lnSpc>
-                <a:spcPct val="115000"/>
-              </a:lnSpc>
-              <a:spcBef>
-                <a:spcPts val="800"/>
-              </a:spcBef>
-              <a:buClr>
-                <a:srgbClr val="CF3338"/>
-              </a:buClr>
-              <a:buSzPts val="2400"/>
-              <a:buChar char="•"/>
-            </a:pPr>
-            <a:r>
-              <a:rPr lang="en-US" sz="2800" dirty="0">
-                <a:solidFill>
-                  <a:srgbClr val="505050"/>
-                </a:solidFill>
-              </a:rPr>
-              <a:t>Handle errors </a:t>
-            </a:r>
-          </a:p>
-          <a:p>
-            <a:pPr marL="457200" marR="190500" lvl="0" indent="-381000">
-              <a:lnSpc>
-                <a:spcPct val="115000"/>
-              </a:lnSpc>
-              <a:spcBef>
-                <a:spcPts val="800"/>
-              </a:spcBef>
-              <a:buClr>
-                <a:srgbClr val="CF3338"/>
-              </a:buClr>
-              <a:buSzPts val="2400"/>
-              <a:buChar char="•"/>
-            </a:pPr>
-            <a:r>
-              <a:rPr lang="en-US" sz="2800" dirty="0">
-                <a:solidFill>
-                  <a:srgbClr val="505050"/>
-                </a:solidFill>
-              </a:rPr>
-              <a:t>Search the lookup table in multiple directions</a:t>
-            </a:r>
-          </a:p>
-        </p:txBody>
-      </p:sp>
-      <p:pic>
-        <p:nvPicPr>
-          <p:cNvPr id="1026" name="Picture 2">
-            <a:extLst>
-              <a:ext uri="{FF2B5EF4-FFF2-40B4-BE49-F238E27FC236}">
-                <a16:creationId xmlns:a16="http://schemas.microsoft.com/office/drawing/2014/main" id="{11200F76-46B8-E85F-F01C-E74656FDB3E4}"/>
+                <a16:creationId xmlns:a16="http://schemas.microsoft.com/office/drawing/2014/main" id="{9A257B7B-6DB2-4728-A411-0CC2AECF05EE}"/>
               </a:ext>
             </a:extLst>
           </p:cNvPr>
@@ -4327,8 +4705,8 @@
         </p:blipFill>
         <p:spPr bwMode="auto">
           <a:xfrm>
-            <a:off x="6158335" y="1694830"/>
-            <a:ext cx="5686425" cy="3981450"/>
+            <a:off x="811854" y="1106373"/>
+            <a:ext cx="8810861" cy="4969876"/>
           </a:xfrm>
           <a:prstGeom prst="rect">
             <a:avLst/>
@@ -4345,10 +4723,58 @@
           </a:extLst>
         </p:spPr>
       </p:pic>
+      <p:sp>
+        <p:nvSpPr>
+          <p:cNvPr id="4" name="TextBox 3">
+            <a:extLst>
+              <a:ext uri="{FF2B5EF4-FFF2-40B4-BE49-F238E27FC236}">
+                <a16:creationId xmlns:a16="http://schemas.microsoft.com/office/drawing/2014/main" id="{AE980D48-4340-3965-75D0-F93CDB3DF105}"/>
+              </a:ext>
+            </a:extLst>
+          </p:cNvPr>
+          <p:cNvSpPr txBox="1"/>
+          <p:nvPr/>
+        </p:nvSpPr>
+        <p:spPr>
+          <a:xfrm>
+            <a:off x="100532" y="6375280"/>
+            <a:ext cx="6096896" cy="369332"/>
+          </a:xfrm>
+          <a:prstGeom prst="rect">
+            <a:avLst/>
+          </a:prstGeom>
+          <a:noFill/>
+        </p:spPr>
+        <p:txBody>
+          <a:bodyPr wrap="square">
+            <a:spAutoFit/>
+          </a:bodyPr>
+          <a:lstStyle/>
+          <a:p>
+            <a:r>
+              <a:rPr lang="en-US" dirty="0">
+                <a:hlinkClick r:id="rId5"/>
+              </a:rPr>
+              <a:t>https://p3adaptive.com/2014/09/</a:t>
+            </a:r>
+            <a:r>
+              <a:rPr lang="en-US">
+                <a:hlinkClick r:id="rId5"/>
+              </a:rPr>
+              <a:t>what-is-power-bi/</a:t>
+            </a:r>
+            <a:r>
+              <a:rPr lang="en-US"/>
+              <a:t>  </a:t>
+            </a:r>
+            <a:endParaRPr lang="en-US" dirty="0"/>
+          </a:p>
+        </p:txBody>
+      </p:sp>
     </p:spTree>
     <p:extLst>
       <p:ext uri="{BB962C8B-B14F-4D97-AF65-F5344CB8AC3E}">
-        <p14:creationId xmlns:p14="http://schemas.microsoft.com/office/powerpoint/2010/main" val="1133519904"/>
+        <p14:creationId xmlns:p14="http://schemas.microsoft.com/office/powerpoint/2010/main" val="2964633400"/>
       </p:ext>
     </p:extLst>
   </p:cSld>
@@ -4430,7 +4856,7 @@
           <p:nvPr/>
         </p:nvPicPr>
         <p:blipFill rotWithShape="1">
-          <a:blip r:embed="rId2">
+          <a:blip r:embed="rId3">
             <a:extLst>
               <a:ext uri="{28A0092B-C50C-407E-A947-70E740481C1C}">
                 <a14:useLocalDpi xmlns:a14="http://schemas.microsoft.com/office/drawing/2010/main" val="0"/>
@@ -4459,7 +4885,7 @@
         <p:spPr>
           <a:xfrm>
             <a:off x="173620" y="219919"/>
-            <a:ext cx="5937813" cy="4473019"/>
+            <a:ext cx="5937813" cy="4382738"/>
           </a:xfrm>
           <a:prstGeom prst="rect">
             <a:avLst/>
@@ -4483,45 +4909,35 @@
             </a:r>
           </a:p>
           <a:p>
-            <a:pPr marL="95250" lvl="0">
-              <a:lnSpc>
-                <a:spcPct val="115000"/>
-              </a:lnSpc>
-              <a:spcBef>
-                <a:spcPts val="750"/>
-              </a:spcBef>
-              <a:buClr>
-                <a:srgbClr val="C00000"/>
-              </a:buClr>
-              <a:buSzPts val="2100"/>
-            </a:pPr>
-            <a:r>
-              <a:rPr lang="en-US" sz="2400" dirty="0">
-                <a:solidFill>
-                  <a:srgbClr val="C00000"/>
-                </a:solidFill>
-                <a:latin typeface="Pragmatica" panose="020B0403040502020204"/>
-                <a:ea typeface="Consolas"/>
-                <a:cs typeface="Consolas"/>
-                <a:sym typeface="Consolas"/>
-              </a:rPr>
-              <a:t>Worksheet: </a:t>
-            </a:r>
-            <a:r>
-              <a:rPr lang="en-US" sz="2400" dirty="0">
-                <a:solidFill>
-                  <a:srgbClr val="C00000"/>
+            <a:r>
+              <a:rPr lang="en-US" sz="2800" dirty="0">
+                <a:solidFill>
+                  <a:srgbClr val="CF3338"/>
                 </a:solidFill>
                 <a:latin typeface="Consolas" panose="020B0609020204030204" pitchFamily="49" charset="0"/>
-                <a:ea typeface="Consolas"/>
-                <a:cs typeface="Consolas"/>
-                <a:sym typeface="Consolas"/>
-              </a:rPr>
-              <a:t>office-employees</a:t>
-            </a:r>
-          </a:p>
-          <a:p>
-            <a:pPr marL="438150" lvl="0" indent="-342900">
+              </a:rPr>
+              <a:t>sales</a:t>
+            </a:r>
+            <a:r>
+              <a:rPr lang="en-US" sz="2800" dirty="0">
+                <a:solidFill>
+                  <a:srgbClr val="CF3338"/>
+                </a:solidFill>
+                <a:latin typeface="Pragmatica" panose="020B0403040502020204" pitchFamily="34" charset="0"/>
+              </a:rPr>
+              <a:t> worksheet:</a:t>
+            </a:r>
+          </a:p>
+          <a:p>
+            <a:endParaRPr lang="en-US" sz="2800" dirty="0">
+              <a:solidFill>
+                <a:srgbClr val="CF3338"/>
+              </a:solidFill>
+              <a:latin typeface="Pragmatica" panose="020B0403040502020204" pitchFamily="34" charset="0"/>
+            </a:endParaRPr>
+          </a:p>
+          <a:p>
+            <a:pPr marL="457200" lvl="0" indent="-361950">
               <a:lnSpc>
                 <a:spcPct val="115000"/>
               </a:lnSpc>
@@ -4545,23 +4961,11 @@
                 <a:cs typeface="Consolas"/>
                 <a:sym typeface="Consolas"/>
               </a:rPr>
-              <a:t>Combine data from outside tables with </a:t>
-            </a:r>
-            <a:r>
-              <a:rPr lang="en-US" sz="2400" dirty="0">
-                <a:solidFill>
-                  <a:srgbClr val="C00000"/>
-                </a:solidFill>
-                <a:latin typeface="Consolas" panose="020B0609020204030204" pitchFamily="49" charset="0"/>
-                <a:ea typeface="Consolas"/>
-                <a:cs typeface="Consolas"/>
-                <a:sym typeface="Consolas"/>
-              </a:rPr>
-              <a:t>XLOOKUP()</a:t>
-            </a:r>
-          </a:p>
-          <a:p>
-            <a:pPr marL="438150" lvl="0" indent="-342900">
+              <a:t>Create, configure, reformat PivotTables</a:t>
+            </a:r>
+          </a:p>
+          <a:p>
+            <a:pPr marL="457200" lvl="0" indent="-361950">
               <a:lnSpc>
                 <a:spcPct val="115000"/>
               </a:lnSpc>
@@ -4585,11 +4989,11 @@
                 <a:cs typeface="Consolas"/>
                 <a:sym typeface="Consolas"/>
               </a:rPr>
-              <a:t>Look up data to the left</a:t>
-            </a:r>
-          </a:p>
-          <a:p>
-            <a:pPr marL="438150" lvl="0" indent="-342900">
+              <a:t>Update, refresh, maintain data sources</a:t>
+            </a:r>
+          </a:p>
+          <a:p>
+            <a:pPr marL="457200" lvl="0" indent="-361950">
               <a:lnSpc>
                 <a:spcPct val="115000"/>
               </a:lnSpc>
@@ -4613,8 +5017,17 @@
                 <a:cs typeface="Consolas"/>
                 <a:sym typeface="Consolas"/>
               </a:rPr>
-              <a:t>Handle lookup errors</a:t>
-            </a:r>
+              <a:t>Create calculated columns</a:t>
+            </a:r>
+            <a:endParaRPr lang="en-US" sz="2400" dirty="0">
+              <a:solidFill>
+                <a:srgbClr val="C00000"/>
+              </a:solidFill>
+              <a:latin typeface="Consolas" panose="020B0609020204030204" pitchFamily="49" charset="0"/>
+              <a:ea typeface="Consolas"/>
+              <a:cs typeface="Consolas"/>
+              <a:sym typeface="Consolas"/>
+            </a:endParaRPr>
           </a:p>
           <a:p>
             <a:endParaRPr lang="en-US" sz="4000" dirty="0">
@@ -4637,7 +5050,7 @@
     </p:spTree>
     <p:extLst>
       <p:ext uri="{BB962C8B-B14F-4D97-AF65-F5344CB8AC3E}">
-        <p14:creationId xmlns:p14="http://schemas.microsoft.com/office/powerpoint/2010/main" val="1510226043"/>
+        <p14:creationId xmlns:p14="http://schemas.microsoft.com/office/powerpoint/2010/main" val="1750655333"/>
       </p:ext>
     </p:extLst>
   </p:cSld>
@@ -4672,8 +5085,8 @@
         </p:nvSpPr>
         <p:spPr>
           <a:xfrm>
-            <a:off x="6574420" y="0"/>
-            <a:ext cx="5617580" cy="6858000"/>
+            <a:off x="8807354" y="0"/>
+            <a:ext cx="3384645" cy="6858000"/>
           </a:xfrm>
           <a:prstGeom prst="rect">
             <a:avLst/>
@@ -4719,7 +5132,7 @@
           <p:nvPr/>
         </p:nvPicPr>
         <p:blipFill rotWithShape="1">
-          <a:blip r:embed="rId2">
+          <a:blip r:embed="rId3">
             <a:extLst>
               <a:ext uri="{28A0092B-C50C-407E-A947-70E740481C1C}">
                 <a14:useLocalDpi xmlns:a14="http://schemas.microsoft.com/office/drawing/2010/main" val="0"/>
@@ -4748,7 +5161,7 @@
         <p:spPr>
           <a:xfrm>
             <a:off x="173620" y="219919"/>
-            <a:ext cx="5937813" cy="3754874"/>
+            <a:ext cx="8365329" cy="6032421"/>
           </a:xfrm>
           <a:prstGeom prst="rect">
             <a:avLst/>
@@ -4762,17 +5175,37 @@
           <a:lstStyle/>
           <a:p>
             <a:r>
-              <a:rPr lang="en-US" sz="4000" b="1" dirty="0">
+              <a:rPr lang="en-US" sz="3200" b="1" dirty="0">
                 <a:solidFill>
                   <a:srgbClr val="CF3338"/>
                 </a:solidFill>
                 <a:latin typeface="Pragmatica" panose="020B0403040502020204" pitchFamily="34" charset="0"/>
               </a:rPr>
-              <a:t>Demo</a:t>
-            </a:r>
-          </a:p>
-          <a:p>
-            <a:pPr marL="95250" lvl="0">
+              <a:t>Exercises</a:t>
+            </a:r>
+          </a:p>
+          <a:p>
+            <a:r>
+              <a:rPr lang="en-US" dirty="0">
+                <a:solidFill>
+                  <a:srgbClr val="CF3338"/>
+                </a:solidFill>
+                <a:latin typeface="Consolas" panose="020B0609020204030204" pitchFamily="49" charset="0"/>
+              </a:rPr>
+              <a:t>housing</a:t>
+            </a:r>
+            <a:r>
+              <a:rPr lang="en-US" dirty="0">
+                <a:solidFill>
+                  <a:srgbClr val="CF3338"/>
+                </a:solidFill>
+                <a:latin typeface="Pragmatica" panose="020B0403040502020204" pitchFamily="34" charset="0"/>
+              </a:rPr>
+              <a:t> worksheet:</a:t>
+            </a:r>
+          </a:p>
+          <a:p>
+            <a:pPr marL="552450" lvl="0" indent="-457200">
               <a:lnSpc>
                 <a:spcPct val="115000"/>
               </a:lnSpc>
@@ -4783,34 +5216,21 @@
                 <a:srgbClr val="C00000"/>
               </a:buClr>
               <a:buSzPts val="2100"/>
+              <a:buFont typeface="+mj-lt"/>
+              <a:buAutoNum type="arabicPeriod"/>
             </a:pPr>
             <a:r>
-              <a:rPr lang="en-US" sz="2400" dirty="0">
+              <a:rPr lang="en-US" sz="2000" dirty="0">
                 <a:solidFill>
                   <a:srgbClr val="C00000"/>
                 </a:solidFill>
                 <a:latin typeface="Pragmatica" panose="020B0403040502020204"/>
-                <a:ea typeface="Consolas"/>
-                <a:cs typeface="Consolas"/>
-                <a:sym typeface="Consolas"/>
-              </a:rPr>
-              <a:t>Worksheet: </a:t>
-            </a:r>
-            <a:r>
-              <a:rPr lang="en-US" sz="2400" dirty="0">
-                <a:solidFill>
-                  <a:srgbClr val="C00000"/>
-                </a:solidFill>
-                <a:latin typeface="Consolas" panose="020B0609020204030204" pitchFamily="49" charset="0"/>
-                <a:ea typeface="Consolas"/>
-                <a:cs typeface="Consolas"/>
-                <a:sym typeface="Consolas"/>
-              </a:rPr>
-              <a:t>superstore</a:t>
-            </a:r>
-          </a:p>
-          <a:p>
-            <a:pPr marL="438150" lvl="0" indent="-342900">
+              </a:rPr>
+              <a:t>Find the average sale price for each sale condition.</a:t>
+            </a:r>
+          </a:p>
+          <a:p>
+            <a:pPr marL="552450" lvl="0" indent="-457200">
               <a:lnSpc>
                 <a:spcPct val="115000"/>
               </a:lnSpc>
@@ -4821,33 +5241,21 @@
                 <a:srgbClr val="C00000"/>
               </a:buClr>
               <a:buSzPts val="2100"/>
-              <a:buFont typeface="Arial" panose="020B0604020202020204" pitchFamily="34" charset="0"/>
-              <a:buChar char="•"/>
+              <a:buFont typeface="+mj-lt"/>
+              <a:buAutoNum type="arabicPeriod"/>
             </a:pPr>
             <a:r>
-              <a:rPr lang="en-US" sz="2400" dirty="0">
+              <a:rPr lang="en-US" sz="2000" dirty="0">
                 <a:solidFill>
                   <a:srgbClr val="C00000"/>
                 </a:solidFill>
                 <a:latin typeface="Pragmatica" panose="020B0403040502020204"/>
-                <a:ea typeface="Consolas"/>
-                <a:cs typeface="Consolas"/>
-                <a:sym typeface="Consolas"/>
-              </a:rPr>
-              <a:t>Determine which orders were returned as a “Yes/No” column</a:t>
-            </a:r>
-            <a:endParaRPr lang="en-US" sz="2400" dirty="0">
-              <a:solidFill>
-                <a:srgbClr val="C00000"/>
-              </a:solidFill>
-              <a:latin typeface="Consolas" panose="020B0609020204030204" pitchFamily="49" charset="0"/>
-              <a:ea typeface="Consolas"/>
-              <a:cs typeface="Consolas"/>
-              <a:sym typeface="Consolas"/>
-            </a:endParaRPr>
-          </a:p>
-          <a:p>
-            <a:pPr marL="438150" lvl="0" indent="-342900">
+              </a:rPr>
+              <a:t>Count the number of homes with each roof type for each neighborhood. Hint: Count the number of homes as the count of record ID’s.</a:t>
+            </a:r>
+          </a:p>
+          <a:p>
+            <a:pPr marL="552450" lvl="0" indent="-457200">
               <a:lnSpc>
                 <a:spcPct val="115000"/>
               </a:lnSpc>
@@ -4858,42 +5266,140 @@
                 <a:srgbClr val="C00000"/>
               </a:buClr>
               <a:buSzPts val="2100"/>
-              <a:buFont typeface="Arial" panose="020B0604020202020204" pitchFamily="34" charset="0"/>
-              <a:buChar char="•"/>
+              <a:buFont typeface="+mj-lt"/>
+              <a:buAutoNum type="arabicPeriod"/>
             </a:pPr>
             <a:r>
-              <a:rPr lang="en-US" sz="2400" dirty="0">
+              <a:rPr lang="en-US" sz="2000" dirty="0">
                 <a:solidFill>
                   <a:srgbClr val="C00000"/>
                 </a:solidFill>
                 <a:latin typeface="Pragmatica" panose="020B0403040502020204"/>
-                <a:ea typeface="Consolas"/>
-                <a:cs typeface="Consolas"/>
-                <a:sym typeface="Consolas"/>
-              </a:rPr>
-              <a:t>Find the salesperson responsible for each region</a:t>
-            </a:r>
-            <a:endParaRPr lang="en-US" sz="4000" dirty="0">
+              </a:rPr>
+              <a:t>Find the average number of above grade bathrooms for each year built. Hint: Calculate the total number of bathrooms as the number of full baths + 1/2 * the number of half baths.</a:t>
+            </a:r>
+          </a:p>
+          <a:p>
+            <a:pPr marL="552450" lvl="0" indent="-457200">
+              <a:lnSpc>
+                <a:spcPct val="115000"/>
+              </a:lnSpc>
+              <a:spcBef>
+                <a:spcPts val="750"/>
+              </a:spcBef>
+              <a:buClr>
+                <a:srgbClr val="C00000"/>
+              </a:buClr>
+              <a:buSzPts val="2100"/>
+              <a:buFont typeface="+mj-lt"/>
+              <a:buAutoNum type="arabicPeriod"/>
+            </a:pPr>
+            <a:r>
+              <a:rPr lang="en-US" sz="2000" dirty="0">
+                <a:solidFill>
+                  <a:srgbClr val="C00000"/>
+                </a:solidFill>
+                <a:latin typeface="Pragmatica" panose="020B0403040502020204"/>
+              </a:rPr>
+              <a:t>Find the maximum lot area for each combination of street type and building type.</a:t>
+            </a:r>
+          </a:p>
+          <a:p>
+            <a:pPr marL="552450" lvl="0" indent="-457200">
+              <a:lnSpc>
+                <a:spcPct val="115000"/>
+              </a:lnSpc>
+              <a:spcBef>
+                <a:spcPts val="750"/>
+              </a:spcBef>
+              <a:buClr>
+                <a:srgbClr val="C00000"/>
+              </a:buClr>
+              <a:buSzPts val="2100"/>
+              <a:buFont typeface="+mj-lt"/>
+              <a:buAutoNum type="arabicPeriod"/>
+            </a:pPr>
+            <a:r>
+              <a:rPr lang="en-US" sz="2000" dirty="0">
+                <a:solidFill>
+                  <a:srgbClr val="C00000"/>
+                </a:solidFill>
+                <a:latin typeface="Pragmatica" panose="020B0403040502020204"/>
+              </a:rPr>
+              <a:t>Count the total number of homes with an alley for each neighborhood.</a:t>
+            </a:r>
+          </a:p>
+          <a:p>
+            <a:pPr marL="552450" lvl="0" indent="-457200">
+              <a:lnSpc>
+                <a:spcPct val="115000"/>
+              </a:lnSpc>
+              <a:spcBef>
+                <a:spcPts val="750"/>
+              </a:spcBef>
+              <a:buClr>
+                <a:srgbClr val="C00000"/>
+              </a:buClr>
+              <a:buSzPts val="2100"/>
+              <a:buFont typeface="+mj-lt"/>
+              <a:buAutoNum type="arabicPeriod"/>
+            </a:pPr>
+            <a:r>
+              <a:rPr lang="en-US" sz="2000" dirty="0">
+                <a:solidFill>
+                  <a:srgbClr val="C00000"/>
+                </a:solidFill>
+                <a:latin typeface="Pragmatica" panose="020B0403040502020204"/>
+              </a:rPr>
+              <a:t>Find the average sale price for homes with each type of garage, along with the number of cars the garage can hold.</a:t>
+            </a:r>
+            <a:br>
+              <a:rPr lang="en-US" sz="2000" dirty="0">
+                <a:solidFill>
+                  <a:srgbClr val="C00000"/>
+                </a:solidFill>
+                <a:latin typeface="Pragmatica" panose="020B0403040502020204"/>
+              </a:rPr>
+            </a:br>
+            <a:endParaRPr lang="en-US" sz="2000" dirty="0">
+              <a:solidFill>
+                <a:srgbClr val="C00000"/>
+              </a:solidFill>
+              <a:latin typeface="Pragmatica" panose="020B0403040502020204"/>
+            </a:endParaRPr>
+          </a:p>
+          <a:p>
+            <a:r>
+              <a:rPr lang="en-US" sz="2000" dirty="0">
+                <a:solidFill>
+                  <a:srgbClr val="CF3338"/>
+                </a:solidFill>
+                <a:latin typeface="Pragmatica" panose="020B0403040502020204"/>
+              </a:rPr>
+              <a:t>Solutions: </a:t>
+            </a:r>
+            <a:r>
+              <a:rPr lang="en-US" sz="2000" dirty="0">
+                <a:solidFill>
+                  <a:srgbClr val="CF3338"/>
+                </a:solidFill>
+                <a:latin typeface="Consolas" panose="020B0609020204030204" pitchFamily="49" charset="0"/>
+              </a:rPr>
+              <a:t>housing-pivot-table-solutions.xlsx</a:t>
+            </a:r>
+            <a:endParaRPr lang="en-US" sz="2000" dirty="0">
               <a:solidFill>
                 <a:srgbClr val="CF3338"/>
               </a:solidFill>
               <a:latin typeface="Pragmatica" panose="020B0403040502020204" pitchFamily="34" charset="0"/>
             </a:endParaRPr>
           </a:p>
-          <a:p>
-            <a:endParaRPr lang="en-US" sz="4000" dirty="0">
-              <a:solidFill>
-                <a:srgbClr val="CF3338"/>
-              </a:solidFill>
-              <a:latin typeface="Pragmatica" panose="020B0403040502020204" pitchFamily="34" charset="0"/>
-            </a:endParaRPr>
-          </a:p>
         </p:txBody>
       </p:sp>
     </p:spTree>
     <p:extLst>
       <p:ext uri="{BB962C8B-B14F-4D97-AF65-F5344CB8AC3E}">
-        <p14:creationId xmlns:p14="http://schemas.microsoft.com/office/powerpoint/2010/main" val="3075250561"/>
+        <p14:creationId xmlns:p14="http://schemas.microsoft.com/office/powerpoint/2010/main" val="215271001"/>
       </p:ext>
     </p:extLst>
   </p:cSld>
@@ -5051,7 +5557,7 @@
     </p:spTree>
     <p:extLst>
       <p:ext uri="{BB962C8B-B14F-4D97-AF65-F5344CB8AC3E}">
-        <p14:creationId xmlns:p14="http://schemas.microsoft.com/office/powerpoint/2010/main" val="2223761167"/>
+        <p14:creationId xmlns:p14="http://schemas.microsoft.com/office/powerpoint/2010/main" val="1118322593"/>
       </p:ext>
     </p:extLst>
   </p:cSld>
@@ -5352,6 +5858,208 @@
         <p:spPr>
           <a:xfrm>
             <a:off x="173620" y="219919"/>
+            <a:ext cx="6288549" cy="3046988"/>
+          </a:xfrm>
+          <a:prstGeom prst="rect">
+            <a:avLst/>
+          </a:prstGeom>
+          <a:noFill/>
+        </p:spPr>
+        <p:txBody>
+          <a:bodyPr wrap="square" rtlCol="0">
+            <a:spAutoFit/>
+          </a:bodyPr>
+          <a:lstStyle/>
+          <a:p>
+            <a:r>
+              <a:rPr lang="en-US" sz="4000" b="1" dirty="0">
+                <a:solidFill>
+                  <a:srgbClr val="CF3338"/>
+                </a:solidFill>
+                <a:latin typeface="Pragmatica" panose="020B0403040502020204" pitchFamily="34" charset="0"/>
+              </a:rPr>
+              <a:t>Join my </a:t>
+            </a:r>
+            <a:r>
+              <a:rPr lang="en-US" sz="4000" b="1" dirty="0" err="1">
+                <a:solidFill>
+                  <a:srgbClr val="CF3338"/>
+                </a:solidFill>
+                <a:latin typeface="Pragmatica" panose="020B0403040502020204" pitchFamily="34" charset="0"/>
+              </a:rPr>
+              <a:t>Patreon</a:t>
+            </a:r>
+            <a:endParaRPr lang="en-US" sz="4000" b="1" dirty="0">
+              <a:solidFill>
+                <a:srgbClr val="CF3338"/>
+              </a:solidFill>
+              <a:latin typeface="Pragmatica" panose="020B0403040502020204" pitchFamily="34" charset="0"/>
+            </a:endParaRPr>
+          </a:p>
+          <a:p>
+            <a:endParaRPr lang="en-US" sz="4000" b="1" i="1" dirty="0">
+              <a:solidFill>
+                <a:srgbClr val="CF3338"/>
+              </a:solidFill>
+              <a:latin typeface="Pragmatica" panose="020B0403040502020204" pitchFamily="34" charset="0"/>
+            </a:endParaRPr>
+          </a:p>
+          <a:p>
+            <a:pPr marL="457200" indent="-457200">
+              <a:buFont typeface="Arial" panose="020B0604020202020204" pitchFamily="34" charset="0"/>
+              <a:buChar char="•"/>
+            </a:pPr>
+            <a:r>
+              <a:rPr lang="en-US" sz="2800" dirty="0">
+                <a:latin typeface="Pragmatica" panose="020B0403040502020204" pitchFamily="34" charset="0"/>
+                <a:hlinkClick r:id="rId3">
+                  <a:extLst>
+                    <a:ext uri="{A12FA001-AC4F-418D-AE19-62706E023703}">
+                      <ahyp:hlinkClr xmlns:ahyp="http://schemas.microsoft.com/office/drawing/2018/hyperlinkcolor" val="tx"/>
+                    </a:ext>
+                  </a:extLst>
+                </a:hlinkClick>
+              </a:rPr>
+              <a:t>https://social.stringfestanalytics.com/patreon</a:t>
+            </a:r>
+            <a:r>
+              <a:rPr lang="en-US" sz="2800" dirty="0">
+                <a:latin typeface="Pragmatica" panose="020B0403040502020204" pitchFamily="34" charset="0"/>
+              </a:rPr>
+              <a:t>  </a:t>
+            </a:r>
+          </a:p>
+          <a:p>
+            <a:pPr marL="457200" indent="-457200">
+              <a:buFont typeface="Arial" panose="020B0604020202020204" pitchFamily="34" charset="0"/>
+              <a:buChar char="•"/>
+            </a:pPr>
+            <a:r>
+              <a:rPr lang="en-US" sz="2800" dirty="0">
+                <a:latin typeface="Pragmatica" panose="020B0403040502020204" pitchFamily="34" charset="0"/>
+              </a:rPr>
+              <a:t>Get lifetime access to all past webinar recordings &amp; downloads</a:t>
+            </a:r>
+            <a:endParaRPr lang="en-US" sz="4000" dirty="0">
+              <a:latin typeface="Pragmatica" panose="020B0403040502020204" pitchFamily="34" charset="0"/>
+            </a:endParaRPr>
+          </a:p>
+        </p:txBody>
+      </p:sp>
+    </p:spTree>
+    <p:extLst>
+      <p:ext uri="{BB962C8B-B14F-4D97-AF65-F5344CB8AC3E}">
+        <p14:creationId xmlns:p14="http://schemas.microsoft.com/office/powerpoint/2010/main" val="801538824"/>
+      </p:ext>
+    </p:extLst>
+  </p:cSld>
+  <p:clrMapOvr>
+    <a:masterClrMapping/>
+  </p:clrMapOvr>
+</p:sld>
+</file>
+
+<file path=ppt/slides/slide17.xml><?xml version="1.0" encoding="utf-8"?>
+<p:sld xmlns:a="http://schemas.openxmlformats.org/drawingml/2006/main" xmlns:r="http://schemas.openxmlformats.org/officeDocument/2006/relationships" xmlns:p="http://schemas.openxmlformats.org/presentationml/2006/main">
+  <p:cSld>
+    <p:spTree>
+      <p:nvGrpSpPr>
+        <p:cNvPr id="1" name=""/>
+        <p:cNvGrpSpPr/>
+        <p:nvPr/>
+      </p:nvGrpSpPr>
+      <p:grpSpPr>
+        <a:xfrm>
+          <a:off x="0" y="0"/>
+          <a:ext cx="0" cy="0"/>
+          <a:chOff x="0" y="0"/>
+          <a:chExt cx="0" cy="0"/>
+        </a:xfrm>
+      </p:grpSpPr>
+      <p:sp>
+        <p:nvSpPr>
+          <p:cNvPr id="4" name="Rectangle 3"/>
+          <p:cNvSpPr/>
+          <p:nvPr/>
+        </p:nvSpPr>
+        <p:spPr>
+          <a:xfrm>
+            <a:off x="6574420" y="0"/>
+            <a:ext cx="5617580" cy="6858000"/>
+          </a:xfrm>
+          <a:prstGeom prst="rect">
+            <a:avLst/>
+          </a:prstGeom>
+          <a:solidFill>
+            <a:srgbClr val="CF3338"/>
+          </a:solidFill>
+          <a:ln>
+            <a:noFill/>
+          </a:ln>
+        </p:spPr>
+        <p:style>
+          <a:lnRef idx="2">
+            <a:schemeClr val="accent1">
+              <a:shade val="50000"/>
+            </a:schemeClr>
+          </a:lnRef>
+          <a:fillRef idx="1">
+            <a:schemeClr val="accent1"/>
+          </a:fillRef>
+          <a:effectRef idx="0">
+            <a:schemeClr val="accent1"/>
+          </a:effectRef>
+          <a:fontRef idx="minor">
+            <a:schemeClr val="lt1"/>
+          </a:fontRef>
+        </p:style>
+        <p:txBody>
+          <a:bodyPr rtlCol="0" anchor="ctr"/>
+          <a:lstStyle/>
+          <a:p>
+            <a:pPr algn="ctr"/>
+            <a:endParaRPr lang="en-US"/>
+          </a:p>
+        </p:txBody>
+      </p:sp>
+      <p:pic>
+        <p:nvPicPr>
+          <p:cNvPr id="2" name="Picture 1"/>
+          <p:cNvPicPr>
+            <a:picLocks noChangeAspect="1"/>
+          </p:cNvPicPr>
+          <p:nvPr/>
+        </p:nvPicPr>
+        <p:blipFill rotWithShape="1">
+          <a:blip r:embed="rId2">
+            <a:extLst>
+              <a:ext uri="{28A0092B-C50C-407E-A947-70E740481C1C}">
+                <a14:useLocalDpi xmlns:a14="http://schemas.microsoft.com/office/drawing/2010/main" val="0"/>
+              </a:ext>
+            </a:extLst>
+          </a:blip>
+          <a:srcRect l="69227" t="33418" r="20112" b="50548"/>
+          <a:stretch/>
+        </p:blipFill>
+        <p:spPr>
+          <a:xfrm>
+            <a:off x="10386349" y="5029795"/>
+            <a:ext cx="1805651" cy="1991719"/>
+          </a:xfrm>
+          <a:prstGeom prst="rect">
+            <a:avLst/>
+          </a:prstGeom>
+        </p:spPr>
+      </p:pic>
+      <p:sp>
+        <p:nvSpPr>
+          <p:cNvPr id="3" name="TextBox 2"/>
+          <p:cNvSpPr txBox="1"/>
+          <p:nvPr/>
+        </p:nvSpPr>
+        <p:spPr>
+          <a:xfrm>
+            <a:off x="173620" y="219919"/>
             <a:ext cx="6288549" cy="6063198"/>
           </a:xfrm>
           <a:prstGeom prst="rect">
@@ -5509,230 +6217,6 @@
     <p:extLst>
       <p:ext uri="{BB962C8B-B14F-4D97-AF65-F5344CB8AC3E}">
         <p14:creationId xmlns:p14="http://schemas.microsoft.com/office/powerpoint/2010/main" val="3588636196"/>
-      </p:ext>
-    </p:extLst>
-  </p:cSld>
-  <p:clrMapOvr>
-    <a:masterClrMapping/>
-  </p:clrMapOvr>
-</p:sld>
-</file>
-
-<file path=ppt/slides/slide17.xml><?xml version="1.0" encoding="utf-8"?>
-<p:sld xmlns:a="http://schemas.openxmlformats.org/drawingml/2006/main" xmlns:r="http://schemas.openxmlformats.org/officeDocument/2006/relationships" xmlns:p="http://schemas.openxmlformats.org/presentationml/2006/main">
-  <p:cSld>
-    <p:spTree>
-      <p:nvGrpSpPr>
-        <p:cNvPr id="1" name=""/>
-        <p:cNvGrpSpPr/>
-        <p:nvPr/>
-      </p:nvGrpSpPr>
-      <p:grpSpPr>
-        <a:xfrm>
-          <a:off x="0" y="0"/>
-          <a:ext cx="0" cy="0"/>
-          <a:chOff x="0" y="0"/>
-          <a:chExt cx="0" cy="0"/>
-        </a:xfrm>
-      </p:grpSpPr>
-      <p:pic>
-        <p:nvPicPr>
-          <p:cNvPr id="8" name="Picture 8"/>
-          <p:cNvPicPr>
-            <a:picLocks noChangeAspect="1"/>
-          </p:cNvPicPr>
-          <p:nvPr/>
-        </p:nvPicPr>
-        <p:blipFill>
-          <a:blip r:embed="rId3"/>
-          <a:srcRect/>
-          <a:stretch>
-            <a:fillRect/>
-          </a:stretch>
-        </p:blipFill>
-        <p:spPr>
-          <a:xfrm>
-            <a:off x="10972800" y="-66052"/>
-            <a:ext cx="1337189" cy="980327"/>
-          </a:xfrm>
-          <a:prstGeom prst="rect">
-            <a:avLst/>
-          </a:prstGeom>
-        </p:spPr>
-      </p:pic>
-      <p:sp>
-        <p:nvSpPr>
-          <p:cNvPr id="9" name="TextBox 9"/>
-          <p:cNvSpPr txBox="1"/>
-          <p:nvPr/>
-        </p:nvSpPr>
-        <p:spPr>
-          <a:xfrm>
-            <a:off x="558800" y="411412"/>
-            <a:ext cx="10420804" cy="784510"/>
-          </a:xfrm>
-          <a:prstGeom prst="rect">
-            <a:avLst/>
-          </a:prstGeom>
-        </p:spPr>
-        <p:txBody>
-          <a:bodyPr wrap="square" lIns="0" tIns="0" rIns="0" bIns="0" rtlCol="0" anchor="t">
-            <a:spAutoFit/>
-          </a:bodyPr>
-          <a:lstStyle/>
-          <a:p>
-            <a:pPr>
-              <a:lnSpc>
-                <a:spcPts val="6720"/>
-              </a:lnSpc>
-              <a:spcBef>
-                <a:spcPct val="0"/>
-              </a:spcBef>
-            </a:pPr>
-            <a:r>
-              <a:rPr lang="en-US" sz="4800" dirty="0">
-                <a:solidFill>
-                  <a:srgbClr val="000000"/>
-                </a:solidFill>
-                <a:latin typeface="Open Sans Extra Bold"/>
-              </a:rPr>
-              <a:t>TAKE THE SURVEY</a:t>
-            </a:r>
-          </a:p>
-        </p:txBody>
-      </p:sp>
-      <p:pic>
-        <p:nvPicPr>
-          <p:cNvPr id="5" name="Picture 6">
-            <a:extLst>
-              <a:ext uri="{FF2B5EF4-FFF2-40B4-BE49-F238E27FC236}">
-                <a16:creationId xmlns:a16="http://schemas.microsoft.com/office/drawing/2014/main" id="{01C401A0-8EBC-47CA-B2DE-F204DE6EEF54}"/>
-              </a:ext>
-            </a:extLst>
-          </p:cNvPr>
-          <p:cNvPicPr>
-            <a:picLocks noChangeAspect="1"/>
-          </p:cNvPicPr>
-          <p:nvPr/>
-        </p:nvPicPr>
-        <p:blipFill>
-          <a:blip r:embed="rId4"/>
-          <a:srcRect b="44190"/>
-          <a:stretch>
-            <a:fillRect/>
-          </a:stretch>
-        </p:blipFill>
-        <p:spPr>
-          <a:xfrm>
-            <a:off x="10730080" y="6176837"/>
-            <a:ext cx="1342081" cy="549120"/>
-          </a:xfrm>
-          <a:prstGeom prst="rect">
-            <a:avLst/>
-          </a:prstGeom>
-        </p:spPr>
-      </p:pic>
-      <p:sp>
-        <p:nvSpPr>
-          <p:cNvPr id="6" name="TextBox 5">
-            <a:extLst>
-              <a:ext uri="{FF2B5EF4-FFF2-40B4-BE49-F238E27FC236}">
-                <a16:creationId xmlns:a16="http://schemas.microsoft.com/office/drawing/2014/main" id="{B72B56F1-579F-4CEC-BF86-0455EEB5C6F1}"/>
-              </a:ext>
-            </a:extLst>
-          </p:cNvPr>
-          <p:cNvSpPr txBox="1"/>
-          <p:nvPr/>
-        </p:nvSpPr>
-        <p:spPr>
-          <a:xfrm>
-            <a:off x="571500" y="1295400"/>
-            <a:ext cx="5818020" cy="4011419"/>
-          </a:xfrm>
-          <a:prstGeom prst="rect">
-            <a:avLst/>
-          </a:prstGeom>
-          <a:noFill/>
-        </p:spPr>
-        <p:txBody>
-          <a:bodyPr wrap="square" rtlCol="0">
-            <a:spAutoFit/>
-          </a:bodyPr>
-          <a:lstStyle/>
-          <a:p>
-            <a:r>
-              <a:rPr lang="en-US" sz="3200" dirty="0">
-                <a:latin typeface="Gidole" panose="02000503000000000000" pitchFamily="2" charset="0"/>
-                <a:ea typeface="Roboto Mono" pitchFamily="2" charset="0"/>
-              </a:rPr>
-              <a:t>How did I do today? Testimonials or other data welcome.</a:t>
-            </a:r>
-          </a:p>
-          <a:p>
-            <a:endParaRPr lang="en-US" sz="2667" dirty="0">
-              <a:latin typeface="Gidole" panose="02000503000000000000" pitchFamily="2" charset="0"/>
-              <a:ea typeface="Roboto Mono" pitchFamily="2" charset="0"/>
-            </a:endParaRPr>
-          </a:p>
-          <a:p>
-            <a:r>
-              <a:rPr lang="en-US" sz="4400" dirty="0">
-                <a:latin typeface="Gidole" panose="02000503000000000000" pitchFamily="2" charset="0"/>
-                <a:ea typeface="Roboto Mono" pitchFamily="2" charset="0"/>
-                <a:hlinkClick r:id="rId5"/>
-              </a:rPr>
-              <a:t>https://social.stringfestanalytics.com/event-feedback</a:t>
-            </a:r>
-            <a:r>
-              <a:rPr lang="en-US" sz="4400" dirty="0">
-                <a:latin typeface="Gidole" panose="02000503000000000000" pitchFamily="2" charset="0"/>
-                <a:ea typeface="Roboto Mono" pitchFamily="2" charset="0"/>
-              </a:rPr>
-              <a:t>  </a:t>
-            </a:r>
-          </a:p>
-        </p:txBody>
-      </p:sp>
-      <p:pic>
-        <p:nvPicPr>
-          <p:cNvPr id="3" name="Picture 2" descr="Shape&#10;&#10;Description automatically generated with low confidence">
-            <a:extLst>
-              <a:ext uri="{FF2B5EF4-FFF2-40B4-BE49-F238E27FC236}">
-                <a16:creationId xmlns:a16="http://schemas.microsoft.com/office/drawing/2014/main" id="{42F3175D-B642-4C36-959D-6981F5B7F69C}"/>
-              </a:ext>
-            </a:extLst>
-          </p:cNvPr>
-          <p:cNvPicPr>
-            <a:picLocks noChangeAspect="1"/>
-          </p:cNvPicPr>
-          <p:nvPr/>
-        </p:nvPicPr>
-        <p:blipFill>
-          <a:blip r:embed="rId6" cstate="print">
-            <a:extLst>
-              <a:ext uri="{28A0092B-C50C-407E-A947-70E740481C1C}">
-                <a14:useLocalDpi xmlns:a14="http://schemas.microsoft.com/office/drawing/2010/main" val="0"/>
-              </a:ext>
-            </a:extLst>
-          </a:blip>
-          <a:stretch>
-            <a:fillRect/>
-          </a:stretch>
-        </p:blipFill>
-        <p:spPr>
-          <a:xfrm>
-            <a:off x="6807200" y="3224189"/>
-            <a:ext cx="3505200" cy="3505200"/>
-          </a:xfrm>
-          <a:prstGeom prst="rect">
-            <a:avLst/>
-          </a:prstGeom>
-        </p:spPr>
-      </p:pic>
-    </p:spTree>
-    <p:extLst>
-      <p:ext uri="{BB962C8B-B14F-4D97-AF65-F5344CB8AC3E}">
-        <p14:creationId xmlns:p14="http://schemas.microsoft.com/office/powerpoint/2010/main" val="3032095955"/>
       </p:ext>
     </p:extLst>
   </p:cSld>
@@ -5820,7 +6304,7 @@
                 </a:solidFill>
                 <a:latin typeface="Open Sans Extra Bold"/>
               </a:rPr>
-              <a:t>FINAL QUESTIONS?</a:t>
+              <a:t>TAKE THE SURVEY</a:t>
             </a:r>
           </a:p>
         </p:txBody>
@@ -5871,7 +6355,7 @@
         <p:spPr>
           <a:xfrm>
             <a:off x="571500" y="1295400"/>
-            <a:ext cx="8585200" cy="3375796"/>
+            <a:ext cx="5818020" cy="4011419"/>
           </a:xfrm>
           <a:prstGeom prst="rect">
             <a:avLst/>
@@ -5885,11 +6369,11 @@
           <a:lstStyle/>
           <a:p>
             <a:r>
-              <a:rPr lang="en-US" sz="2667" dirty="0">
+              <a:rPr lang="en-US" sz="3200" dirty="0">
                 <a:latin typeface="Gidole" panose="02000503000000000000" pitchFamily="2" charset="0"/>
                 <a:ea typeface="Roboto Mono" pitchFamily="2" charset="0"/>
               </a:rPr>
-              <a:t>Thanks for joining! </a:t>
+              <a:t>How did I do today? Testimonials or other data welcome.</a:t>
             </a:r>
           </a:p>
           <a:p>
@@ -5900,60 +6384,63 @@
           </a:p>
           <a:p>
             <a:r>
-              <a:rPr lang="en-US" sz="2667" dirty="0">
+              <a:rPr lang="en-US" sz="4400" dirty="0">
                 <a:latin typeface="Gidole" panose="02000503000000000000" pitchFamily="2" charset="0"/>
                 <a:ea typeface="Roboto Mono" pitchFamily="2" charset="0"/>
-              </a:rPr>
-              <a:t>A recap email with recording, survey and more will be coming…</a:t>
-            </a:r>
-          </a:p>
-          <a:p>
-            <a:endParaRPr lang="en-US" sz="2667" dirty="0">
-              <a:latin typeface="Gidole" panose="02000503000000000000" pitchFamily="2" charset="0"/>
-              <a:ea typeface="Roboto Mono" pitchFamily="2" charset="0"/>
-            </a:endParaRPr>
-          </a:p>
-          <a:p>
-            <a:r>
-              <a:rPr lang="en-US" sz="2667" dirty="0">
+                <a:hlinkClick r:id="rId5"/>
+              </a:rPr>
+              <a:t>https://social.stringfestanalytics.com/event-feedback</a:t>
+            </a:r>
+            <a:r>
+              <a:rPr lang="en-US" sz="4400" dirty="0">
                 <a:latin typeface="Gidole" panose="02000503000000000000" pitchFamily="2" charset="0"/>
                 <a:ea typeface="Roboto Mono" pitchFamily="2" charset="0"/>
               </a:rPr>
-              <a:t>The recording stays up for seven days.</a:t>
-            </a:r>
-          </a:p>
-          <a:p>
-            <a:endParaRPr lang="en-US" sz="2667" dirty="0">
-              <a:latin typeface="Gidole" panose="02000503000000000000" pitchFamily="2" charset="0"/>
-              <a:ea typeface="Roboto Mono" pitchFamily="2" charset="0"/>
-            </a:endParaRPr>
-          </a:p>
-          <a:p>
-            <a:r>
-              <a:rPr lang="en-US" sz="2667" dirty="0">
-                <a:latin typeface="Gidole" panose="02000503000000000000" pitchFamily="2" charset="0"/>
-                <a:ea typeface="Roboto Mono" pitchFamily="2" charset="0"/>
-              </a:rPr>
-              <a:t>I </a:t>
-            </a:r>
-            <a:r>
-              <a:rPr lang="en-US" sz="2667">
-                <a:latin typeface="Gidole" panose="02000503000000000000" pitchFamily="2" charset="0"/>
-                <a:ea typeface="Roboto Mono" pitchFamily="2" charset="0"/>
-              </a:rPr>
-              <a:t>appreciate your reviews &amp; referrals. </a:t>
-            </a:r>
-            <a:endParaRPr lang="en-US" sz="2667" dirty="0">
-              <a:latin typeface="Gidole" panose="02000503000000000000" pitchFamily="2" charset="0"/>
-              <a:ea typeface="Roboto Mono" pitchFamily="2" charset="0"/>
-            </a:endParaRPr>
-          </a:p>
-        </p:txBody>
-      </p:sp>
+              <a:t>  </a:t>
+            </a:r>
+          </a:p>
+        </p:txBody>
+      </p:sp>
+      <p:pic>
+        <p:nvPicPr>
+          <p:cNvPr id="3" name="Picture 2" descr="Shape&#10;&#10;Description automatically generated with low confidence">
+            <a:extLst>
+              <a:ext uri="{FF2B5EF4-FFF2-40B4-BE49-F238E27FC236}">
+                <a16:creationId xmlns:a16="http://schemas.microsoft.com/office/drawing/2014/main" id="{42F3175D-B642-4C36-959D-6981F5B7F69C}"/>
+              </a:ext>
+            </a:extLst>
+          </p:cNvPr>
+          <p:cNvPicPr>
+            <a:picLocks noChangeAspect="1"/>
+          </p:cNvPicPr>
+          <p:nvPr/>
+        </p:nvPicPr>
+        <p:blipFill>
+          <a:blip r:embed="rId6" cstate="print">
+            <a:extLst>
+              <a:ext uri="{28A0092B-C50C-407E-A947-70E740481C1C}">
+                <a14:useLocalDpi xmlns:a14="http://schemas.microsoft.com/office/drawing/2010/main" val="0"/>
+              </a:ext>
+            </a:extLst>
+          </a:blip>
+          <a:stretch>
+            <a:fillRect/>
+          </a:stretch>
+        </p:blipFill>
+        <p:spPr>
+          <a:xfrm>
+            <a:off x="6807200" y="3224189"/>
+            <a:ext cx="3505200" cy="3505200"/>
+          </a:xfrm>
+          <a:prstGeom prst="rect">
+            <a:avLst/>
+          </a:prstGeom>
+        </p:spPr>
+      </p:pic>
     </p:spTree>
     <p:extLst>
       <p:ext uri="{BB962C8B-B14F-4D97-AF65-F5344CB8AC3E}">
-        <p14:creationId xmlns:p14="http://schemas.microsoft.com/office/powerpoint/2010/main" val="956393270"/>
+        <p14:creationId xmlns:p14="http://schemas.microsoft.com/office/powerpoint/2010/main" val="3032095955"/>
       </p:ext>
     </p:extLst>
   </p:cSld>
@@ -5964,6 +6451,514 @@
 </file>
 
 <file path=ppt/slides/slide19.xml><?xml version="1.0" encoding="utf-8"?>
+<p:sld xmlns:a="http://schemas.openxmlformats.org/drawingml/2006/main" xmlns:r="http://schemas.openxmlformats.org/officeDocument/2006/relationships" xmlns:p="http://schemas.openxmlformats.org/presentationml/2006/main">
+  <p:cSld>
+    <p:spTree>
+      <p:nvGrpSpPr>
+        <p:cNvPr id="1" name=""/>
+        <p:cNvGrpSpPr/>
+        <p:nvPr/>
+      </p:nvGrpSpPr>
+      <p:grpSpPr>
+        <a:xfrm>
+          <a:off x="0" y="0"/>
+          <a:ext cx="0" cy="0"/>
+          <a:chOff x="0" y="0"/>
+          <a:chExt cx="0" cy="0"/>
+        </a:xfrm>
+      </p:grpSpPr>
+      <p:pic>
+        <p:nvPicPr>
+          <p:cNvPr id="8" name="Picture 8"/>
+          <p:cNvPicPr>
+            <a:picLocks noChangeAspect="1"/>
+          </p:cNvPicPr>
+          <p:nvPr/>
+        </p:nvPicPr>
+        <p:blipFill>
+          <a:blip r:embed="rId3"/>
+          <a:srcRect/>
+          <a:stretch>
+            <a:fillRect/>
+          </a:stretch>
+        </p:blipFill>
+        <p:spPr>
+          <a:xfrm>
+            <a:off x="10972800" y="-66052"/>
+            <a:ext cx="1337189" cy="980327"/>
+          </a:xfrm>
+          <a:prstGeom prst="rect">
+            <a:avLst/>
+          </a:prstGeom>
+        </p:spPr>
+      </p:pic>
+      <p:sp>
+        <p:nvSpPr>
+          <p:cNvPr id="9" name="TextBox 9"/>
+          <p:cNvSpPr txBox="1"/>
+          <p:nvPr/>
+        </p:nvSpPr>
+        <p:spPr>
+          <a:xfrm>
+            <a:off x="558800" y="411412"/>
+            <a:ext cx="10420804" cy="784510"/>
+          </a:xfrm>
+          <a:prstGeom prst="rect">
+            <a:avLst/>
+          </a:prstGeom>
+        </p:spPr>
+        <p:txBody>
+          <a:bodyPr wrap="square" lIns="0" tIns="0" rIns="0" bIns="0" rtlCol="0" anchor="t">
+            <a:spAutoFit/>
+          </a:bodyPr>
+          <a:lstStyle/>
+          <a:p>
+            <a:pPr>
+              <a:lnSpc>
+                <a:spcPts val="6720"/>
+              </a:lnSpc>
+              <a:spcBef>
+                <a:spcPct val="0"/>
+              </a:spcBef>
+            </a:pPr>
+            <a:r>
+              <a:rPr lang="en-US" sz="4800" dirty="0">
+                <a:solidFill>
+                  <a:srgbClr val="000000"/>
+                </a:solidFill>
+                <a:latin typeface="Open Sans Extra Bold"/>
+              </a:rPr>
+              <a:t>FINAL QUESTIONS?</a:t>
+            </a:r>
+          </a:p>
+        </p:txBody>
+      </p:sp>
+      <p:pic>
+        <p:nvPicPr>
+          <p:cNvPr id="5" name="Picture 6">
+            <a:extLst>
+              <a:ext uri="{FF2B5EF4-FFF2-40B4-BE49-F238E27FC236}">
+                <a16:creationId xmlns:a16="http://schemas.microsoft.com/office/drawing/2014/main" id="{01C401A0-8EBC-47CA-B2DE-F204DE6EEF54}"/>
+              </a:ext>
+            </a:extLst>
+          </p:cNvPr>
+          <p:cNvPicPr>
+            <a:picLocks noChangeAspect="1"/>
+          </p:cNvPicPr>
+          <p:nvPr/>
+        </p:nvPicPr>
+        <p:blipFill>
+          <a:blip r:embed="rId4"/>
+          <a:srcRect b="44190"/>
+          <a:stretch>
+            <a:fillRect/>
+          </a:stretch>
+        </p:blipFill>
+        <p:spPr>
+          <a:xfrm>
+            <a:off x="10730080" y="6176837"/>
+            <a:ext cx="1342081" cy="549120"/>
+          </a:xfrm>
+          <a:prstGeom prst="rect">
+            <a:avLst/>
+          </a:prstGeom>
+        </p:spPr>
+      </p:pic>
+      <p:sp>
+        <p:nvSpPr>
+          <p:cNvPr id="6" name="TextBox 5">
+            <a:extLst>
+              <a:ext uri="{FF2B5EF4-FFF2-40B4-BE49-F238E27FC236}">
+                <a16:creationId xmlns:a16="http://schemas.microsoft.com/office/drawing/2014/main" id="{B72B56F1-579F-4CEC-BF86-0455EEB5C6F1}"/>
+              </a:ext>
+            </a:extLst>
+          </p:cNvPr>
+          <p:cNvSpPr txBox="1"/>
+          <p:nvPr/>
+        </p:nvSpPr>
+        <p:spPr>
+          <a:xfrm>
+            <a:off x="571500" y="1295400"/>
+            <a:ext cx="8585200" cy="3786229"/>
+          </a:xfrm>
+          <a:prstGeom prst="rect">
+            <a:avLst/>
+          </a:prstGeom>
+          <a:noFill/>
+        </p:spPr>
+        <p:txBody>
+          <a:bodyPr wrap="square" rtlCol="0">
+            <a:spAutoFit/>
+          </a:bodyPr>
+          <a:lstStyle/>
+          <a:p>
+            <a:r>
+              <a:rPr lang="en-US" sz="2667" dirty="0">
+                <a:latin typeface="Gidole" panose="02000503000000000000" pitchFamily="2" charset="0"/>
+                <a:ea typeface="Roboto Mono" pitchFamily="2" charset="0"/>
+              </a:rPr>
+              <a:t>Thanks for joining! </a:t>
+            </a:r>
+          </a:p>
+          <a:p>
+            <a:endParaRPr lang="en-US" sz="2667" dirty="0">
+              <a:latin typeface="Gidole" panose="02000503000000000000" pitchFamily="2" charset="0"/>
+              <a:ea typeface="Roboto Mono" pitchFamily="2" charset="0"/>
+            </a:endParaRPr>
+          </a:p>
+          <a:p>
+            <a:r>
+              <a:rPr lang="en-US" sz="2667" dirty="0">
+                <a:latin typeface="Gidole" panose="02000503000000000000" pitchFamily="2" charset="0"/>
+                <a:ea typeface="Roboto Mono" pitchFamily="2" charset="0"/>
+              </a:rPr>
+              <a:t>A recap email with recording, survey and more will be coming…</a:t>
+            </a:r>
+          </a:p>
+          <a:p>
+            <a:endParaRPr lang="en-US" sz="2667" dirty="0">
+              <a:latin typeface="Gidole" panose="02000503000000000000" pitchFamily="2" charset="0"/>
+              <a:ea typeface="Roboto Mono" pitchFamily="2" charset="0"/>
+            </a:endParaRPr>
+          </a:p>
+          <a:p>
+            <a:r>
+              <a:rPr lang="en-US" sz="2667" dirty="0">
+                <a:latin typeface="Gidole" panose="02000503000000000000" pitchFamily="2" charset="0"/>
+                <a:ea typeface="Roboto Mono" pitchFamily="2" charset="0"/>
+              </a:rPr>
+              <a:t>The recording stays up for 48 hours, then moves to my </a:t>
+            </a:r>
+            <a:r>
+              <a:rPr lang="en-US" sz="2667" dirty="0" err="1">
+                <a:latin typeface="Gidole" panose="02000503000000000000" pitchFamily="2" charset="0"/>
+                <a:ea typeface="Roboto Mono" pitchFamily="2" charset="0"/>
+              </a:rPr>
+              <a:t>Patreon</a:t>
+            </a:r>
+            <a:endParaRPr lang="en-US" sz="2667" dirty="0">
+              <a:latin typeface="Gidole" panose="02000503000000000000" pitchFamily="2" charset="0"/>
+              <a:ea typeface="Roboto Mono" pitchFamily="2" charset="0"/>
+            </a:endParaRPr>
+          </a:p>
+          <a:p>
+            <a:endParaRPr lang="en-US" sz="2667" dirty="0">
+              <a:latin typeface="Gidole" panose="02000503000000000000" pitchFamily="2" charset="0"/>
+              <a:ea typeface="Roboto Mono" pitchFamily="2" charset="0"/>
+            </a:endParaRPr>
+          </a:p>
+          <a:p>
+            <a:r>
+              <a:rPr lang="en-US" sz="2667" dirty="0">
+                <a:latin typeface="Gidole" panose="02000503000000000000" pitchFamily="2" charset="0"/>
+                <a:ea typeface="Roboto Mono" pitchFamily="2" charset="0"/>
+              </a:rPr>
+              <a:t>I appreciate your reviews &amp; referrals. </a:t>
+            </a:r>
+          </a:p>
+        </p:txBody>
+      </p:sp>
+    </p:spTree>
+    <p:extLst>
+      <p:ext uri="{BB962C8B-B14F-4D97-AF65-F5344CB8AC3E}">
+        <p14:creationId xmlns:p14="http://schemas.microsoft.com/office/powerpoint/2010/main" val="1167863343"/>
+      </p:ext>
+    </p:extLst>
+  </p:cSld>
+  <p:clrMapOvr>
+    <a:masterClrMapping/>
+  </p:clrMapOvr>
+</p:sld>
+</file>
+
+<file path=ppt/slides/slide2.xml><?xml version="1.0" encoding="utf-8"?>
+<p:sld xmlns:a="http://schemas.openxmlformats.org/drawingml/2006/main" xmlns:r="http://schemas.openxmlformats.org/officeDocument/2006/relationships" xmlns:p="http://schemas.openxmlformats.org/presentationml/2006/main">
+  <p:cSld>
+    <p:spTree>
+      <p:nvGrpSpPr>
+        <p:cNvPr id="1" name=""/>
+        <p:cNvGrpSpPr/>
+        <p:nvPr/>
+      </p:nvGrpSpPr>
+      <p:grpSpPr>
+        <a:xfrm>
+          <a:off x="0" y="0"/>
+          <a:ext cx="0" cy="0"/>
+          <a:chOff x="0" y="0"/>
+          <a:chExt cx="0" cy="0"/>
+        </a:xfrm>
+      </p:grpSpPr>
+      <p:sp>
+        <p:nvSpPr>
+          <p:cNvPr id="4" name="Rectangle 3"/>
+          <p:cNvSpPr/>
+          <p:nvPr/>
+        </p:nvSpPr>
+        <p:spPr>
+          <a:xfrm>
+            <a:off x="0" y="0"/>
+            <a:ext cx="12192000" cy="6858000"/>
+          </a:xfrm>
+          <a:prstGeom prst="rect">
+            <a:avLst/>
+          </a:prstGeom>
+          <a:solidFill>
+            <a:srgbClr val="CF3338"/>
+          </a:solidFill>
+          <a:ln>
+            <a:noFill/>
+          </a:ln>
+        </p:spPr>
+        <p:style>
+          <a:lnRef idx="2">
+            <a:schemeClr val="accent1">
+              <a:shade val="50000"/>
+            </a:schemeClr>
+          </a:lnRef>
+          <a:fillRef idx="1">
+            <a:schemeClr val="accent1"/>
+          </a:fillRef>
+          <a:effectRef idx="0">
+            <a:schemeClr val="accent1"/>
+          </a:effectRef>
+          <a:fontRef idx="minor">
+            <a:schemeClr val="lt1"/>
+          </a:fontRef>
+        </p:style>
+        <p:txBody>
+          <a:bodyPr rtlCol="0" anchor="ctr"/>
+          <a:lstStyle/>
+          <a:p>
+            <a:pPr algn="ctr"/>
+            <a:endParaRPr lang="en-US"/>
+          </a:p>
+        </p:txBody>
+      </p:sp>
+      <p:sp>
+        <p:nvSpPr>
+          <p:cNvPr id="5" name="TextBox 4"/>
+          <p:cNvSpPr txBox="1"/>
+          <p:nvPr/>
+        </p:nvSpPr>
+        <p:spPr>
+          <a:xfrm>
+            <a:off x="520861" y="393539"/>
+            <a:ext cx="10324617" cy="1107996"/>
+          </a:xfrm>
+          <a:prstGeom prst="rect">
+            <a:avLst/>
+          </a:prstGeom>
+          <a:noFill/>
+        </p:spPr>
+        <p:txBody>
+          <a:bodyPr wrap="square" rtlCol="0">
+            <a:spAutoFit/>
+          </a:bodyPr>
+          <a:lstStyle/>
+          <a:p>
+            <a:r>
+              <a:rPr lang="en-US" sz="6600" b="1" dirty="0">
+                <a:solidFill>
+                  <a:schemeClr val="bg1"/>
+                </a:solidFill>
+                <a:latin typeface="Normafixed Tryout" panose="00000409000000000000" pitchFamily="49" charset="0"/>
+              </a:rPr>
+              <a:t>Hi, I’m George</a:t>
+            </a:r>
+          </a:p>
+        </p:txBody>
+      </p:sp>
+      <p:pic>
+        <p:nvPicPr>
+          <p:cNvPr id="3" name="Picture 4" descr="Advancing into Analytics Cover Image">
+            <a:extLst>
+              <a:ext uri="{FF2B5EF4-FFF2-40B4-BE49-F238E27FC236}">
+                <a16:creationId xmlns:a16="http://schemas.microsoft.com/office/drawing/2014/main" id="{588F684B-18EF-D76C-5F7B-15E4BAD60643}"/>
+              </a:ext>
+            </a:extLst>
+          </p:cNvPr>
+          <p:cNvPicPr>
+            <a:picLocks noChangeAspect="1" noChangeArrowheads="1"/>
+          </p:cNvPicPr>
+          <p:nvPr/>
+        </p:nvPicPr>
+        <p:blipFill>
+          <a:blip r:embed="rId2" cstate="print">
+            <a:extLst>
+              <a:ext uri="{28A0092B-C50C-407E-A947-70E740481C1C}">
+                <a14:useLocalDpi xmlns:a14="http://schemas.microsoft.com/office/drawing/2010/main" val="0"/>
+              </a:ext>
+            </a:extLst>
+          </a:blip>
+          <a:srcRect/>
+          <a:stretch>
+            <a:fillRect/>
+          </a:stretch>
+        </p:blipFill>
+        <p:spPr bwMode="auto">
+          <a:xfrm>
+            <a:off x="7588155" y="350009"/>
+            <a:ext cx="2830945" cy="3697560"/>
+          </a:xfrm>
+          <a:prstGeom prst="rect">
+            <a:avLst/>
+          </a:prstGeom>
+          <a:noFill/>
+          <a:extLst>
+            <a:ext uri="{909E8E84-426E-40DD-AFC4-6F175D3DCCD1}">
+              <a14:hiddenFill xmlns:a14="http://schemas.microsoft.com/office/drawing/2010/main">
+                <a:solidFill>
+                  <a:srgbClr val="FFFFFF"/>
+                </a:solidFill>
+              </a14:hiddenFill>
+            </a:ext>
+          </a:extLst>
+        </p:spPr>
+      </p:pic>
+      <p:pic>
+        <p:nvPicPr>
+          <p:cNvPr id="6" name="Picture 6" descr="Free photos of Cleveland">
+            <a:extLst>
+              <a:ext uri="{FF2B5EF4-FFF2-40B4-BE49-F238E27FC236}">
+                <a16:creationId xmlns:a16="http://schemas.microsoft.com/office/drawing/2014/main" id="{CBA53EEE-E3E1-D99E-A4DC-1C4DD2E6CE4A}"/>
+              </a:ext>
+            </a:extLst>
+          </p:cNvPr>
+          <p:cNvPicPr>
+            <a:picLocks noChangeAspect="1" noChangeArrowheads="1"/>
+          </p:cNvPicPr>
+          <p:nvPr/>
+        </p:nvPicPr>
+        <p:blipFill>
+          <a:blip r:embed="rId3" cstate="print">
+            <a:extLst>
+              <a:ext uri="{28A0092B-C50C-407E-A947-70E740481C1C}">
+                <a14:useLocalDpi xmlns:a14="http://schemas.microsoft.com/office/drawing/2010/main" val="0"/>
+              </a:ext>
+            </a:extLst>
+          </a:blip>
+          <a:srcRect/>
+          <a:stretch>
+            <a:fillRect/>
+          </a:stretch>
+        </p:blipFill>
+        <p:spPr bwMode="auto">
+          <a:xfrm>
+            <a:off x="1130461" y="1979206"/>
+            <a:ext cx="3690239" cy="2456315"/>
+          </a:xfrm>
+          <a:prstGeom prst="rect">
+            <a:avLst/>
+          </a:prstGeom>
+          <a:noFill/>
+          <a:extLst>
+            <a:ext uri="{909E8E84-426E-40DD-AFC4-6F175D3DCCD1}">
+              <a14:hiddenFill xmlns:a14="http://schemas.microsoft.com/office/drawing/2010/main">
+                <a:solidFill>
+                  <a:srgbClr val="FFFFFF"/>
+                </a:solidFill>
+              </a14:hiddenFill>
+            </a:ext>
+          </a:extLst>
+        </p:spPr>
+      </p:pic>
+      <p:pic>
+        <p:nvPicPr>
+          <p:cNvPr id="8" name="Picture 7" descr="Logo&#10;&#10;Description automatically generated">
+            <a:extLst>
+              <a:ext uri="{FF2B5EF4-FFF2-40B4-BE49-F238E27FC236}">
+                <a16:creationId xmlns:a16="http://schemas.microsoft.com/office/drawing/2014/main" id="{97E0F267-87DF-961E-1FAA-47FD4F27A5C6}"/>
+              </a:ext>
+            </a:extLst>
+          </p:cNvPr>
+          <p:cNvPicPr>
+            <a:picLocks noChangeAspect="1"/>
+          </p:cNvPicPr>
+          <p:nvPr/>
+        </p:nvPicPr>
+        <p:blipFill>
+          <a:blip r:embed="rId4" cstate="print">
+            <a:extLst>
+              <a:ext uri="{28A0092B-C50C-407E-A947-70E740481C1C}">
+                <a14:useLocalDpi xmlns:a14="http://schemas.microsoft.com/office/drawing/2010/main" val="0"/>
+              </a:ext>
+            </a:extLst>
+          </a:blip>
+          <a:stretch>
+            <a:fillRect/>
+          </a:stretch>
+        </p:blipFill>
+        <p:spPr>
+          <a:xfrm>
+            <a:off x="5122460" y="4001797"/>
+            <a:ext cx="4965539" cy="3641787"/>
+          </a:xfrm>
+          <a:prstGeom prst="rect">
+            <a:avLst/>
+          </a:prstGeom>
+        </p:spPr>
+      </p:pic>
+      <p:pic>
+        <p:nvPicPr>
+          <p:cNvPr id="1026" name="Picture 2" descr="Excel MVP Led Training - The Best Way to Learn Excel.">
+            <a:extLst>
+              <a:ext uri="{FF2B5EF4-FFF2-40B4-BE49-F238E27FC236}">
+                <a16:creationId xmlns:a16="http://schemas.microsoft.com/office/drawing/2014/main" id="{2A1CA193-2FA9-8F81-F4B7-A7434CB374E4}"/>
+              </a:ext>
+            </a:extLst>
+          </p:cNvPr>
+          <p:cNvPicPr>
+            <a:picLocks noChangeAspect="1" noChangeArrowheads="1"/>
+          </p:cNvPicPr>
+          <p:nvPr/>
+        </p:nvPicPr>
+        <p:blipFill>
+          <a:blip r:embed="rId5">
+            <a:extLst>
+              <a:ext uri="{28A0092B-C50C-407E-A947-70E740481C1C}">
+                <a14:useLocalDpi xmlns:a14="http://schemas.microsoft.com/office/drawing/2010/main" val="0"/>
+              </a:ext>
+            </a:extLst>
+          </a:blip>
+          <a:srcRect/>
+          <a:stretch>
+            <a:fillRect/>
+          </a:stretch>
+        </p:blipFill>
+        <p:spPr bwMode="auto">
+          <a:xfrm>
+            <a:off x="589588" y="4765760"/>
+            <a:ext cx="4532872" cy="1828842"/>
+          </a:xfrm>
+          <a:prstGeom prst="rect">
+            <a:avLst/>
+          </a:prstGeom>
+          <a:noFill/>
+          <a:extLst>
+            <a:ext uri="{909E8E84-426E-40DD-AFC4-6F175D3DCCD1}">
+              <a14:hiddenFill xmlns:a14="http://schemas.microsoft.com/office/drawing/2010/main">
+                <a:solidFill>
+                  <a:srgbClr val="FFFFFF"/>
+                </a:solidFill>
+              </a14:hiddenFill>
+            </a:ext>
+          </a:extLst>
+        </p:spPr>
+      </p:pic>
+    </p:spTree>
+    <p:extLst>
+      <p:ext uri="{BB962C8B-B14F-4D97-AF65-F5344CB8AC3E}">
+        <p14:creationId xmlns:p14="http://schemas.microsoft.com/office/powerpoint/2010/main" val="166785523"/>
+      </p:ext>
+    </p:extLst>
+  </p:cSld>
+  <p:clrMapOvr>
+    <a:masterClrMapping/>
+  </p:clrMapOvr>
+</p:sld>
+</file>
+
+<file path=ppt/slides/slide20.xml><?xml version="1.0" encoding="utf-8"?>
 <p:sld xmlns:a="http://schemas.openxmlformats.org/drawingml/2006/main" xmlns:r="http://schemas.openxmlformats.org/officeDocument/2006/relationships" xmlns:p="http://schemas.openxmlformats.org/presentationml/2006/main">
   <p:cSld>
     <p:spTree>
@@ -6082,293 +7077,6 @@
     <p:extLst>
       <p:ext uri="{BB962C8B-B14F-4D97-AF65-F5344CB8AC3E}">
         <p14:creationId xmlns:p14="http://schemas.microsoft.com/office/powerpoint/2010/main" val="1931018060"/>
-      </p:ext>
-    </p:extLst>
-  </p:cSld>
-  <p:clrMapOvr>
-    <a:masterClrMapping/>
-  </p:clrMapOvr>
-</p:sld>
-</file>
-
-<file path=ppt/slides/slide2.xml><?xml version="1.0" encoding="utf-8"?>
-<p:sld xmlns:a="http://schemas.openxmlformats.org/drawingml/2006/main" xmlns:r="http://schemas.openxmlformats.org/officeDocument/2006/relationships" xmlns:p="http://schemas.openxmlformats.org/presentationml/2006/main">
-  <p:cSld>
-    <p:spTree>
-      <p:nvGrpSpPr>
-        <p:cNvPr id="1" name=""/>
-        <p:cNvGrpSpPr/>
-        <p:nvPr/>
-      </p:nvGrpSpPr>
-      <p:grpSpPr>
-        <a:xfrm>
-          <a:off x="0" y="0"/>
-          <a:ext cx="0" cy="0"/>
-          <a:chOff x="0" y="0"/>
-          <a:chExt cx="0" cy="0"/>
-        </a:xfrm>
-      </p:grpSpPr>
-      <p:sp>
-        <p:nvSpPr>
-          <p:cNvPr id="4" name="Rectangle 3"/>
-          <p:cNvSpPr/>
-          <p:nvPr/>
-        </p:nvSpPr>
-        <p:spPr>
-          <a:xfrm>
-            <a:off x="0" y="0"/>
-            <a:ext cx="12192000" cy="6858000"/>
-          </a:xfrm>
-          <a:prstGeom prst="rect">
-            <a:avLst/>
-          </a:prstGeom>
-          <a:solidFill>
-            <a:srgbClr val="CF3338"/>
-          </a:solidFill>
-          <a:ln>
-            <a:noFill/>
-          </a:ln>
-        </p:spPr>
-        <p:style>
-          <a:lnRef idx="2">
-            <a:schemeClr val="accent1">
-              <a:shade val="50000"/>
-            </a:schemeClr>
-          </a:lnRef>
-          <a:fillRef idx="1">
-            <a:schemeClr val="accent1"/>
-          </a:fillRef>
-          <a:effectRef idx="0">
-            <a:schemeClr val="accent1"/>
-          </a:effectRef>
-          <a:fontRef idx="minor">
-            <a:schemeClr val="lt1"/>
-          </a:fontRef>
-        </p:style>
-        <p:txBody>
-          <a:bodyPr rtlCol="0" anchor="ctr"/>
-          <a:lstStyle/>
-          <a:p>
-            <a:pPr algn="ctr"/>
-            <a:endParaRPr lang="en-US"/>
-          </a:p>
-        </p:txBody>
-      </p:sp>
-      <p:sp>
-        <p:nvSpPr>
-          <p:cNvPr id="5" name="TextBox 4"/>
-          <p:cNvSpPr txBox="1"/>
-          <p:nvPr/>
-        </p:nvSpPr>
-        <p:spPr>
-          <a:xfrm>
-            <a:off x="520861" y="393539"/>
-            <a:ext cx="10324617" cy="1107996"/>
-          </a:xfrm>
-          <a:prstGeom prst="rect">
-            <a:avLst/>
-          </a:prstGeom>
-          <a:noFill/>
-        </p:spPr>
-        <p:txBody>
-          <a:bodyPr wrap="square" rtlCol="0">
-            <a:spAutoFit/>
-          </a:bodyPr>
-          <a:lstStyle/>
-          <a:p>
-            <a:r>
-              <a:rPr lang="en-US" sz="6600" b="1" dirty="0">
-                <a:solidFill>
-                  <a:schemeClr val="bg1"/>
-                </a:solidFill>
-                <a:latin typeface="Normafixed Tryout" panose="00000409000000000000" pitchFamily="49" charset="0"/>
-              </a:rPr>
-              <a:t>Hi, I’m George</a:t>
-            </a:r>
-          </a:p>
-        </p:txBody>
-      </p:sp>
-      <p:pic>
-        <p:nvPicPr>
-          <p:cNvPr id="3" name="Picture 4" descr="Advancing into Analytics Cover Image">
-            <a:extLst>
-              <a:ext uri="{FF2B5EF4-FFF2-40B4-BE49-F238E27FC236}">
-                <a16:creationId xmlns:a16="http://schemas.microsoft.com/office/drawing/2014/main" id="{588F684B-18EF-D76C-5F7B-15E4BAD60643}"/>
-              </a:ext>
-            </a:extLst>
-          </p:cNvPr>
-          <p:cNvPicPr>
-            <a:picLocks noChangeAspect="1" noChangeArrowheads="1"/>
-          </p:cNvPicPr>
-          <p:nvPr/>
-        </p:nvPicPr>
-        <p:blipFill>
-          <a:blip r:embed="rId2" cstate="print">
-            <a:extLst>
-              <a:ext uri="{28A0092B-C50C-407E-A947-70E740481C1C}">
-                <a14:useLocalDpi xmlns:a14="http://schemas.microsoft.com/office/drawing/2010/main" val="0"/>
-              </a:ext>
-            </a:extLst>
-          </a:blip>
-          <a:srcRect/>
-          <a:stretch>
-            <a:fillRect/>
-          </a:stretch>
-        </p:blipFill>
-        <p:spPr bwMode="auto">
-          <a:xfrm>
-            <a:off x="7588155" y="350009"/>
-            <a:ext cx="2830945" cy="3697560"/>
-          </a:xfrm>
-          <a:prstGeom prst="rect">
-            <a:avLst/>
-          </a:prstGeom>
-          <a:noFill/>
-          <a:extLst>
-            <a:ext uri="{909E8E84-426E-40DD-AFC4-6F175D3DCCD1}">
-              <a14:hiddenFill xmlns:a14="http://schemas.microsoft.com/office/drawing/2010/main">
-                <a:solidFill>
-                  <a:srgbClr val="FFFFFF"/>
-                </a:solidFill>
-              </a14:hiddenFill>
-            </a:ext>
-          </a:extLst>
-        </p:spPr>
-      </p:pic>
-      <p:pic>
-        <p:nvPicPr>
-          <p:cNvPr id="6" name="Picture 6" descr="Free photos of Cleveland">
-            <a:extLst>
-              <a:ext uri="{FF2B5EF4-FFF2-40B4-BE49-F238E27FC236}">
-                <a16:creationId xmlns:a16="http://schemas.microsoft.com/office/drawing/2014/main" id="{CBA53EEE-E3E1-D99E-A4DC-1C4DD2E6CE4A}"/>
-              </a:ext>
-            </a:extLst>
-          </p:cNvPr>
-          <p:cNvPicPr>
-            <a:picLocks noChangeAspect="1" noChangeArrowheads="1"/>
-          </p:cNvPicPr>
-          <p:nvPr/>
-        </p:nvPicPr>
-        <p:blipFill>
-          <a:blip r:embed="rId3" cstate="print">
-            <a:extLst>
-              <a:ext uri="{28A0092B-C50C-407E-A947-70E740481C1C}">
-                <a14:useLocalDpi xmlns:a14="http://schemas.microsoft.com/office/drawing/2010/main" val="0"/>
-              </a:ext>
-            </a:extLst>
-          </a:blip>
-          <a:srcRect/>
-          <a:stretch>
-            <a:fillRect/>
-          </a:stretch>
-        </p:blipFill>
-        <p:spPr bwMode="auto">
-          <a:xfrm>
-            <a:off x="1130461" y="1979206"/>
-            <a:ext cx="3690239" cy="2456315"/>
-          </a:xfrm>
-          <a:prstGeom prst="rect">
-            <a:avLst/>
-          </a:prstGeom>
-          <a:noFill/>
-          <a:extLst>
-            <a:ext uri="{909E8E84-426E-40DD-AFC4-6F175D3DCCD1}">
-              <a14:hiddenFill xmlns:a14="http://schemas.microsoft.com/office/drawing/2010/main">
-                <a:solidFill>
-                  <a:srgbClr val="FFFFFF"/>
-                </a:solidFill>
-              </a14:hiddenFill>
-            </a:ext>
-          </a:extLst>
-        </p:spPr>
-      </p:pic>
-      <p:pic>
-        <p:nvPicPr>
-          <p:cNvPr id="8" name="Picture 7" descr="Logo&#10;&#10;Description automatically generated">
-            <a:extLst>
-              <a:ext uri="{FF2B5EF4-FFF2-40B4-BE49-F238E27FC236}">
-                <a16:creationId xmlns:a16="http://schemas.microsoft.com/office/drawing/2014/main" id="{97E0F267-87DF-961E-1FAA-47FD4F27A5C6}"/>
-              </a:ext>
-            </a:extLst>
-          </p:cNvPr>
-          <p:cNvPicPr>
-            <a:picLocks noChangeAspect="1"/>
-          </p:cNvPicPr>
-          <p:nvPr/>
-        </p:nvPicPr>
-        <p:blipFill>
-          <a:blip r:embed="rId4" cstate="print">
-            <a:extLst>
-              <a:ext uri="{28A0092B-C50C-407E-A947-70E740481C1C}">
-                <a14:useLocalDpi xmlns:a14="http://schemas.microsoft.com/office/drawing/2010/main" val="0"/>
-              </a:ext>
-            </a:extLst>
-          </a:blip>
-          <a:stretch>
-            <a:fillRect/>
-          </a:stretch>
-        </p:blipFill>
-        <p:spPr>
-          <a:xfrm>
-            <a:off x="5122460" y="4001797"/>
-            <a:ext cx="4965539" cy="3641787"/>
-          </a:xfrm>
-          <a:prstGeom prst="rect">
-            <a:avLst/>
-          </a:prstGeom>
-        </p:spPr>
-      </p:pic>
-      <p:pic>
-        <p:nvPicPr>
-          <p:cNvPr id="1026" name="Picture 2" descr="Excel MVP Led Training - The Best Way to Learn Excel.">
-            <a:extLst>
-              <a:ext uri="{FF2B5EF4-FFF2-40B4-BE49-F238E27FC236}">
-                <a16:creationId xmlns:a16="http://schemas.microsoft.com/office/drawing/2014/main" id="{2A1CA193-2FA9-8F81-F4B7-A7434CB374E4}"/>
-              </a:ext>
-            </a:extLst>
-          </p:cNvPr>
-          <p:cNvPicPr>
-            <a:picLocks noChangeAspect="1" noChangeArrowheads="1"/>
-          </p:cNvPicPr>
-          <p:nvPr/>
-        </p:nvPicPr>
-        <p:blipFill>
-          <a:blip r:embed="rId5">
-            <a:extLst>
-              <a:ext uri="{28A0092B-C50C-407E-A947-70E740481C1C}">
-                <a14:useLocalDpi xmlns:a14="http://schemas.microsoft.com/office/drawing/2010/main" val="0"/>
-              </a:ext>
-            </a:extLst>
-          </a:blip>
-          <a:srcRect/>
-          <a:stretch>
-            <a:fillRect/>
-          </a:stretch>
-        </p:blipFill>
-        <p:spPr bwMode="auto">
-          <a:xfrm>
-            <a:off x="589588" y="4765760"/>
-            <a:ext cx="4532872" cy="1828842"/>
-          </a:xfrm>
-          <a:prstGeom prst="rect">
-            <a:avLst/>
-          </a:prstGeom>
-          <a:noFill/>
-          <a:extLst>
-            <a:ext uri="{909E8E84-426E-40DD-AFC4-6F175D3DCCD1}">
-              <a14:hiddenFill xmlns:a14="http://schemas.microsoft.com/office/drawing/2010/main">
-                <a:solidFill>
-                  <a:srgbClr val="FFFFFF"/>
-                </a:solidFill>
-              </a14:hiddenFill>
-            </a:ext>
-          </a:extLst>
-        </p:spPr>
-      </p:pic>
-    </p:spTree>
-    <p:extLst>
-      <p:ext uri="{BB962C8B-B14F-4D97-AF65-F5344CB8AC3E}">
-        <p14:creationId xmlns:p14="http://schemas.microsoft.com/office/powerpoint/2010/main" val="166785523"/>
       </p:ext>
     </p:extLst>
   </p:cSld>
@@ -7100,8 +7808,8 @@
         </p:nvSpPr>
         <p:spPr>
           <a:xfrm>
-            <a:off x="6574420" y="0"/>
-            <a:ext cx="5617580" cy="6858000"/>
+            <a:off x="0" y="0"/>
+            <a:ext cx="12192000" cy="6858000"/>
           </a:xfrm>
           <a:prstGeom prst="rect">
             <a:avLst/>
@@ -7138,45 +7846,16 @@
           </a:p>
         </p:txBody>
       </p:sp>
-      <p:pic>
-        <p:nvPicPr>
-          <p:cNvPr id="2" name="Picture 1"/>
-          <p:cNvPicPr>
-            <a:picLocks noChangeAspect="1"/>
-          </p:cNvPicPr>
-          <p:nvPr/>
-        </p:nvPicPr>
-        <p:blipFill rotWithShape="1">
-          <a:blip r:embed="rId2">
-            <a:extLst>
-              <a:ext uri="{28A0092B-C50C-407E-A947-70E740481C1C}">
-                <a14:useLocalDpi xmlns:a14="http://schemas.microsoft.com/office/drawing/2010/main" val="0"/>
-              </a:ext>
-            </a:extLst>
-          </a:blip>
-          <a:srcRect l="69227" t="33418" r="20112" b="50548"/>
-          <a:stretch/>
-        </p:blipFill>
-        <p:spPr>
-          <a:xfrm>
-            <a:off x="10386349" y="5029795"/>
-            <a:ext cx="1805651" cy="1991719"/>
-          </a:xfrm>
-          <a:prstGeom prst="rect">
-            <a:avLst/>
-          </a:prstGeom>
-        </p:spPr>
-      </p:pic>
-      <p:sp>
-        <p:nvSpPr>
-          <p:cNvPr id="3" name="TextBox 2"/>
+      <p:sp>
+        <p:nvSpPr>
+          <p:cNvPr id="5" name="TextBox 4"/>
           <p:cNvSpPr txBox="1"/>
           <p:nvPr/>
         </p:nvSpPr>
         <p:spPr>
           <a:xfrm>
-            <a:off x="173620" y="219919"/>
-            <a:ext cx="5937813" cy="4370427"/>
+            <a:off x="520861" y="393539"/>
+            <a:ext cx="10324617" cy="2123658"/>
           </a:xfrm>
           <a:prstGeom prst="rect">
             <a:avLst/>
@@ -7190,140 +7869,21 @@
           <a:lstStyle/>
           <a:p>
             <a:r>
-              <a:rPr lang="en-US" sz="4000" b="1" dirty="0">
-                <a:solidFill>
-                  <a:srgbClr val="CF3338"/>
-                </a:solidFill>
-                <a:latin typeface="Pragmatica" panose="020B0403040502020204" pitchFamily="34" charset="0"/>
-              </a:rPr>
-              <a:t>Demo</a:t>
-            </a:r>
-          </a:p>
-          <a:p>
-            <a:pPr marL="95250" lvl="0">
-              <a:lnSpc>
-                <a:spcPct val="115000"/>
-              </a:lnSpc>
-              <a:spcBef>
-                <a:spcPts val="750"/>
-              </a:spcBef>
-              <a:buClr>
-                <a:srgbClr val="C00000"/>
-              </a:buClr>
-              <a:buSzPts val="2100"/>
-            </a:pPr>
-            <a:r>
-              <a:rPr lang="en-US" sz="2400" dirty="0">
-                <a:solidFill>
-                  <a:srgbClr val="C00000"/>
-                </a:solidFill>
-                <a:latin typeface="Pragmatica" panose="020B0403040502020204"/>
-                <a:ea typeface="Consolas"/>
-                <a:cs typeface="Consolas"/>
-                <a:sym typeface="Consolas"/>
-              </a:rPr>
-              <a:t>Worksheets: </a:t>
-            </a:r>
-            <a:r>
-              <a:rPr lang="en-US" sz="2400" dirty="0">
-                <a:solidFill>
-                  <a:srgbClr val="C00000"/>
-                </a:solidFill>
-                <a:latin typeface="Consolas" panose="020B0609020204030204" pitchFamily="49" charset="0"/>
-                <a:ea typeface="Consolas"/>
-                <a:cs typeface="Consolas"/>
-                <a:sym typeface="Consolas"/>
-              </a:rPr>
-              <a:t>array-references, array-functions</a:t>
-            </a:r>
-          </a:p>
-          <a:p>
-            <a:pPr marL="438150" lvl="0" indent="-342900">
-              <a:lnSpc>
-                <a:spcPct val="115000"/>
-              </a:lnSpc>
-              <a:spcBef>
-                <a:spcPts val="750"/>
-              </a:spcBef>
-              <a:buClr>
-                <a:srgbClr val="C00000"/>
-              </a:buClr>
-              <a:buSzPts val="2100"/>
-              <a:buFont typeface="Arial" panose="020B0604020202020204" pitchFamily="34" charset="0"/>
-              <a:buChar char="•"/>
-            </a:pPr>
-            <a:r>
-              <a:rPr lang="en-US" sz="2400" dirty="0">
-                <a:solidFill>
-                  <a:srgbClr val="C00000"/>
-                </a:solidFill>
-                <a:latin typeface="Pragmatica" panose="020B0403040502020204"/>
-                <a:ea typeface="Consolas"/>
-                <a:cs typeface="Consolas"/>
-                <a:sym typeface="Consolas"/>
-              </a:rPr>
-              <a:t>What is an array? Array reference? Array function?</a:t>
-            </a:r>
-          </a:p>
-          <a:p>
-            <a:pPr marL="438150" lvl="0" indent="-342900">
-              <a:lnSpc>
-                <a:spcPct val="115000"/>
-              </a:lnSpc>
-              <a:spcBef>
-                <a:spcPts val="750"/>
-              </a:spcBef>
-              <a:buClr>
-                <a:srgbClr val="C00000"/>
-              </a:buClr>
-              <a:buSzPts val="2100"/>
-              <a:buFont typeface="Arial" panose="020B0604020202020204" pitchFamily="34" charset="0"/>
-              <a:buChar char="•"/>
-            </a:pPr>
-            <a:r>
-              <a:rPr lang="en-US" sz="2400" dirty="0">
-                <a:solidFill>
-                  <a:srgbClr val="C00000"/>
-                </a:solidFill>
-                <a:latin typeface="Pragmatica" panose="020B0403040502020204"/>
-                <a:ea typeface="Consolas"/>
-                <a:cs typeface="Consolas"/>
-                <a:sym typeface="Consolas"/>
-              </a:rPr>
-              <a:t>What makes them static? Dynamic?</a:t>
-            </a:r>
-            <a:endParaRPr lang="en-US" sz="2400" dirty="0">
-              <a:solidFill>
-                <a:srgbClr val="C00000"/>
-              </a:solidFill>
-              <a:latin typeface="Consolas" panose="020B0609020204030204" pitchFamily="49" charset="0"/>
-              <a:ea typeface="Consolas"/>
-              <a:cs typeface="Consolas"/>
-              <a:sym typeface="Consolas"/>
-            </a:endParaRPr>
-          </a:p>
-          <a:p>
-            <a:endParaRPr lang="en-US" sz="4000" dirty="0">
-              <a:solidFill>
-                <a:srgbClr val="CF3338"/>
-              </a:solidFill>
-              <a:latin typeface="Pragmatica" panose="020B0403040502020204" pitchFamily="34" charset="0"/>
-            </a:endParaRPr>
-          </a:p>
-          <a:p>
-            <a:endParaRPr lang="en-US" sz="4000" dirty="0">
-              <a:solidFill>
-                <a:srgbClr val="CF3338"/>
-              </a:solidFill>
-              <a:latin typeface="Pragmatica" panose="020B0403040502020204" pitchFamily="34" charset="0"/>
-            </a:endParaRPr>
+              <a:rPr lang="en-US" sz="6600" b="1" dirty="0">
+                <a:solidFill>
+                  <a:schemeClr val="bg1"/>
+                </a:solidFill>
+                <a:latin typeface="Normafixed Tryout" panose="00000409000000000000" pitchFamily="49" charset="0"/>
+              </a:rPr>
+              <a:t>PivotTables: The WD-40 of Excel</a:t>
+            </a:r>
           </a:p>
         </p:txBody>
       </p:sp>
     </p:spTree>
     <p:extLst>
       <p:ext uri="{BB962C8B-B14F-4D97-AF65-F5344CB8AC3E}">
-        <p14:creationId xmlns:p14="http://schemas.microsoft.com/office/powerpoint/2010/main" val="2437024395"/>
+        <p14:creationId xmlns:p14="http://schemas.microsoft.com/office/powerpoint/2010/main" val="499476257"/>
       </p:ext>
     </p:extLst>
   </p:cSld>
@@ -7359,7 +7919,7 @@
         <p:spPr>
           <a:xfrm>
             <a:off x="347240" y="113388"/>
-            <a:ext cx="10348056" cy="830997"/>
+            <a:ext cx="10348056" cy="1569660"/>
           </a:xfrm>
           <a:prstGeom prst="rect">
             <a:avLst/>
@@ -7376,7 +7936,7 @@
               <a:rPr lang="en-US" sz="4800" dirty="0">
                 <a:latin typeface="Aliens &amp; cows" panose="00000500000000000000" pitchFamily="2" charset="0"/>
               </a:rPr>
-              <a:t>One formula, many cells </a:t>
+              <a:t>Every PivotTable operation is one of these… </a:t>
             </a:r>
           </a:p>
         </p:txBody>
@@ -7389,8 +7949,8 @@
         </p:nvSpPr>
         <p:spPr>
           <a:xfrm>
-            <a:off x="66908" y="6102641"/>
-            <a:ext cx="9072632" cy="641971"/>
+            <a:off x="3749040" y="2127965"/>
+            <a:ext cx="6193613" cy="1754968"/>
           </a:xfrm>
           <a:prstGeom prst="rect">
             <a:avLst/>
@@ -7403,7 +7963,7 @@
           </a:bodyPr>
           <a:lstStyle/>
           <a:p>
-            <a:pPr marL="76200" marR="190500" lvl="0">
+            <a:pPr marL="457200" marR="190500" lvl="0" indent="-381000">
               <a:lnSpc>
                 <a:spcPct val="115000"/>
               </a:lnSpc>
@@ -7414,14 +7974,61 @@
                 <a:srgbClr val="CF3338"/>
               </a:buClr>
               <a:buSzPts val="2400"/>
+              <a:buChar char="•"/>
             </a:pPr>
             <a:r>
-              <a:rPr lang="en-US" sz="1600" dirty="0">
+              <a:rPr lang="en-US" sz="2800" dirty="0">
                 <a:solidFill>
                   <a:srgbClr val="505050"/>
                 </a:solidFill>
               </a:rPr>
-              <a:t>But wait, there’s more: https://support.microsoft.com/en-us/office/dynamic-array-formulas-and-spilled-array-behavior-205c6b06-03ba-4151-89a1-87a7eb36e531</a:t>
+              <a:t>Slice and dice</a:t>
+            </a:r>
+          </a:p>
+          <a:p>
+            <a:pPr marL="457200" marR="190500" lvl="0" indent="-381000">
+              <a:lnSpc>
+                <a:spcPct val="115000"/>
+              </a:lnSpc>
+              <a:spcBef>
+                <a:spcPts val="800"/>
+              </a:spcBef>
+              <a:buClr>
+                <a:srgbClr val="CF3338"/>
+              </a:buClr>
+              <a:buSzPts val="2400"/>
+              <a:buChar char="•"/>
+            </a:pPr>
+            <a:r>
+              <a:rPr lang="en-US" sz="2800" dirty="0">
+                <a:solidFill>
+                  <a:srgbClr val="505050"/>
+                </a:solidFill>
+              </a:rPr>
+              <a:t>Drill down/roll up</a:t>
+            </a:r>
+          </a:p>
+          <a:p>
+            <a:pPr marL="457200" marR="190500" lvl="0" indent="-381000">
+              <a:lnSpc>
+                <a:spcPct val="115000"/>
+              </a:lnSpc>
+              <a:spcBef>
+                <a:spcPts val="800"/>
+              </a:spcBef>
+              <a:buClr>
+                <a:srgbClr val="CF3338"/>
+              </a:buClr>
+              <a:buSzPts val="2400"/>
+              <a:buChar char="•"/>
+            </a:pPr>
+            <a:r>
+              <a:rPr lang="en-US" sz="2800" dirty="0">
+                <a:solidFill>
+                  <a:srgbClr val="505050"/>
+                </a:solidFill>
+              </a:rPr>
+              <a:t>Pivot/Unpivot</a:t>
             </a:r>
           </a:p>
         </p:txBody>
@@ -7464,10 +8071,10 @@
       </p:pic>
       <p:pic>
         <p:nvPicPr>
-          <p:cNvPr id="1026" name="Picture 2">
+          <p:cNvPr id="1026" name="Picture 2" descr="Free photos of Oil">
             <a:extLst>
               <a:ext uri="{FF2B5EF4-FFF2-40B4-BE49-F238E27FC236}">
-                <a16:creationId xmlns:a16="http://schemas.microsoft.com/office/drawing/2014/main" id="{1DD254AC-1199-F24B-EF79-7EDE7A0E7FD8}"/>
+                <a16:creationId xmlns:a16="http://schemas.microsoft.com/office/drawing/2014/main" id="{97B14869-5420-E954-24EE-1A52A4A5D6A6}"/>
               </a:ext>
             </a:extLst>
           </p:cNvPr>
@@ -7491,8 +8098,8 @@
         </p:blipFill>
         <p:spPr bwMode="auto">
           <a:xfrm>
-            <a:off x="7605800" y="1593779"/>
-            <a:ext cx="4148168" cy="3945620"/>
+            <a:off x="297629" y="2587213"/>
+            <a:ext cx="2664599" cy="3996899"/>
           </a:xfrm>
           <a:prstGeom prst="rect">
             <a:avLst/>
@@ -7509,471 +8116,10 @@
           </a:extLst>
         </p:spPr>
       </p:pic>
-      <p:graphicFrame>
-        <p:nvGraphicFramePr>
-          <p:cNvPr id="2" name="Table 1">
-            <a:extLst>
-              <a:ext uri="{FF2B5EF4-FFF2-40B4-BE49-F238E27FC236}">
-                <a16:creationId xmlns:a16="http://schemas.microsoft.com/office/drawing/2014/main" id="{88AE7B4A-02AC-0E59-2DA0-98BB049A7732}"/>
-              </a:ext>
-            </a:extLst>
-          </p:cNvPr>
-          <p:cNvGraphicFramePr>
-            <a:graphicFrameLocks noGrp="1"/>
-          </p:cNvGraphicFramePr>
-          <p:nvPr>
-            <p:extLst>
-              <p:ext uri="{D42A27DB-BD31-4B8C-83A1-F6EECF244321}">
-                <p14:modId xmlns:p14="http://schemas.microsoft.com/office/powerpoint/2010/main" val="540613766"/>
-              </p:ext>
-            </p:extLst>
-          </p:nvPr>
-        </p:nvGraphicFramePr>
-        <p:xfrm>
-          <a:off x="388351" y="1512538"/>
-          <a:ext cx="7084504" cy="4349048"/>
-        </p:xfrm>
-        <a:graphic>
-          <a:graphicData uri="http://schemas.openxmlformats.org/drawingml/2006/table">
-            <a:tbl>
-              <a:tblPr/>
-              <a:tblGrid>
-                <a:gridCol w="2769257">
-                  <a:extLst>
-                    <a:ext uri="{9D8B030D-6E8A-4147-A177-3AD203B41FA5}">
-                      <a16:colId xmlns:a16="http://schemas.microsoft.com/office/drawing/2014/main" val="2629133829"/>
-                    </a:ext>
-                  </a:extLst>
-                </a:gridCol>
-                <a:gridCol w="4315247">
-                  <a:extLst>
-                    <a:ext uri="{9D8B030D-6E8A-4147-A177-3AD203B41FA5}">
-                      <a16:colId xmlns:a16="http://schemas.microsoft.com/office/drawing/2014/main" val="985116657"/>
-                    </a:ext>
-                  </a:extLst>
-                </a:gridCol>
-              </a:tblGrid>
-              <a:tr h="964274">
-                <a:tc>
-                  <a:txBody>
-                    <a:bodyPr/>
-                    <a:lstStyle/>
-                    <a:p>
-                      <a:pPr algn="l" fontAlgn="b"/>
-                      <a:r>
-                        <a:rPr lang="en-US" sz="2800" b="1" i="0" u="none" strike="noStrike" dirty="0">
-                          <a:solidFill>
-                            <a:schemeClr val="bg1">
-                              <a:lumMod val="95000"/>
-                            </a:schemeClr>
-                          </a:solidFill>
-                          <a:effectLst/>
-                          <a:latin typeface="Pragmatica" panose="020B0403040502020204" pitchFamily="34" charset="0"/>
-                        </a:rPr>
-                        <a:t>Function</a:t>
-                      </a:r>
-                    </a:p>
-                  </a:txBody>
-                  <a:tcPr marL="7620" marR="7620" marT="7620" marB="0" anchor="b">
-                    <a:lnL>
-                      <a:noFill/>
-                    </a:lnL>
-                    <a:lnR>
-                      <a:noFill/>
-                    </a:lnR>
-                    <a:lnT>
-                      <a:noFill/>
-                    </a:lnT>
-                    <a:lnB>
-                      <a:noFill/>
-                    </a:lnB>
-                    <a:solidFill>
-                      <a:srgbClr val="CF3338"/>
-                    </a:solidFill>
-                  </a:tcPr>
-                </a:tc>
-                <a:tc>
-                  <a:txBody>
-                    <a:bodyPr/>
-                    <a:lstStyle/>
-                    <a:p>
-                      <a:pPr algn="l" fontAlgn="b"/>
-                      <a:r>
-                        <a:rPr lang="en-US" sz="2800" b="1" i="0" u="none" strike="noStrike" dirty="0">
-                          <a:solidFill>
-                            <a:schemeClr val="bg1">
-                              <a:lumMod val="95000"/>
-                            </a:schemeClr>
-                          </a:solidFill>
-                          <a:effectLst/>
-                          <a:latin typeface="Pragmatica" panose="020B0403040502020204" pitchFamily="34" charset="0"/>
-                        </a:rPr>
-                        <a:t>What it does</a:t>
-                      </a:r>
-                    </a:p>
-                  </a:txBody>
-                  <a:tcPr marL="7620" marR="7620" marT="7620" marB="0" anchor="b">
-                    <a:lnL>
-                      <a:noFill/>
-                    </a:lnL>
-                    <a:lnR>
-                      <a:noFill/>
-                    </a:lnR>
-                    <a:lnT>
-                      <a:noFill/>
-                    </a:lnT>
-                    <a:lnB>
-                      <a:noFill/>
-                    </a:lnB>
-                    <a:solidFill>
-                      <a:srgbClr val="CF3338"/>
-                    </a:solidFill>
-                  </a:tcPr>
-                </a:tc>
-                <a:extLst>
-                  <a:ext uri="{0D108BD9-81ED-4DB2-BD59-A6C34878D82A}">
-                    <a16:rowId xmlns:a16="http://schemas.microsoft.com/office/drawing/2014/main" val="287320149"/>
-                  </a:ext>
-                </a:extLst>
-              </a:tr>
-              <a:tr h="890100">
-                <a:tc>
-                  <a:txBody>
-                    <a:bodyPr/>
-                    <a:lstStyle/>
-                    <a:p>
-                      <a:pPr algn="l" fontAlgn="b"/>
-                      <a:r>
-                        <a:rPr lang="en-US" sz="2800" b="0" i="0" u="none" strike="noStrike" dirty="0">
-                          <a:solidFill>
-                            <a:srgbClr val="CF3338"/>
-                          </a:solidFill>
-                          <a:effectLst/>
-                          <a:latin typeface="Consolas" panose="020B0609020204030204" pitchFamily="49" charset="0"/>
-                        </a:rPr>
-                        <a:t>UNIQUE()</a:t>
-                      </a:r>
-                    </a:p>
-                  </a:txBody>
-                  <a:tcPr marL="7620" marR="7620" marT="7620" marB="0" anchor="b">
-                    <a:lnL>
-                      <a:noFill/>
-                    </a:lnL>
-                    <a:lnR>
-                      <a:noFill/>
-                    </a:lnR>
-                    <a:lnT>
-                      <a:noFill/>
-                    </a:lnT>
-                    <a:lnB>
-                      <a:noFill/>
-                    </a:lnB>
-                    <a:solidFill>
-                      <a:srgbClr val="D9D9D9"/>
-                    </a:solidFill>
-                  </a:tcPr>
-                </a:tc>
-                <a:tc>
-                  <a:txBody>
-                    <a:bodyPr/>
-                    <a:lstStyle/>
-                    <a:p>
-                      <a:pPr algn="l" fontAlgn="b"/>
-                      <a:r>
-                        <a:rPr lang="en-US" sz="2800" b="0" i="0" u="none" strike="noStrike" dirty="0">
-                          <a:solidFill>
-                            <a:srgbClr val="CF3338"/>
-                          </a:solidFill>
-                          <a:effectLst/>
-                          <a:latin typeface="Pragmatica" panose="020B0403040502020204" pitchFamily="34" charset="0"/>
-                        </a:rPr>
-                        <a:t>Finds the unique items in an array</a:t>
-                      </a:r>
-                    </a:p>
-                  </a:txBody>
-                  <a:tcPr marL="7620" marR="7620" marT="7620" marB="0" anchor="b">
-                    <a:lnL>
-                      <a:noFill/>
-                    </a:lnL>
-                    <a:lnR>
-                      <a:noFill/>
-                    </a:lnR>
-                    <a:lnT>
-                      <a:noFill/>
-                    </a:lnT>
-                    <a:lnB>
-                      <a:noFill/>
-                    </a:lnB>
-                    <a:solidFill>
-                      <a:srgbClr val="D9D9D9"/>
-                    </a:solidFill>
-                  </a:tcPr>
-                </a:tc>
-                <a:extLst>
-                  <a:ext uri="{0D108BD9-81ED-4DB2-BD59-A6C34878D82A}">
-                    <a16:rowId xmlns:a16="http://schemas.microsoft.com/office/drawing/2014/main" val="3568129098"/>
-                  </a:ext>
-                </a:extLst>
-              </a:tr>
-              <a:tr h="709974">
-                <a:tc>
-                  <a:txBody>
-                    <a:bodyPr/>
-                    <a:lstStyle/>
-                    <a:p>
-                      <a:pPr algn="l" fontAlgn="b"/>
-                      <a:r>
-                        <a:rPr lang="en-US" sz="2800" b="0" i="0" u="none" strike="noStrike" dirty="0">
-                          <a:solidFill>
-                            <a:srgbClr val="CF3338"/>
-                          </a:solidFill>
-                          <a:effectLst/>
-                          <a:latin typeface="Consolas" panose="020B0609020204030204" pitchFamily="49" charset="0"/>
-                        </a:rPr>
-                        <a:t>FILTER()</a:t>
-                      </a:r>
-                    </a:p>
-                  </a:txBody>
-                  <a:tcPr marL="7620" marR="7620" marT="7620" marB="0" anchor="b">
-                    <a:lnL>
-                      <a:noFill/>
-                    </a:lnL>
-                    <a:lnR>
-                      <a:noFill/>
-                    </a:lnR>
-                    <a:lnT>
-                      <a:noFill/>
-                    </a:lnT>
-                    <a:lnB>
-                      <a:noFill/>
-                    </a:lnB>
-                  </a:tcPr>
-                </a:tc>
-                <a:tc>
-                  <a:txBody>
-                    <a:bodyPr/>
-                    <a:lstStyle/>
-                    <a:p>
-                      <a:pPr algn="l" fontAlgn="b"/>
-                      <a:r>
-                        <a:rPr lang="en-US" sz="2800" b="0" i="0" u="none" strike="noStrike" dirty="0">
-                          <a:solidFill>
-                            <a:srgbClr val="CF3338"/>
-                          </a:solidFill>
-                          <a:effectLst/>
-                          <a:latin typeface="Pragmatica" panose="020B0403040502020204" pitchFamily="34" charset="0"/>
-                        </a:rPr>
-                        <a:t>Filters an array</a:t>
-                      </a:r>
-                    </a:p>
-                  </a:txBody>
-                  <a:tcPr marL="7620" marR="7620" marT="7620" marB="0" anchor="b">
-                    <a:lnL>
-                      <a:noFill/>
-                    </a:lnL>
-                    <a:lnR>
-                      <a:noFill/>
-                    </a:lnR>
-                    <a:lnT>
-                      <a:noFill/>
-                    </a:lnT>
-                    <a:lnB>
-                      <a:noFill/>
-                    </a:lnB>
-                  </a:tcPr>
-                </a:tc>
-                <a:extLst>
-                  <a:ext uri="{0D108BD9-81ED-4DB2-BD59-A6C34878D82A}">
-                    <a16:rowId xmlns:a16="http://schemas.microsoft.com/office/drawing/2014/main" val="2916523719"/>
-                  </a:ext>
-                </a:extLst>
-              </a:tr>
-              <a:tr h="892350">
-                <a:tc>
-                  <a:txBody>
-                    <a:bodyPr/>
-                    <a:lstStyle/>
-                    <a:p>
-                      <a:pPr algn="l" fontAlgn="b"/>
-                      <a:r>
-                        <a:rPr lang="en-US" sz="2800" b="0" i="0" u="none" strike="noStrike" dirty="0">
-                          <a:solidFill>
-                            <a:srgbClr val="CF3338"/>
-                          </a:solidFill>
-                          <a:effectLst/>
-                          <a:latin typeface="Consolas" panose="020B0609020204030204" pitchFamily="49" charset="0"/>
-                        </a:rPr>
-                        <a:t>SORTBY()</a:t>
-                      </a:r>
-                    </a:p>
-                  </a:txBody>
-                  <a:tcPr marL="7620" marR="7620" marT="7620" marB="0" anchor="b">
-                    <a:lnL>
-                      <a:noFill/>
-                    </a:lnL>
-                    <a:lnR>
-                      <a:noFill/>
-                    </a:lnR>
-                    <a:lnT>
-                      <a:noFill/>
-                    </a:lnT>
-                    <a:lnB>
-                      <a:noFill/>
-                    </a:lnB>
-                    <a:solidFill>
-                      <a:srgbClr val="D9D9D9"/>
-                    </a:solidFill>
-                  </a:tcPr>
-                </a:tc>
-                <a:tc>
-                  <a:txBody>
-                    <a:bodyPr/>
-                    <a:lstStyle/>
-                    <a:p>
-                      <a:pPr algn="l" fontAlgn="b"/>
-                      <a:r>
-                        <a:rPr lang="en-US" sz="2800" b="0" i="0" u="none" strike="noStrike" dirty="0">
-                          <a:solidFill>
-                            <a:srgbClr val="CF3338"/>
-                          </a:solidFill>
-                          <a:effectLst/>
-                          <a:latin typeface="Pragmatica" panose="020B0403040502020204" pitchFamily="34" charset="0"/>
-                        </a:rPr>
-                        <a:t>Sorts an array</a:t>
-                      </a:r>
-                    </a:p>
-                  </a:txBody>
-                  <a:tcPr marL="7620" marR="7620" marT="7620" marB="0" anchor="b">
-                    <a:lnL>
-                      <a:noFill/>
-                    </a:lnL>
-                    <a:lnR>
-                      <a:noFill/>
-                    </a:lnR>
-                    <a:lnT>
-                      <a:noFill/>
-                    </a:lnT>
-                    <a:lnB>
-                      <a:noFill/>
-                    </a:lnB>
-                    <a:solidFill>
-                      <a:srgbClr val="D9D9D9"/>
-                    </a:solidFill>
-                  </a:tcPr>
-                </a:tc>
-                <a:extLst>
-                  <a:ext uri="{0D108BD9-81ED-4DB2-BD59-A6C34878D82A}">
-                    <a16:rowId xmlns:a16="http://schemas.microsoft.com/office/drawing/2014/main" val="1604127386"/>
-                  </a:ext>
-                </a:extLst>
-              </a:tr>
-              <a:tr h="892350">
-                <a:tc>
-                  <a:txBody>
-                    <a:bodyPr/>
-                    <a:lstStyle/>
-                    <a:p>
-                      <a:pPr marL="0" marR="0" lvl="0" indent="0" algn="l" defTabSz="914400" rtl="0" eaLnBrk="1" fontAlgn="b" latinLnBrk="0" hangingPunct="1">
-                        <a:lnSpc>
-                          <a:spcPct val="100000"/>
-                        </a:lnSpc>
-                        <a:spcBef>
-                          <a:spcPts val="0"/>
-                        </a:spcBef>
-                        <a:spcAft>
-                          <a:spcPts val="0"/>
-                        </a:spcAft>
-                        <a:buClrTx/>
-                        <a:buSzTx/>
-                        <a:buFontTx/>
-                        <a:buNone/>
-                        <a:tabLst/>
-                        <a:defRPr/>
-                      </a:pPr>
-                      <a:r>
-                        <a:rPr lang="en-US" sz="2800" b="0" i="0" u="none" strike="noStrike" dirty="0">
-                          <a:solidFill>
-                            <a:srgbClr val="CF3338"/>
-                          </a:solidFill>
-                          <a:effectLst/>
-                          <a:latin typeface="Consolas" panose="020B0609020204030204" pitchFamily="49" charset="0"/>
-                        </a:rPr>
-                        <a:t>XLOOKUP()</a:t>
-                      </a:r>
-                    </a:p>
-                  </a:txBody>
-                  <a:tcPr marL="7620" marR="7620" marT="7620" marB="0" anchor="b">
-                    <a:lnL>
-                      <a:noFill/>
-                    </a:lnL>
-                    <a:lnR>
-                      <a:noFill/>
-                    </a:lnR>
-                    <a:lnT>
-                      <a:noFill/>
-                    </a:lnT>
-                    <a:lnB>
-                      <a:noFill/>
-                    </a:lnB>
-                    <a:solidFill>
-                      <a:schemeClr val="bg1">
-                        <a:lumMod val="95000"/>
-                      </a:schemeClr>
-                    </a:solidFill>
-                  </a:tcPr>
-                </a:tc>
-                <a:tc>
-                  <a:txBody>
-                    <a:bodyPr/>
-                    <a:lstStyle/>
-                    <a:p>
-                      <a:pPr algn="l" fontAlgn="b"/>
-                      <a:r>
-                        <a:rPr lang="en-US" sz="2800" b="0" i="0" u="none" strike="noStrike" dirty="0">
-                          <a:solidFill>
-                            <a:srgbClr val="CF3338"/>
-                          </a:solidFill>
-                          <a:effectLst/>
-                          <a:latin typeface="Pragmatica" panose="020B0403040502020204" pitchFamily="34" charset="0"/>
-                        </a:rPr>
-                        <a:t>Combines data from two sources</a:t>
-                      </a:r>
-                    </a:p>
-                  </a:txBody>
-                  <a:tcPr marL="7620" marR="7620" marT="7620" marB="0" anchor="b">
-                    <a:lnL>
-                      <a:noFill/>
-                    </a:lnL>
-                    <a:lnR>
-                      <a:noFill/>
-                    </a:lnR>
-                    <a:lnT>
-                      <a:noFill/>
-                    </a:lnT>
-                    <a:lnB>
-                      <a:noFill/>
-                    </a:lnB>
-                    <a:solidFill>
-                      <a:schemeClr val="bg1">
-                        <a:lumMod val="95000"/>
-                      </a:schemeClr>
-                    </a:solidFill>
-                  </a:tcPr>
-                </a:tc>
-                <a:extLst>
-                  <a:ext uri="{0D108BD9-81ED-4DB2-BD59-A6C34878D82A}">
-                    <a16:rowId xmlns:a16="http://schemas.microsoft.com/office/drawing/2014/main" val="2453470198"/>
-                  </a:ext>
-                </a:extLst>
-              </a:tr>
-            </a:tbl>
-          </a:graphicData>
-        </a:graphic>
-      </p:graphicFrame>
     </p:spTree>
     <p:extLst>
       <p:ext uri="{BB962C8B-B14F-4D97-AF65-F5344CB8AC3E}">
-        <p14:creationId xmlns:p14="http://schemas.microsoft.com/office/powerpoint/2010/main" val="2516809281"/>
+        <p14:creationId xmlns:p14="http://schemas.microsoft.com/office/powerpoint/2010/main" val="1740586410"/>
       </p:ext>
     </p:extLst>
   </p:cSld>
@@ -8055,7 +8201,7 @@
           <p:nvPr/>
         </p:nvPicPr>
         <p:blipFill rotWithShape="1">
-          <a:blip r:embed="rId2">
+          <a:blip r:embed="rId3">
             <a:extLst>
               <a:ext uri="{28A0092B-C50C-407E-A947-70E740481C1C}">
                 <a14:useLocalDpi xmlns:a14="http://schemas.microsoft.com/office/drawing/2010/main" val="0"/>
@@ -8084,7 +8230,7 @@
         <p:spPr>
           <a:xfrm>
             <a:off x="173620" y="219919"/>
-            <a:ext cx="5937813" cy="4370427"/>
+            <a:ext cx="5937813" cy="3750450"/>
           </a:xfrm>
           <a:prstGeom prst="rect">
             <a:avLst/>
@@ -8105,6 +8251,55 @@
                 <a:latin typeface="Pragmatica" panose="020B0403040502020204" pitchFamily="34" charset="0"/>
               </a:rPr>
               <a:t>Demo</a:t>
+            </a:r>
+          </a:p>
+          <a:p>
+            <a:r>
+              <a:rPr lang="en-US" sz="2400" dirty="0">
+                <a:solidFill>
+                  <a:srgbClr val="CF3338"/>
+                </a:solidFill>
+                <a:latin typeface="Pragmatica" panose="020B0403040502020204" pitchFamily="34" charset="0"/>
+              </a:rPr>
+              <a:t>File: </a:t>
+            </a:r>
+            <a:r>
+              <a:rPr lang="en-US" sz="2400" dirty="0">
+                <a:solidFill>
+                  <a:srgbClr val="CF3338"/>
+                </a:solidFill>
+                <a:latin typeface="Consolas" panose="020B0609020204030204" pitchFamily="49" charset="0"/>
+              </a:rPr>
+              <a:t>pivot-tables-wd-40-start.xlsx</a:t>
+            </a:r>
+          </a:p>
+          <a:p>
+            <a:r>
+              <a:rPr lang="en-US" sz="2400" dirty="0">
+                <a:solidFill>
+                  <a:srgbClr val="CF3338"/>
+                </a:solidFill>
+                <a:latin typeface="Pragmatica" panose="020B0403040502020204" pitchFamily="34" charset="0"/>
+              </a:rPr>
+              <a:t>Using the </a:t>
+            </a:r>
+            <a:r>
+              <a:rPr lang="en-US" sz="2400" dirty="0">
+                <a:solidFill>
+                  <a:srgbClr val="CF3338"/>
+                </a:solidFill>
+                <a:latin typeface="Consolas" panose="020B0609020204030204" pitchFamily="49" charset="0"/>
+              </a:rPr>
+              <a:t>tips </a:t>
+            </a:r>
+            <a:r>
+              <a:rPr lang="en-US" sz="2400" dirty="0">
+                <a:solidFill>
+                  <a:srgbClr val="CF3338"/>
+                </a:solidFill>
+                <a:latin typeface="Pragmatica" panose="020B0403040502020204" pitchFamily="34" charset="0"/>
+              </a:rPr>
+              <a:t>worksheet:</a:t>
             </a:r>
           </a:p>
           <a:p>
@@ -8120,33 +8315,15 @@
               </a:buClr>
               <a:buSzPts val="2100"/>
             </a:pPr>
-            <a:r>
-              <a:rPr lang="en-US" sz="2400" dirty="0">
-                <a:solidFill>
-                  <a:srgbClr val="C00000"/>
-                </a:solidFill>
-                <a:latin typeface="Pragmatica" panose="020B0403040502020204"/>
-                <a:ea typeface="Consolas"/>
-                <a:cs typeface="Consolas"/>
-                <a:sym typeface="Consolas"/>
-              </a:rPr>
-              <a:t>Worksheet: </a:t>
-            </a:r>
-            <a:r>
-              <a:rPr lang="en-US" sz="2400" dirty="0">
-                <a:solidFill>
-                  <a:srgbClr val="C00000"/>
-                </a:solidFill>
-                <a:latin typeface="Consolas" panose="020B0609020204030204" pitchFamily="49" charset="0"/>
-                <a:ea typeface="Consolas"/>
-                <a:cs typeface="Consolas"/>
-                <a:sym typeface="Consolas"/>
-              </a:rPr>
-              <a:t>computers</a:t>
-            </a:r>
-          </a:p>
-          <a:p>
-            <a:pPr marL="438150" lvl="0" indent="-342900">
+            <a:endParaRPr lang="en-US" sz="2400" dirty="0">
+              <a:solidFill>
+                <a:srgbClr val="C00000"/>
+              </a:solidFill>
+              <a:latin typeface="Pragmatica" panose="020B0403040502020204"/>
+            </a:endParaRPr>
+          </a:p>
+          <a:p>
+            <a:pPr marL="457200" lvl="0" indent="-361950">
               <a:lnSpc>
                 <a:spcPct val="115000"/>
               </a:lnSpc>
@@ -8157,8 +8334,8 @@
                 <a:srgbClr val="C00000"/>
               </a:buClr>
               <a:buSzPts val="2100"/>
-              <a:buFont typeface="Arial" panose="020B0604020202020204" pitchFamily="34" charset="0"/>
-              <a:buChar char="•"/>
+              <a:buFont typeface="Arial"/>
+              <a:buAutoNum type="arabicPeriod"/>
             </a:pPr>
             <a:r>
               <a:rPr lang="en-US" sz="2400" dirty="0">
@@ -8166,51 +8343,60 @@
                   <a:srgbClr val="C00000"/>
                 </a:solidFill>
                 <a:latin typeface="Pragmatica" panose="020B0403040502020204"/>
-                <a:ea typeface="Consolas"/>
-                <a:cs typeface="Consolas"/>
-                <a:sym typeface="Consolas"/>
-              </a:rPr>
-              <a:t>Pull ad-hoc data quickly using dynamic arrays</a:t>
-            </a:r>
-          </a:p>
-          <a:p>
-            <a:pPr marL="438150" lvl="0" indent="-342900">
-              <a:lnSpc>
-                <a:spcPct val="115000"/>
-              </a:lnSpc>
-              <a:spcBef>
-                <a:spcPts val="750"/>
-              </a:spcBef>
-              <a:buClr>
-                <a:srgbClr val="C00000"/>
-              </a:buClr>
-              <a:buSzPts val="2100"/>
-              <a:buFont typeface="Arial" panose="020B0604020202020204" pitchFamily="34" charset="0"/>
-              <a:buChar char="•"/>
-            </a:pPr>
-            <a:r>
-              <a:rPr lang="en-US" sz="2400" dirty="0">
-                <a:solidFill>
-                  <a:srgbClr val="C00000"/>
-                </a:solidFill>
-                <a:latin typeface="Pragmatica" panose="020B0403040502020204"/>
-                <a:ea typeface="Consolas"/>
-                <a:cs typeface="Consolas"/>
-                <a:sym typeface="Consolas"/>
-              </a:rPr>
-              <a:t>Use table references to retrieve matching headers </a:t>
+              </a:rPr>
+              <a:t>Get the total bill by day, then time</a:t>
             </a:r>
             <a:endParaRPr lang="en-US" sz="2400" dirty="0">
               <a:solidFill>
                 <a:srgbClr val="C00000"/>
               </a:solidFill>
-              <a:latin typeface="Consolas" panose="020B0609020204030204" pitchFamily="49" charset="0"/>
+              <a:latin typeface="Pragmatica" panose="020B0403040502020204"/>
               <a:ea typeface="Consolas"/>
               <a:cs typeface="Consolas"/>
               <a:sym typeface="Consolas"/>
             </a:endParaRPr>
           </a:p>
           <a:p>
+            <a:pPr marL="457200" lvl="0" indent="-355600">
+              <a:lnSpc>
+                <a:spcPct val="115000"/>
+              </a:lnSpc>
+              <a:buClr>
+                <a:srgbClr val="C00000"/>
+              </a:buClr>
+              <a:buSzPts val="2000"/>
+              <a:buAutoNum type="arabicPeriod"/>
+            </a:pPr>
+            <a:r>
+              <a:rPr lang="en-US" sz="2400" dirty="0">
+                <a:solidFill>
+                  <a:srgbClr val="C00000"/>
+                </a:solidFill>
+                <a:latin typeface="Pragmatica" panose="020B0403040502020204"/>
+              </a:rPr>
+              <a:t>Get the total bill for smokers only on Saturday and Sunday</a:t>
+            </a:r>
+          </a:p>
+          <a:p>
+            <a:pPr marL="457200" lvl="0" indent="-355600">
+              <a:lnSpc>
+                <a:spcPct val="115000"/>
+              </a:lnSpc>
+              <a:buClr>
+                <a:srgbClr val="C00000"/>
+              </a:buClr>
+              <a:buSzPts val="2000"/>
+              <a:buAutoNum type="arabicPeriod"/>
+            </a:pPr>
+            <a:r>
+              <a:rPr lang="en-US" sz="2400" dirty="0">
+                <a:solidFill>
+                  <a:srgbClr val="C00000"/>
+                </a:solidFill>
+                <a:latin typeface="Pragmatica" panose="020B0403040502020204"/>
+              </a:rPr>
+              <a:t>Get average tips by day for each group size</a:t>
+            </a:r>
             <a:endParaRPr lang="en-US" sz="4000" dirty="0">
               <a:solidFill>
                 <a:srgbClr val="CF3338"/>
@@ -8218,20 +8404,12 @@
               <a:latin typeface="Pragmatica" panose="020B0403040502020204" pitchFamily="34" charset="0"/>
             </a:endParaRPr>
           </a:p>
-          <a:p>
-            <a:endParaRPr lang="en-US" sz="4000" dirty="0">
-              <a:solidFill>
-                <a:srgbClr val="CF3338"/>
-              </a:solidFill>
-              <a:latin typeface="Pragmatica" panose="020B0403040502020204" pitchFamily="34" charset="0"/>
-            </a:endParaRPr>
-          </a:p>
         </p:txBody>
       </p:sp>
     </p:spTree>
     <p:extLst>
       <p:ext uri="{BB962C8B-B14F-4D97-AF65-F5344CB8AC3E}">
-        <p14:creationId xmlns:p14="http://schemas.microsoft.com/office/powerpoint/2010/main" val="1328571129"/>
+        <p14:creationId xmlns:p14="http://schemas.microsoft.com/office/powerpoint/2010/main" val="478401415"/>
       </p:ext>
     </p:extLst>
   </p:cSld>
@@ -8313,7 +8491,7 @@
           <p:nvPr/>
         </p:nvPicPr>
         <p:blipFill rotWithShape="1">
-          <a:blip r:embed="rId2">
+          <a:blip r:embed="rId3">
             <a:extLst>
               <a:ext uri="{28A0092B-C50C-407E-A947-70E740481C1C}">
                 <a14:useLocalDpi xmlns:a14="http://schemas.microsoft.com/office/drawing/2010/main" val="0"/>
@@ -8342,7 +8520,7 @@
         <p:spPr>
           <a:xfrm>
             <a:off x="173620" y="219919"/>
-            <a:ext cx="5937813" cy="5161926"/>
+            <a:ext cx="5937813" cy="4183709"/>
           </a:xfrm>
           <a:prstGeom prst="rect">
             <a:avLst/>
@@ -8362,162 +8540,102 @@
                 </a:solidFill>
                 <a:latin typeface="Pragmatica" panose="020B0403040502020204" pitchFamily="34" charset="0"/>
               </a:rPr>
-              <a:t>Exercises</a:t>
-            </a:r>
-          </a:p>
-          <a:p>
-            <a:pPr marL="142875">
+              <a:t>Demo</a:t>
+            </a:r>
+          </a:p>
+          <a:p>
+            <a:r>
+              <a:rPr lang="en-US" sz="2800" dirty="0">
+                <a:solidFill>
+                  <a:srgbClr val="CF3338"/>
+                </a:solidFill>
+                <a:latin typeface="Pragmatica" panose="020B0403040502020204" pitchFamily="34" charset="0"/>
+              </a:rPr>
+              <a:t>Using </a:t>
+            </a:r>
+            <a:r>
+              <a:rPr lang="en-US" sz="2800" dirty="0">
+                <a:solidFill>
+                  <a:srgbClr val="CF3338"/>
+                </a:solidFill>
+                <a:latin typeface="Consolas" panose="020B0609020204030204" pitchFamily="49" charset="0"/>
+              </a:rPr>
+              <a:t>wholesale-customers</a:t>
+            </a:r>
+            <a:r>
+              <a:rPr lang="en-US" sz="2800" dirty="0">
+                <a:solidFill>
+                  <a:srgbClr val="CF3338"/>
+                </a:solidFill>
+                <a:latin typeface="Pragmatica" panose="020B0403040502020204" pitchFamily="34" charset="0"/>
+              </a:rPr>
+              <a:t> worksheet:</a:t>
+            </a:r>
+          </a:p>
+          <a:p>
+            <a:endParaRPr lang="en-US" sz="2800" dirty="0">
+              <a:solidFill>
+                <a:srgbClr val="CF3338"/>
+              </a:solidFill>
+              <a:latin typeface="Pragmatica" panose="020B0403040502020204" pitchFamily="34" charset="0"/>
+            </a:endParaRPr>
+          </a:p>
+          <a:p>
+            <a:pPr marL="457200" lvl="0" indent="-361950">
               <a:lnSpc>
                 <a:spcPct val="115000"/>
               </a:lnSpc>
               <a:spcBef>
-                <a:spcPts val="1125"/>
+                <a:spcPts val="750"/>
               </a:spcBef>
               <a:buClr>
                 <a:srgbClr val="C00000"/>
               </a:buClr>
               <a:buSzPts val="2100"/>
+              <a:buFont typeface="Arial"/>
+              <a:buAutoNum type="arabicPeriod"/>
             </a:pPr>
             <a:r>
               <a:rPr lang="en-US" sz="2400" dirty="0">
                 <a:solidFill>
-                  <a:srgbClr val="CF3338"/>
+                  <a:srgbClr val="C00000"/>
                 </a:solidFill>
                 <a:latin typeface="Pragmatica" panose="020B0403040502020204"/>
-                <a:ea typeface="Consolas"/>
-                <a:cs typeface="Consolas"/>
-                <a:sym typeface="Consolas"/>
-              </a:rPr>
-              <a:t>Worksheet: </a:t>
-            </a:r>
-            <a:r>
-              <a:rPr lang="en-US" sz="2400" dirty="0">
-                <a:solidFill>
-                  <a:srgbClr val="CF3338"/>
-                </a:solidFill>
-                <a:latin typeface="Consolas" panose="020B0609020204030204" pitchFamily="49" charset="0"/>
-                <a:ea typeface="Consolas"/>
-                <a:cs typeface="Consolas"/>
-                <a:sym typeface="Consolas"/>
-              </a:rPr>
-              <a:t>penguins</a:t>
+              </a:rPr>
+              <a:t>Get the total sum of sales by Region, then Channel</a:t>
             </a:r>
             <a:endParaRPr lang="en-US" sz="2400" dirty="0">
               <a:solidFill>
-                <a:srgbClr val="CF3338"/>
+                <a:srgbClr val="C00000"/>
               </a:solidFill>
-              <a:latin typeface="Pragmatica" panose="020B0403040502020204"/>
+              <a:latin typeface="Consolas" panose="020B0609020204030204" pitchFamily="49" charset="0"/>
               <a:ea typeface="Consolas"/>
               <a:cs typeface="Consolas"/>
               <a:sym typeface="Consolas"/>
             </a:endParaRPr>
           </a:p>
           <a:p>
-            <a:pPr marL="657225" indent="-514350">
-              <a:spcBef>
-                <a:spcPts val="1125"/>
-              </a:spcBef>
-              <a:buClr>
-                <a:srgbClr val="C00000"/>
-              </a:buClr>
-              <a:buSzPts val="2100"/>
-              <a:buFont typeface="+mj-lt"/>
-              <a:buAutoNum type="arabicPeriod"/>
-            </a:pPr>
-            <a:r>
-              <a:rPr lang="en-US" sz="2400" dirty="0">
-                <a:solidFill>
-                  <a:srgbClr val="CF3338"/>
-                </a:solidFill>
-                <a:latin typeface="Pragmatica" panose="020B0403040502020204"/>
-                <a:ea typeface="Consolas"/>
-                <a:cs typeface="Consolas"/>
-                <a:sym typeface="Consolas"/>
-              </a:rPr>
-              <a:t>How many unique species are in this dataset? What are they?</a:t>
-            </a:r>
-          </a:p>
-          <a:p>
-            <a:pPr marL="657225" indent="-514350">
-              <a:spcBef>
-                <a:spcPts val="1125"/>
-              </a:spcBef>
-              <a:buClr>
-                <a:srgbClr val="C00000"/>
-              </a:buClr>
-              <a:buSzPts val="2100"/>
-              <a:buFont typeface="+mj-lt"/>
-              <a:buAutoNum type="arabicPeriod"/>
-            </a:pPr>
-            <a:r>
-              <a:rPr lang="en-US" sz="2400" dirty="0">
-                <a:solidFill>
-                  <a:srgbClr val="CF3338"/>
-                </a:solidFill>
-                <a:latin typeface="Pragmatica" panose="020B0403040502020204"/>
-                <a:ea typeface="Consolas"/>
-                <a:cs typeface="Consolas"/>
-                <a:sym typeface="Consolas"/>
-              </a:rPr>
-              <a:t>Pull only the records from the Biscoe island. </a:t>
-            </a:r>
-          </a:p>
-          <a:p>
-            <a:pPr marL="657225" indent="-514350">
-              <a:spcBef>
-                <a:spcPts val="1125"/>
-              </a:spcBef>
-              <a:buClr>
-                <a:srgbClr val="C00000"/>
-              </a:buClr>
-              <a:buSzPts val="2100"/>
-              <a:buFont typeface="+mj-lt"/>
-              <a:buAutoNum type="arabicPeriod"/>
-            </a:pPr>
-            <a:r>
-              <a:rPr lang="en-US" sz="2400" dirty="0">
-                <a:solidFill>
-                  <a:srgbClr val="CF3338"/>
-                </a:solidFill>
-                <a:latin typeface="Pragmatica" panose="020B0403040502020204"/>
-                <a:ea typeface="Consolas"/>
-                <a:cs typeface="Consolas"/>
-                <a:sym typeface="Consolas"/>
-              </a:rPr>
-              <a:t>Pull only the records that are from Biscoe island and that have a body mass greater than average for that group.  </a:t>
-            </a:r>
-          </a:p>
-          <a:p>
-            <a:pPr marL="657225" indent="-514350">
-              <a:spcBef>
-                <a:spcPts val="1125"/>
-              </a:spcBef>
-              <a:buClr>
-                <a:srgbClr val="C00000"/>
-              </a:buClr>
-              <a:buSzPts val="2100"/>
-              <a:buFont typeface="+mj-lt"/>
-              <a:buAutoNum type="arabicPeriod"/>
-            </a:pPr>
-            <a:r>
-              <a:rPr lang="en-US" sz="2400" dirty="0">
-                <a:solidFill>
-                  <a:srgbClr val="CF3338"/>
-                </a:solidFill>
-                <a:latin typeface="Pragmatica" panose="020B0403040502020204"/>
-                <a:ea typeface="Consolas"/>
-                <a:cs typeface="Consolas"/>
-                <a:sym typeface="Consolas"/>
-              </a:rPr>
-              <a:t>Sort the data by body mass ascending, species ascending, sex descending. </a:t>
-            </a:r>
+            <a:endParaRPr lang="en-US" sz="4000" dirty="0">
+              <a:solidFill>
+                <a:srgbClr val="CF3338"/>
+              </a:solidFill>
+              <a:latin typeface="Pragmatica" panose="020B0403040502020204" pitchFamily="34" charset="0"/>
+            </a:endParaRPr>
+          </a:p>
+          <a:p>
+            <a:endParaRPr lang="en-US" sz="4000" dirty="0">
+              <a:solidFill>
+                <a:srgbClr val="CF3338"/>
+              </a:solidFill>
+              <a:latin typeface="Pragmatica" panose="020B0403040502020204" pitchFamily="34" charset="0"/>
+            </a:endParaRPr>
           </a:p>
         </p:txBody>
       </p:sp>
     </p:spTree>
     <p:extLst>
       <p:ext uri="{BB962C8B-B14F-4D97-AF65-F5344CB8AC3E}">
-        <p14:creationId xmlns:p14="http://schemas.microsoft.com/office/powerpoint/2010/main" val="1982952148"/>
+        <p14:creationId xmlns:p14="http://schemas.microsoft.com/office/powerpoint/2010/main" val="3498493819"/>
       </p:ext>
     </p:extLst>
   </p:cSld>

--- a/intro-pivot-tables-slides.pptx
+++ b/intro-pivot-tables-slides.pptx
@@ -5,29 +5,23 @@
     <p:sldMasterId id="2147483648" r:id="rId1"/>
   </p:sldMasterIdLst>
   <p:notesMasterIdLst>
-    <p:notesMasterId r:id="rId22"/>
+    <p:notesMasterId r:id="rId16"/>
   </p:notesMasterIdLst>
   <p:sldIdLst>
     <p:sldId id="256" r:id="rId2"/>
     <p:sldId id="358" r:id="rId3"/>
     <p:sldId id="258" r:id="rId4"/>
-    <p:sldId id="427" r:id="rId5"/>
-    <p:sldId id="364" r:id="rId6"/>
-    <p:sldId id="257" r:id="rId7"/>
-    <p:sldId id="266" r:id="rId8"/>
-    <p:sldId id="359" r:id="rId9"/>
-    <p:sldId id="360" r:id="rId10"/>
-    <p:sldId id="361" r:id="rId11"/>
-    <p:sldId id="369" r:id="rId12"/>
-    <p:sldId id="374" r:id="rId13"/>
-    <p:sldId id="373" r:id="rId14"/>
-    <p:sldId id="375" r:id="rId15"/>
-    <p:sldId id="354" r:id="rId16"/>
-    <p:sldId id="430" r:id="rId17"/>
-    <p:sldId id="428" r:id="rId18"/>
-    <p:sldId id="400" r:id="rId19"/>
-    <p:sldId id="429" r:id="rId20"/>
-    <p:sldId id="355" r:id="rId21"/>
+    <p:sldId id="257" r:id="rId5"/>
+    <p:sldId id="266" r:id="rId6"/>
+    <p:sldId id="359" r:id="rId7"/>
+    <p:sldId id="360" r:id="rId8"/>
+    <p:sldId id="361" r:id="rId9"/>
+    <p:sldId id="369" r:id="rId10"/>
+    <p:sldId id="374" r:id="rId11"/>
+    <p:sldId id="373" r:id="rId12"/>
+    <p:sldId id="375" r:id="rId13"/>
+    <p:sldId id="354" r:id="rId14"/>
+    <p:sldId id="355" r:id="rId15"/>
   </p:sldIdLst>
   <p:sldSz cx="12192000" cy="6858000"/>
   <p:notesSz cx="6858000" cy="9144000"/>
@@ -234,7 +228,7 @@
           <a:p>
             <a:fld id="{05534BD0-1400-4EBA-BBA1-04F52AB31B36}" type="datetimeFigureOut">
               <a:rPr lang="en-US" smtClean="0"/>
-              <a:t>8/23/2023</a:t>
+              <a:t>3/27/2025</a:t>
             </a:fld>
             <a:endParaRPr lang="en-US"/>
           </a:p>
@@ -545,7 +539,10 @@
           <a:bodyPr/>
           <a:lstStyle/>
           <a:p>
-            <a:endParaRPr lang="en-US" dirty="0"/>
+            <a:r>
+              <a:rPr lang="en-US" dirty="0"/>
+              <a:t>Don’t worry too much about the building blocks right now – I have this in here to gauge everyone’s interest </a:t>
+            </a:r>
           </a:p>
         </p:txBody>
       </p:sp>
@@ -564,7 +561,7 @@
           <a:bodyPr/>
           <a:lstStyle/>
           <a:p>
-            <a:fld id="{3BB66621-ADCC-4EF8-8003-B9D3E881DCD2}" type="slidenum">
+            <a:fld id="{1300335D-9F13-4B80-ADC5-B0EA3E10FF6B}" type="slidenum">
               <a:rPr lang="en-US" smtClean="0"/>
               <a:t>5</a:t>
             </a:fld>
@@ -575,94 +572,7 @@
     </p:spTree>
     <p:extLst>
       <p:ext uri="{BB962C8B-B14F-4D97-AF65-F5344CB8AC3E}">
-        <p14:creationId xmlns:p14="http://schemas.microsoft.com/office/powerpoint/2010/main" val="2537275168"/>
-      </p:ext>
-    </p:extLst>
-  </p:cSld>
-  <p:clrMapOvr>
-    <a:masterClrMapping/>
-  </p:clrMapOvr>
-</p:notes>
-</file>
-
-<file path=ppt/notesSlides/notesSlide10.xml><?xml version="1.0" encoding="utf-8"?>
-<p:notes xmlns:a="http://schemas.openxmlformats.org/drawingml/2006/main" xmlns:r="http://schemas.openxmlformats.org/officeDocument/2006/relationships" xmlns:p="http://schemas.openxmlformats.org/presentationml/2006/main">
-  <p:cSld>
-    <p:spTree>
-      <p:nvGrpSpPr>
-        <p:cNvPr id="1" name=""/>
-        <p:cNvGrpSpPr/>
-        <p:nvPr/>
-      </p:nvGrpSpPr>
-      <p:grpSpPr>
-        <a:xfrm>
-          <a:off x="0" y="0"/>
-          <a:ext cx="0" cy="0"/>
-          <a:chOff x="0" y="0"/>
-          <a:chExt cx="0" cy="0"/>
-        </a:xfrm>
-      </p:grpSpPr>
-      <p:sp>
-        <p:nvSpPr>
-          <p:cNvPr id="2" name="Slide Image Placeholder 1"/>
-          <p:cNvSpPr>
-            <a:spLocks noGrp="1" noRot="1" noChangeAspect="1"/>
-          </p:cNvSpPr>
-          <p:nvPr>
-            <p:ph type="sldImg"/>
-          </p:nvPr>
-        </p:nvSpPr>
-        <p:spPr/>
-      </p:sp>
-      <p:sp>
-        <p:nvSpPr>
-          <p:cNvPr id="3" name="Notes Placeholder 2"/>
-          <p:cNvSpPr>
-            <a:spLocks noGrp="1"/>
-          </p:cNvSpPr>
-          <p:nvPr>
-            <p:ph type="body" idx="1"/>
-          </p:nvPr>
-        </p:nvSpPr>
-        <p:spPr/>
-        <p:txBody>
-          <a:bodyPr/>
-          <a:lstStyle/>
-          <a:p>
-            <a:r>
-              <a:rPr lang="en-US" dirty="0"/>
-              <a:t>Any questions on descriptive statistics? </a:t>
-            </a:r>
-          </a:p>
-        </p:txBody>
-      </p:sp>
-      <p:sp>
-        <p:nvSpPr>
-          <p:cNvPr id="4" name="Slide Number Placeholder 3"/>
-          <p:cNvSpPr>
-            <a:spLocks noGrp="1"/>
-          </p:cNvSpPr>
-          <p:nvPr>
-            <p:ph type="sldNum" sz="quarter" idx="5"/>
-          </p:nvPr>
-        </p:nvSpPr>
-        <p:spPr/>
-        <p:txBody>
-          <a:bodyPr/>
-          <a:lstStyle/>
-          <a:p>
-            <a:fld id="{FFB500C5-13F7-48FC-8160-C29AECF6C602}" type="slidenum">
-              <a:rPr lang="en-US" smtClean="0"/>
-              <a:t>19</a:t>
-            </a:fld>
-            <a:endParaRPr lang="en-US"/>
-          </a:p>
-        </p:txBody>
-      </p:sp>
-    </p:spTree>
-    <p:extLst>
-      <p:ext uri="{BB962C8B-B14F-4D97-AF65-F5344CB8AC3E}">
-        <p14:creationId xmlns:p14="http://schemas.microsoft.com/office/powerpoint/2010/main" val="746477125"/>
+        <p14:creationId xmlns:p14="http://schemas.microsoft.com/office/powerpoint/2010/main" val="2287506330"/>
       </p:ext>
     </p:extLst>
   </p:cSld>
@@ -718,7 +628,19 @@
           <a:p>
             <a:r>
               <a:rPr lang="en-US" dirty="0"/>
-              <a:t>Don’t worry too much about the building blocks right now – I have this in here to gauge everyone’s interest </a:t>
+              <a:t>This would be rolling up and drilling down</a:t>
+            </a:r>
+          </a:p>
+          <a:p>
+            <a:r>
+              <a:rPr lang="en-US" dirty="0"/>
+              <a:t>This is slicing and dicing</a:t>
+            </a:r>
+          </a:p>
+          <a:p>
+            <a:r>
+              <a:rPr lang="en-US" dirty="0"/>
+              <a:t>This is unpivoting and pivoting</a:t>
             </a:r>
           </a:p>
         </p:txBody>
@@ -740,7 +662,7 @@
           <a:p>
             <a:fld id="{1300335D-9F13-4B80-ADC5-B0EA3E10FF6B}" type="slidenum">
               <a:rPr lang="en-US" smtClean="0"/>
-              <a:t>7</a:t>
+              <a:t>6</a:t>
             </a:fld>
             <a:endParaRPr lang="en-US"/>
           </a:p>
@@ -749,7 +671,7 @@
     </p:spTree>
     <p:extLst>
       <p:ext uri="{BB962C8B-B14F-4D97-AF65-F5344CB8AC3E}">
-        <p14:creationId xmlns:p14="http://schemas.microsoft.com/office/powerpoint/2010/main" val="2287506330"/>
+        <p14:creationId xmlns:p14="http://schemas.microsoft.com/office/powerpoint/2010/main" val="3014088537"/>
       </p:ext>
     </p:extLst>
   </p:cSld>
@@ -805,19 +727,7 @@
           <a:p>
             <a:r>
               <a:rPr lang="en-US" dirty="0"/>
-              <a:t>This would be rolling up and drilling down</a:t>
-            </a:r>
-          </a:p>
-          <a:p>
-            <a:r>
-              <a:rPr lang="en-US" dirty="0"/>
-              <a:t>This is slicing and dicing</a:t>
-            </a:r>
-          </a:p>
-          <a:p>
-            <a:r>
-              <a:rPr lang="en-US" dirty="0"/>
-              <a:t>This is unpivoting and pivoting</a:t>
+              <a:t>Doesn’t work so well, right? </a:t>
             </a:r>
           </a:p>
         </p:txBody>
@@ -839,7 +749,7 @@
           <a:p>
             <a:fld id="{1300335D-9F13-4B80-ADC5-B0EA3E10FF6B}" type="slidenum">
               <a:rPr lang="en-US" smtClean="0"/>
-              <a:t>8</a:t>
+              <a:t>7</a:t>
             </a:fld>
             <a:endParaRPr lang="en-US"/>
           </a:p>
@@ -848,7 +758,7 @@
     </p:spTree>
     <p:extLst>
       <p:ext uri="{BB962C8B-B14F-4D97-AF65-F5344CB8AC3E}">
-        <p14:creationId xmlns:p14="http://schemas.microsoft.com/office/powerpoint/2010/main" val="3014088537"/>
+        <p14:creationId xmlns:p14="http://schemas.microsoft.com/office/powerpoint/2010/main" val="3121549957"/>
       </p:ext>
     </p:extLst>
   </p:cSld>
@@ -904,7 +814,7 @@
           <a:p>
             <a:r>
               <a:rPr lang="en-US" dirty="0"/>
-              <a:t>Doesn’t work so well, right? </a:t>
+              <a:t>The Power Query course will be good to actually shape this data. /</a:t>
             </a:r>
           </a:p>
         </p:txBody>
@@ -926,7 +836,7 @@
           <a:p>
             <a:fld id="{1300335D-9F13-4B80-ADC5-B0EA3E10FF6B}" type="slidenum">
               <a:rPr lang="en-US" smtClean="0"/>
-              <a:t>9</a:t>
+              <a:t>8</a:t>
             </a:fld>
             <a:endParaRPr lang="en-US"/>
           </a:p>
@@ -935,7 +845,7 @@
     </p:spTree>
     <p:extLst>
       <p:ext uri="{BB962C8B-B14F-4D97-AF65-F5344CB8AC3E}">
-        <p14:creationId xmlns:p14="http://schemas.microsoft.com/office/powerpoint/2010/main" val="3121549957"/>
+        <p14:creationId xmlns:p14="http://schemas.microsoft.com/office/powerpoint/2010/main" val="1428042693"/>
       </p:ext>
     </p:extLst>
   </p:cSld>
@@ -991,7 +901,7 @@
           <a:p>
             <a:r>
               <a:rPr lang="en-US" dirty="0"/>
-              <a:t>The Power Query course will be good to actually shape this data. /</a:t>
+              <a:t>Don’t worry too much about the building blocks right now – I have this in here to gauge everyone’s interest </a:t>
             </a:r>
           </a:p>
         </p:txBody>
@@ -1013,7 +923,7 @@
           <a:p>
             <a:fld id="{1300335D-9F13-4B80-ADC5-B0EA3E10FF6B}" type="slidenum">
               <a:rPr lang="en-US" smtClean="0"/>
-              <a:t>10</a:t>
+              <a:t>9</a:t>
             </a:fld>
             <a:endParaRPr lang="en-US"/>
           </a:p>
@@ -1022,7 +932,7 @@
     </p:spTree>
     <p:extLst>
       <p:ext uri="{BB962C8B-B14F-4D97-AF65-F5344CB8AC3E}">
-        <p14:creationId xmlns:p14="http://schemas.microsoft.com/office/powerpoint/2010/main" val="1428042693"/>
+        <p14:creationId xmlns:p14="http://schemas.microsoft.com/office/powerpoint/2010/main" val="605682580"/>
       </p:ext>
     </p:extLst>
   </p:cSld>
@@ -1078,7 +988,7 @@
           <a:p>
             <a:r>
               <a:rPr lang="en-US" dirty="0"/>
-              <a:t>Don’t worry too much about the building blocks right now – I have this in here to gauge everyone’s interest </a:t>
+              <a:t>Doesn’t work so well, right? </a:t>
             </a:r>
           </a:p>
         </p:txBody>
@@ -1100,7 +1010,7 @@
           <a:p>
             <a:fld id="{1300335D-9F13-4B80-ADC5-B0EA3E10FF6B}" type="slidenum">
               <a:rPr lang="en-US" smtClean="0"/>
-              <a:t>11</a:t>
+              <a:t>10</a:t>
             </a:fld>
             <a:endParaRPr lang="en-US"/>
           </a:p>
@@ -1109,7 +1019,7 @@
     </p:spTree>
     <p:extLst>
       <p:ext uri="{BB962C8B-B14F-4D97-AF65-F5344CB8AC3E}">
-        <p14:creationId xmlns:p14="http://schemas.microsoft.com/office/powerpoint/2010/main" val="605682580"/>
+        <p14:creationId xmlns:p14="http://schemas.microsoft.com/office/powerpoint/2010/main" val="1967764219"/>
       </p:ext>
     </p:extLst>
   </p:cSld>
@@ -1187,94 +1097,7 @@
           <a:p>
             <a:fld id="{1300335D-9F13-4B80-ADC5-B0EA3E10FF6B}" type="slidenum">
               <a:rPr lang="en-US" smtClean="0"/>
-              <a:t>12</a:t>
-            </a:fld>
-            <a:endParaRPr lang="en-US"/>
-          </a:p>
-        </p:txBody>
-      </p:sp>
-    </p:spTree>
-    <p:extLst>
-      <p:ext uri="{BB962C8B-B14F-4D97-AF65-F5344CB8AC3E}">
-        <p14:creationId xmlns:p14="http://schemas.microsoft.com/office/powerpoint/2010/main" val="1967764219"/>
-      </p:ext>
-    </p:extLst>
-  </p:cSld>
-  <p:clrMapOvr>
-    <a:masterClrMapping/>
-  </p:clrMapOvr>
-</p:notes>
-</file>
-
-<file path=ppt/notesSlides/notesSlide8.xml><?xml version="1.0" encoding="utf-8"?>
-<p:notes xmlns:a="http://schemas.openxmlformats.org/drawingml/2006/main" xmlns:r="http://schemas.openxmlformats.org/officeDocument/2006/relationships" xmlns:p="http://schemas.openxmlformats.org/presentationml/2006/main">
-  <p:cSld>
-    <p:spTree>
-      <p:nvGrpSpPr>
-        <p:cNvPr id="1" name=""/>
-        <p:cNvGrpSpPr/>
-        <p:nvPr/>
-      </p:nvGrpSpPr>
-      <p:grpSpPr>
-        <a:xfrm>
-          <a:off x="0" y="0"/>
-          <a:ext cx="0" cy="0"/>
-          <a:chOff x="0" y="0"/>
-          <a:chExt cx="0" cy="0"/>
-        </a:xfrm>
-      </p:grpSpPr>
-      <p:sp>
-        <p:nvSpPr>
-          <p:cNvPr id="2" name="Slide Image Placeholder 1"/>
-          <p:cNvSpPr>
-            <a:spLocks noGrp="1" noRot="1" noChangeAspect="1"/>
-          </p:cNvSpPr>
-          <p:nvPr>
-            <p:ph type="sldImg"/>
-          </p:nvPr>
-        </p:nvSpPr>
-        <p:spPr/>
-      </p:sp>
-      <p:sp>
-        <p:nvSpPr>
-          <p:cNvPr id="3" name="Notes Placeholder 2"/>
-          <p:cNvSpPr>
-            <a:spLocks noGrp="1"/>
-          </p:cNvSpPr>
-          <p:nvPr>
-            <p:ph type="body" idx="1"/>
-          </p:nvPr>
-        </p:nvSpPr>
-        <p:spPr/>
-        <p:txBody>
-          <a:bodyPr/>
-          <a:lstStyle/>
-          <a:p>
-            <a:r>
-              <a:rPr lang="en-US" dirty="0"/>
-              <a:t>Doesn’t work so well, right? </a:t>
-            </a:r>
-          </a:p>
-        </p:txBody>
-      </p:sp>
-      <p:sp>
-        <p:nvSpPr>
-          <p:cNvPr id="4" name="Slide Number Placeholder 3"/>
-          <p:cNvSpPr>
-            <a:spLocks noGrp="1"/>
-          </p:cNvSpPr>
-          <p:nvPr>
-            <p:ph type="sldNum" sz="quarter" idx="5"/>
-          </p:nvPr>
-        </p:nvSpPr>
-        <p:spPr/>
-        <p:txBody>
-          <a:bodyPr/>
-          <a:lstStyle/>
-          <a:p>
-            <a:fld id="{1300335D-9F13-4B80-ADC5-B0EA3E10FF6B}" type="slidenum">
-              <a:rPr lang="en-US" smtClean="0"/>
-              <a:t>13</a:t>
+              <a:t>11</a:t>
             </a:fld>
             <a:endParaRPr lang="en-US"/>
           </a:p>
@@ -1284,99 +1107,6 @@
     <p:extLst>
       <p:ext uri="{BB962C8B-B14F-4D97-AF65-F5344CB8AC3E}">
         <p14:creationId xmlns:p14="http://schemas.microsoft.com/office/powerpoint/2010/main" val="3455439466"/>
-      </p:ext>
-    </p:extLst>
-  </p:cSld>
-  <p:clrMapOvr>
-    <a:masterClrMapping/>
-  </p:clrMapOvr>
-</p:notes>
-</file>
-
-<file path=ppt/notesSlides/notesSlide9.xml><?xml version="1.0" encoding="utf-8"?>
-<p:notes xmlns:a="http://schemas.openxmlformats.org/drawingml/2006/main" xmlns:r="http://schemas.openxmlformats.org/officeDocument/2006/relationships" xmlns:p="http://schemas.openxmlformats.org/presentationml/2006/main">
-  <p:cSld>
-    <p:spTree>
-      <p:nvGrpSpPr>
-        <p:cNvPr id="1" name=""/>
-        <p:cNvGrpSpPr/>
-        <p:nvPr/>
-      </p:nvGrpSpPr>
-      <p:grpSpPr>
-        <a:xfrm>
-          <a:off x="0" y="0"/>
-          <a:ext cx="0" cy="0"/>
-          <a:chOff x="0" y="0"/>
-          <a:chExt cx="0" cy="0"/>
-        </a:xfrm>
-      </p:grpSpPr>
-      <p:sp>
-        <p:nvSpPr>
-          <p:cNvPr id="2" name="Slide Image Placeholder 1"/>
-          <p:cNvSpPr>
-            <a:spLocks noGrp="1" noRot="1" noChangeAspect="1"/>
-          </p:cNvSpPr>
-          <p:nvPr>
-            <p:ph type="sldImg"/>
-          </p:nvPr>
-        </p:nvSpPr>
-        <p:spPr/>
-      </p:sp>
-      <p:sp>
-        <p:nvSpPr>
-          <p:cNvPr id="3" name="Notes Placeholder 2"/>
-          <p:cNvSpPr>
-            <a:spLocks noGrp="1"/>
-          </p:cNvSpPr>
-          <p:nvPr>
-            <p:ph type="body" idx="1"/>
-          </p:nvPr>
-        </p:nvSpPr>
-        <p:spPr/>
-        <p:txBody>
-          <a:bodyPr/>
-          <a:lstStyle/>
-          <a:p>
-            <a:r>
-              <a:rPr lang="en-US" dirty="0"/>
-              <a:t>I’m a data analyst give me data on how I did</a:t>
-            </a:r>
-          </a:p>
-          <a:p>
-            <a:r>
-              <a:rPr lang="en-US" dirty="0"/>
-              <a:t>Testimonials also VERY helpful. </a:t>
-            </a:r>
-          </a:p>
-        </p:txBody>
-      </p:sp>
-      <p:sp>
-        <p:nvSpPr>
-          <p:cNvPr id="4" name="Slide Number Placeholder 3"/>
-          <p:cNvSpPr>
-            <a:spLocks noGrp="1"/>
-          </p:cNvSpPr>
-          <p:nvPr>
-            <p:ph type="sldNum" sz="quarter" idx="5"/>
-          </p:nvPr>
-        </p:nvSpPr>
-        <p:spPr/>
-        <p:txBody>
-          <a:bodyPr/>
-          <a:lstStyle/>
-          <a:p>
-            <a:fld id="{FFB500C5-13F7-48FC-8160-C29AECF6C602}" type="slidenum">
-              <a:rPr lang="en-US" smtClean="0"/>
-              <a:t>18</a:t>
-            </a:fld>
-            <a:endParaRPr lang="en-US"/>
-          </a:p>
-        </p:txBody>
-      </p:sp>
-    </p:spTree>
-    <p:extLst>
-      <p:ext uri="{BB962C8B-B14F-4D97-AF65-F5344CB8AC3E}">
-        <p14:creationId xmlns:p14="http://schemas.microsoft.com/office/powerpoint/2010/main" val="3125451817"/>
       </p:ext>
     </p:extLst>
   </p:cSld>
@@ -1515,7 +1245,7 @@
           <a:p>
             <a:fld id="{0138B082-EFC2-46C1-B47C-51736C670379}" type="datetimeFigureOut">
               <a:rPr lang="en-US" smtClean="0"/>
-              <a:t>8/23/2023</a:t>
+              <a:t>3/27/2025</a:t>
             </a:fld>
             <a:endParaRPr lang="en-US"/>
           </a:p>
@@ -1683,7 +1413,7 @@
           <a:p>
             <a:fld id="{0138B082-EFC2-46C1-B47C-51736C670379}" type="datetimeFigureOut">
               <a:rPr lang="en-US" smtClean="0"/>
-              <a:t>8/23/2023</a:t>
+              <a:t>3/27/2025</a:t>
             </a:fld>
             <a:endParaRPr lang="en-US"/>
           </a:p>
@@ -1861,7 +1591,7 @@
           <a:p>
             <a:fld id="{0138B082-EFC2-46C1-B47C-51736C670379}" type="datetimeFigureOut">
               <a:rPr lang="en-US" smtClean="0"/>
-              <a:t>8/23/2023</a:t>
+              <a:t>3/27/2025</a:t>
             </a:fld>
             <a:endParaRPr lang="en-US"/>
           </a:p>
@@ -2029,7 +1759,7 @@
           <a:p>
             <a:fld id="{0138B082-EFC2-46C1-B47C-51736C670379}" type="datetimeFigureOut">
               <a:rPr lang="en-US" smtClean="0"/>
-              <a:t>8/23/2023</a:t>
+              <a:t>3/27/2025</a:t>
             </a:fld>
             <a:endParaRPr lang="en-US"/>
           </a:p>
@@ -2274,7 +2004,7 @@
           <a:p>
             <a:fld id="{0138B082-EFC2-46C1-B47C-51736C670379}" type="datetimeFigureOut">
               <a:rPr lang="en-US" smtClean="0"/>
-              <a:t>8/23/2023</a:t>
+              <a:t>3/27/2025</a:t>
             </a:fld>
             <a:endParaRPr lang="en-US"/>
           </a:p>
@@ -2503,7 +2233,7 @@
           <a:p>
             <a:fld id="{0138B082-EFC2-46C1-B47C-51736C670379}" type="datetimeFigureOut">
               <a:rPr lang="en-US" smtClean="0"/>
-              <a:t>8/23/2023</a:t>
+              <a:t>3/27/2025</a:t>
             </a:fld>
             <a:endParaRPr lang="en-US"/>
           </a:p>
@@ -2867,7 +2597,7 @@
           <a:p>
             <a:fld id="{0138B082-EFC2-46C1-B47C-51736C670379}" type="datetimeFigureOut">
               <a:rPr lang="en-US" smtClean="0"/>
-              <a:t>8/23/2023</a:t>
+              <a:t>3/27/2025</a:t>
             </a:fld>
             <a:endParaRPr lang="en-US"/>
           </a:p>
@@ -2984,7 +2714,7 @@
           <a:p>
             <a:fld id="{0138B082-EFC2-46C1-B47C-51736C670379}" type="datetimeFigureOut">
               <a:rPr lang="en-US" smtClean="0"/>
-              <a:t>8/23/2023</a:t>
+              <a:t>3/27/2025</a:t>
             </a:fld>
             <a:endParaRPr lang="en-US"/>
           </a:p>
@@ -3079,7 +2809,7 @@
           <a:p>
             <a:fld id="{0138B082-EFC2-46C1-B47C-51736C670379}" type="datetimeFigureOut">
               <a:rPr lang="en-US" smtClean="0"/>
-              <a:t>8/23/2023</a:t>
+              <a:t>3/27/2025</a:t>
             </a:fld>
             <a:endParaRPr lang="en-US"/>
           </a:p>
@@ -3354,7 +3084,7 @@
           <a:p>
             <a:fld id="{0138B082-EFC2-46C1-B47C-51736C670379}" type="datetimeFigureOut">
               <a:rPr lang="en-US" smtClean="0"/>
-              <a:t>8/23/2023</a:t>
+              <a:t>3/27/2025</a:t>
             </a:fld>
             <a:endParaRPr lang="en-US"/>
           </a:p>
@@ -3606,7 +3336,7 @@
           <a:p>
             <a:fld id="{0138B082-EFC2-46C1-B47C-51736C670379}" type="datetimeFigureOut">
               <a:rPr lang="en-US" smtClean="0"/>
-              <a:t>8/23/2023</a:t>
+              <a:t>3/27/2025</a:t>
             </a:fld>
             <a:endParaRPr lang="en-US"/>
           </a:p>
@@ -3820,7 +3550,7 @@
           <a:p>
             <a:fld id="{0138B082-EFC2-46C1-B47C-51736C670379}" type="datetimeFigureOut">
               <a:rPr lang="en-US" smtClean="0"/>
-              <a:t>8/23/2023</a:t>
+              <a:t>3/27/2025</a:t>
             </a:fld>
             <a:endParaRPr lang="en-US"/>
           </a:p>
@@ -4354,6 +4084,42 @@
           </a:prstGeom>
         </p:spPr>
       </p:pic>
+      <p:pic>
+        <p:nvPicPr>
+          <p:cNvPr id="5" name="Picture 4" descr="A person looking to the side&#10;&#10;AI-generated content may be incorrect.">
+            <a:extLst>
+              <a:ext uri="{FF2B5EF4-FFF2-40B4-BE49-F238E27FC236}">
+                <a16:creationId xmlns:a16="http://schemas.microsoft.com/office/drawing/2014/main" id="{458FD5D8-2629-99C8-C099-733C00ADA9D4}"/>
+              </a:ext>
+            </a:extLst>
+          </p:cNvPr>
+          <p:cNvPicPr>
+            <a:picLocks noChangeAspect="1"/>
+          </p:cNvPicPr>
+          <p:nvPr/>
+        </p:nvPicPr>
+        <p:blipFill>
+          <a:blip r:embed="rId5">
+            <a:extLst>
+              <a:ext uri="{28A0092B-C50C-407E-A947-70E740481C1C}">
+                <a14:useLocalDpi xmlns:a14="http://schemas.microsoft.com/office/drawing/2010/main" val="0"/>
+              </a:ext>
+            </a:extLst>
+          </a:blip>
+          <a:stretch>
+            <a:fillRect/>
+          </a:stretch>
+        </p:blipFill>
+        <p:spPr>
+          <a:xfrm>
+            <a:off x="762" y="428"/>
+            <a:ext cx="12190476" cy="6857143"/>
+          </a:xfrm>
+          <a:prstGeom prst="rect">
+            <a:avLst/>
+          </a:prstGeom>
+        </p:spPr>
+      </p:pic>
     </p:spTree>
     <p:extLst>
       <p:ext uri="{BB962C8B-B14F-4D97-AF65-F5344CB8AC3E}">
@@ -4386,50 +4152,59 @@
       </p:grpSpPr>
       <p:sp>
         <p:nvSpPr>
-          <p:cNvPr id="11" name="TextBox 10"/>
-          <p:cNvSpPr txBox="1"/>
+          <p:cNvPr id="4" name="Rectangle 3"/>
+          <p:cNvSpPr/>
           <p:nvPr/>
         </p:nvSpPr>
         <p:spPr>
           <a:xfrm>
-            <a:off x="347240" y="113388"/>
-            <a:ext cx="10348056" cy="830997"/>
+            <a:off x="6574420" y="0"/>
+            <a:ext cx="5617580" cy="6858000"/>
           </a:xfrm>
           <a:prstGeom prst="rect">
             <a:avLst/>
           </a:prstGeom>
-          <a:noFill/>
-        </p:spPr>
-        <p:txBody>
-          <a:bodyPr wrap="square" rtlCol="0">
-            <a:spAutoFit/>
-          </a:bodyPr>
-          <a:lstStyle/>
-          <a:p>
-            <a:r>
-              <a:rPr lang="en-US" sz="4800" dirty="0">
-                <a:latin typeface="Aliens &amp; cows" panose="00000500000000000000" pitchFamily="2" charset="0"/>
-              </a:rPr>
-              <a:t>What makes data “Pivot”-ready? </a:t>
-            </a:r>
+          <a:solidFill>
+            <a:srgbClr val="CF3338"/>
+          </a:solidFill>
+          <a:ln>
+            <a:noFill/>
+          </a:ln>
+        </p:spPr>
+        <p:style>
+          <a:lnRef idx="2">
+            <a:schemeClr val="accent1">
+              <a:shade val="50000"/>
+            </a:schemeClr>
+          </a:lnRef>
+          <a:fillRef idx="1">
+            <a:schemeClr val="accent1"/>
+          </a:fillRef>
+          <a:effectRef idx="0">
+            <a:schemeClr val="accent1"/>
+          </a:effectRef>
+          <a:fontRef idx="minor">
+            <a:schemeClr val="lt1"/>
+          </a:fontRef>
+        </p:style>
+        <p:txBody>
+          <a:bodyPr rtlCol="0" anchor="ctr"/>
+          <a:lstStyle/>
+          <a:p>
+            <a:pPr algn="ctr"/>
+            <a:endParaRPr lang="en-US"/>
           </a:p>
         </p:txBody>
       </p:sp>
       <p:pic>
         <p:nvPicPr>
-          <p:cNvPr id="15" name="Picture 14" descr="A close up of a sign&#10;&#10;Description automatically generated">
-            <a:extLst>
-              <a:ext uri="{FF2B5EF4-FFF2-40B4-BE49-F238E27FC236}">
-                <a16:creationId xmlns:a16="http://schemas.microsoft.com/office/drawing/2014/main" id="{29761B90-A7DE-4A60-A915-F085BD87CAB4}"/>
-              </a:ext>
-            </a:extLst>
-          </p:cNvPr>
+          <p:cNvPr id="2" name="Picture 1"/>
           <p:cNvPicPr>
             <a:picLocks noChangeAspect="1"/>
           </p:cNvPicPr>
           <p:nvPr/>
         </p:nvPicPr>
-        <p:blipFill>
+        <p:blipFill rotWithShape="1">
           <a:blip r:embed="rId3">
             <a:extLst>
               <a:ext uri="{28A0092B-C50C-407E-A947-70E740481C1C}">
@@ -4437,66 +4212,29 @@
               </a:ext>
             </a:extLst>
           </a:blip>
-          <a:stretch>
-            <a:fillRect/>
-          </a:stretch>
+          <a:srcRect l="69227" t="33418" r="20112" b="50548"/>
+          <a:stretch/>
         </p:blipFill>
         <p:spPr>
           <a:xfrm>
-            <a:off x="10894024" y="5372286"/>
-            <a:ext cx="1295238" cy="1485714"/>
+            <a:off x="10386349" y="5029795"/>
+            <a:ext cx="1805651" cy="1991719"/>
           </a:xfrm>
           <a:prstGeom prst="rect">
             <a:avLst/>
           </a:prstGeom>
         </p:spPr>
       </p:pic>
-      <p:pic>
-        <p:nvPicPr>
-          <p:cNvPr id="4" name="Picture 3">
-            <a:extLst>
-              <a:ext uri="{FF2B5EF4-FFF2-40B4-BE49-F238E27FC236}">
-                <a16:creationId xmlns:a16="http://schemas.microsoft.com/office/drawing/2014/main" id="{81048157-9FEE-C016-5CB4-2C3AE5FF6CFE}"/>
-              </a:ext>
-            </a:extLst>
-          </p:cNvPr>
-          <p:cNvPicPr>
-            <a:picLocks noChangeAspect="1"/>
-          </p:cNvPicPr>
-          <p:nvPr/>
-        </p:nvPicPr>
-        <p:blipFill>
-          <a:blip r:embed="rId4"/>
-          <a:stretch>
-            <a:fillRect/>
-          </a:stretch>
-        </p:blipFill>
-        <p:spPr>
-          <a:xfrm>
-            <a:off x="1894347" y="3345686"/>
-            <a:ext cx="7439892" cy="2998668"/>
-          </a:xfrm>
-          <a:prstGeom prst="rect">
-            <a:avLst/>
-          </a:prstGeom>
-        </p:spPr>
-      </p:pic>
-      <p:sp>
-        <p:nvSpPr>
-          <p:cNvPr id="5" name="TextBox 4">
-            <a:extLst>
-              <a:ext uri="{FF2B5EF4-FFF2-40B4-BE49-F238E27FC236}">
-                <a16:creationId xmlns:a16="http://schemas.microsoft.com/office/drawing/2014/main" id="{E6387811-4F0E-B40E-9FBC-65A81E1411FB}"/>
-              </a:ext>
-            </a:extLst>
-          </p:cNvPr>
+      <p:sp>
+        <p:nvSpPr>
+          <p:cNvPr id="3" name="TextBox 2"/>
           <p:cNvSpPr txBox="1"/>
           <p:nvPr/>
         </p:nvSpPr>
         <p:spPr>
           <a:xfrm>
-            <a:off x="295835" y="1271570"/>
-            <a:ext cx="8589981" cy="1754968"/>
+            <a:off x="173620" y="219919"/>
+            <a:ext cx="5937813" cy="4382738"/>
           </a:xfrm>
           <a:prstGeom prst="rect">
             <a:avLst/>
@@ -4509,80 +4247,159 @@
           </a:bodyPr>
           <a:lstStyle/>
           <a:p>
-            <a:pPr marL="457200" marR="190500" lvl="0" indent="-381000">
+            <a:r>
+              <a:rPr lang="en-US" sz="4000" b="1" dirty="0">
+                <a:solidFill>
+                  <a:srgbClr val="CF3338"/>
+                </a:solidFill>
+                <a:latin typeface="Pragmatica" panose="020B0403040502020204" pitchFamily="34" charset="0"/>
+              </a:rPr>
+              <a:t>Demo</a:t>
+            </a:r>
+          </a:p>
+          <a:p>
+            <a:r>
+              <a:rPr lang="en-US" sz="2800" dirty="0">
+                <a:solidFill>
+                  <a:srgbClr val="CF3338"/>
+                </a:solidFill>
+                <a:latin typeface="Consolas" panose="020B0609020204030204" pitchFamily="49" charset="0"/>
+              </a:rPr>
+              <a:t>sales</a:t>
+            </a:r>
+            <a:r>
+              <a:rPr lang="en-US" sz="2800" dirty="0">
+                <a:solidFill>
+                  <a:srgbClr val="CF3338"/>
+                </a:solidFill>
+                <a:latin typeface="Pragmatica" panose="020B0403040502020204" pitchFamily="34" charset="0"/>
+              </a:rPr>
+              <a:t> worksheet:</a:t>
+            </a:r>
+          </a:p>
+          <a:p>
+            <a:endParaRPr lang="en-US" sz="2800" dirty="0">
+              <a:solidFill>
+                <a:srgbClr val="CF3338"/>
+              </a:solidFill>
+              <a:latin typeface="Pragmatica" panose="020B0403040502020204" pitchFamily="34" charset="0"/>
+            </a:endParaRPr>
+          </a:p>
+          <a:p>
+            <a:pPr marL="457200" lvl="0" indent="-361950">
               <a:lnSpc>
                 <a:spcPct val="115000"/>
               </a:lnSpc>
               <a:spcBef>
-                <a:spcPts val="800"/>
+                <a:spcPts val="750"/>
               </a:spcBef>
               <a:buClr>
-                <a:srgbClr val="CF3338"/>
+                <a:srgbClr val="C00000"/>
               </a:buClr>
-              <a:buSzPts val="2400"/>
+              <a:buSzPts val="2100"/>
+              <a:buFont typeface="Arial" panose="020B0604020202020204" pitchFamily="34" charset="0"/>
               <a:buChar char="•"/>
             </a:pPr>
             <a:r>
-              <a:rPr lang="en-US" sz="2800" dirty="0">
+              <a:rPr lang="en-US" sz="2400" dirty="0">
                 <a:solidFill>
-                  <a:srgbClr val="505050"/>
+                  <a:srgbClr val="C00000"/>
                 </a:solidFill>
+                <a:latin typeface="Pragmatica" panose="020B0403040502020204"/>
+                <a:ea typeface="Consolas"/>
+                <a:cs typeface="Consolas"/>
+                <a:sym typeface="Consolas"/>
               </a:rPr>
-              <a:t>Each variable is in its own column </a:t>
-            </a:r>
-          </a:p>
-          <a:p>
-            <a:pPr marL="457200" marR="190500" lvl="0" indent="-381000">
+              <a:t>Create, configure, reformat PivotTables</a:t>
+            </a:r>
+          </a:p>
+          <a:p>
+            <a:pPr marL="457200" lvl="0" indent="-361950">
               <a:lnSpc>
                 <a:spcPct val="115000"/>
               </a:lnSpc>
               <a:spcBef>
-                <a:spcPts val="800"/>
+                <a:spcPts val="750"/>
               </a:spcBef>
               <a:buClr>
-                <a:srgbClr val="CF3338"/>
+                <a:srgbClr val="C00000"/>
               </a:buClr>
-              <a:buSzPts val="2400"/>
+              <a:buSzPts val="2100"/>
+              <a:buFont typeface="Arial" panose="020B0604020202020204" pitchFamily="34" charset="0"/>
               <a:buChar char="•"/>
             </a:pPr>
             <a:r>
-              <a:rPr lang="en-US" sz="2800" dirty="0">
+              <a:rPr lang="en-US" sz="2400" dirty="0">
                 <a:solidFill>
-                  <a:srgbClr val="505050"/>
+                  <a:srgbClr val="C00000"/>
                 </a:solidFill>
+                <a:latin typeface="Pragmatica" panose="020B0403040502020204"/>
+                <a:ea typeface="Consolas"/>
+                <a:cs typeface="Consolas"/>
+                <a:sym typeface="Consolas"/>
               </a:rPr>
-              <a:t>Each observation is in its own row</a:t>
-            </a:r>
-          </a:p>
-          <a:p>
-            <a:pPr marL="457200" marR="190500" lvl="0" indent="-381000">
+              <a:t>Update, refresh, maintain data sources</a:t>
+            </a:r>
+          </a:p>
+          <a:p>
+            <a:pPr marL="457200" lvl="0" indent="-361950">
               <a:lnSpc>
                 <a:spcPct val="115000"/>
               </a:lnSpc>
               <a:spcBef>
-                <a:spcPts val="800"/>
+                <a:spcPts val="750"/>
               </a:spcBef>
               <a:buClr>
-                <a:srgbClr val="CF3338"/>
+                <a:srgbClr val="C00000"/>
               </a:buClr>
-              <a:buSzPts val="2400"/>
+              <a:buSzPts val="2100"/>
+              <a:buFont typeface="Arial" panose="020B0604020202020204" pitchFamily="34" charset="0"/>
               <a:buChar char="•"/>
             </a:pPr>
             <a:r>
-              <a:rPr lang="en-US" sz="2800" dirty="0">
+              <a:rPr lang="en-US" sz="2400" dirty="0">
                 <a:solidFill>
-                  <a:srgbClr val="505050"/>
+                  <a:srgbClr val="C00000"/>
                 </a:solidFill>
+                <a:latin typeface="Pragmatica" panose="020B0403040502020204"/>
+                <a:ea typeface="Consolas"/>
+                <a:cs typeface="Consolas"/>
+                <a:sym typeface="Consolas"/>
               </a:rPr>
-              <a:t>Every cell is an observation-variable intersection </a:t>
-            </a:r>
+              <a:t>Create calculated columns</a:t>
+            </a:r>
+            <a:endParaRPr lang="en-US" sz="2400" dirty="0">
+              <a:solidFill>
+                <a:srgbClr val="C00000"/>
+              </a:solidFill>
+              <a:latin typeface="Consolas" panose="020B0609020204030204" pitchFamily="49" charset="0"/>
+              <a:ea typeface="Consolas"/>
+              <a:cs typeface="Consolas"/>
+              <a:sym typeface="Consolas"/>
+            </a:endParaRPr>
+          </a:p>
+          <a:p>
+            <a:endParaRPr lang="en-US" sz="4000" dirty="0">
+              <a:solidFill>
+                <a:srgbClr val="CF3338"/>
+              </a:solidFill>
+              <a:latin typeface="Pragmatica" panose="020B0403040502020204" pitchFamily="34" charset="0"/>
+            </a:endParaRPr>
+          </a:p>
+          <a:p>
+            <a:endParaRPr lang="en-US" sz="4000" dirty="0">
+              <a:solidFill>
+                <a:srgbClr val="CF3338"/>
+              </a:solidFill>
+              <a:latin typeface="Pragmatica" panose="020B0403040502020204" pitchFamily="34" charset="0"/>
+            </a:endParaRPr>
           </a:p>
         </p:txBody>
       </p:sp>
     </p:spTree>
     <p:extLst>
       <p:ext uri="{BB962C8B-B14F-4D97-AF65-F5344CB8AC3E}">
-        <p14:creationId xmlns:p14="http://schemas.microsoft.com/office/powerpoint/2010/main" val="4040772074"/>
+        <p14:creationId xmlns:p14="http://schemas.microsoft.com/office/powerpoint/2010/main" val="1750655333"/>
       </p:ext>
     </p:extLst>
   </p:cSld>
@@ -4611,206 +4428,14 @@
       </p:grpSpPr>
       <p:sp>
         <p:nvSpPr>
-          <p:cNvPr id="11" name="TextBox 10"/>
-          <p:cNvSpPr txBox="1"/>
-          <p:nvPr/>
-        </p:nvSpPr>
-        <p:spPr>
-          <a:xfrm>
-            <a:off x="347240" y="113388"/>
-            <a:ext cx="10348056" cy="830997"/>
-          </a:xfrm>
-          <a:prstGeom prst="rect">
-            <a:avLst/>
-          </a:prstGeom>
-          <a:noFill/>
-        </p:spPr>
-        <p:txBody>
-          <a:bodyPr wrap="square" rtlCol="0">
-            <a:spAutoFit/>
-          </a:bodyPr>
-          <a:lstStyle/>
-          <a:p>
-            <a:r>
-              <a:rPr lang="en-US" sz="4800" dirty="0">
-                <a:latin typeface="Aliens &amp; cows" panose="00000500000000000000" pitchFamily="2" charset="0"/>
-              </a:rPr>
-              <a:t>Heavy cleaning is a job for Power Query</a:t>
-            </a:r>
-          </a:p>
-        </p:txBody>
-      </p:sp>
-      <p:pic>
-        <p:nvPicPr>
-          <p:cNvPr id="15" name="Picture 14" descr="A close up of a sign&#10;&#10;Description automatically generated">
-            <a:extLst>
-              <a:ext uri="{FF2B5EF4-FFF2-40B4-BE49-F238E27FC236}">
-                <a16:creationId xmlns:a16="http://schemas.microsoft.com/office/drawing/2014/main" id="{29761B90-A7DE-4A60-A915-F085BD87CAB4}"/>
-              </a:ext>
-            </a:extLst>
-          </p:cNvPr>
-          <p:cNvPicPr>
-            <a:picLocks noChangeAspect="1"/>
-          </p:cNvPicPr>
-          <p:nvPr/>
-        </p:nvPicPr>
-        <p:blipFill>
-          <a:blip r:embed="rId3">
-            <a:extLst>
-              <a:ext uri="{28A0092B-C50C-407E-A947-70E740481C1C}">
-                <a14:useLocalDpi xmlns:a14="http://schemas.microsoft.com/office/drawing/2010/main" val="0"/>
-              </a:ext>
-            </a:extLst>
-          </a:blip>
-          <a:stretch>
-            <a:fillRect/>
-          </a:stretch>
-        </p:blipFill>
-        <p:spPr>
-          <a:xfrm>
-            <a:off x="10894024" y="5372286"/>
-            <a:ext cx="1295238" cy="1485714"/>
-          </a:xfrm>
-          <a:prstGeom prst="rect">
-            <a:avLst/>
-          </a:prstGeom>
-        </p:spPr>
-      </p:pic>
-      <p:pic>
-        <p:nvPicPr>
-          <p:cNvPr id="2050" name="Picture 2" descr="What is Power BI? - P3 Adaptive">
-            <a:extLst>
-              <a:ext uri="{FF2B5EF4-FFF2-40B4-BE49-F238E27FC236}">
-                <a16:creationId xmlns:a16="http://schemas.microsoft.com/office/drawing/2014/main" id="{9A257B7B-6DB2-4728-A411-0CC2AECF05EE}"/>
-              </a:ext>
-            </a:extLst>
-          </p:cNvPr>
-          <p:cNvPicPr>
-            <a:picLocks noChangeAspect="1" noChangeArrowheads="1"/>
-          </p:cNvPicPr>
-          <p:nvPr/>
-        </p:nvPicPr>
-        <p:blipFill>
-          <a:blip r:embed="rId4">
-            <a:extLst>
-              <a:ext uri="{28A0092B-C50C-407E-A947-70E740481C1C}">
-                <a14:useLocalDpi xmlns:a14="http://schemas.microsoft.com/office/drawing/2010/main" val="0"/>
-              </a:ext>
-            </a:extLst>
-          </a:blip>
-          <a:srcRect/>
-          <a:stretch>
-            <a:fillRect/>
-          </a:stretch>
-        </p:blipFill>
-        <p:spPr bwMode="auto">
-          <a:xfrm>
-            <a:off x="811854" y="1106373"/>
-            <a:ext cx="8810861" cy="4969876"/>
-          </a:xfrm>
-          <a:prstGeom prst="rect">
-            <a:avLst/>
-          </a:prstGeom>
-          <a:noFill/>
-          <a:extLst>
-            <a:ext uri="{909E8E84-426E-40DD-AFC4-6F175D3DCCD1}">
-              <a14:hiddenFill xmlns:a14="http://schemas.microsoft.com/office/drawing/2010/main">
-                <a:solidFill>
-                  <a:srgbClr val="FFFFFF"/>
-                </a:solidFill>
-              </a14:hiddenFill>
-            </a:ext>
-          </a:extLst>
-        </p:spPr>
-      </p:pic>
-      <p:sp>
-        <p:nvSpPr>
-          <p:cNvPr id="4" name="TextBox 3">
-            <a:extLst>
-              <a:ext uri="{FF2B5EF4-FFF2-40B4-BE49-F238E27FC236}">
-                <a16:creationId xmlns:a16="http://schemas.microsoft.com/office/drawing/2014/main" id="{AE980D48-4340-3965-75D0-F93CDB3DF105}"/>
-              </a:ext>
-            </a:extLst>
-          </p:cNvPr>
-          <p:cNvSpPr txBox="1"/>
-          <p:nvPr/>
-        </p:nvSpPr>
-        <p:spPr>
-          <a:xfrm>
-            <a:off x="100532" y="6375280"/>
-            <a:ext cx="6096896" cy="369332"/>
-          </a:xfrm>
-          <a:prstGeom prst="rect">
-            <a:avLst/>
-          </a:prstGeom>
-          <a:noFill/>
-        </p:spPr>
-        <p:txBody>
-          <a:bodyPr wrap="square">
-            <a:spAutoFit/>
-          </a:bodyPr>
-          <a:lstStyle/>
-          <a:p>
-            <a:r>
-              <a:rPr lang="en-US" dirty="0">
-                <a:hlinkClick r:id="rId5"/>
-              </a:rPr>
-              <a:t>https://p3adaptive.com/2014/09/</a:t>
-            </a:r>
-            <a:r>
-              <a:rPr lang="en-US">
-                <a:hlinkClick r:id="rId5"/>
-              </a:rPr>
-              <a:t>what-is-power-bi/</a:t>
-            </a:r>
-            <a:r>
-              <a:rPr lang="en-US"/>
-              <a:t>  </a:t>
-            </a:r>
-            <a:endParaRPr lang="en-US" dirty="0"/>
-          </a:p>
-        </p:txBody>
-      </p:sp>
-    </p:spTree>
-    <p:extLst>
-      <p:ext uri="{BB962C8B-B14F-4D97-AF65-F5344CB8AC3E}">
-        <p14:creationId xmlns:p14="http://schemas.microsoft.com/office/powerpoint/2010/main" val="2964633400"/>
-      </p:ext>
-    </p:extLst>
-  </p:cSld>
-  <p:clrMapOvr>
-    <a:masterClrMapping/>
-  </p:clrMapOvr>
-</p:sld>
-</file>
-
-<file path=ppt/slides/slide12.xml><?xml version="1.0" encoding="utf-8"?>
-<p:sld xmlns:a="http://schemas.openxmlformats.org/drawingml/2006/main" xmlns:r="http://schemas.openxmlformats.org/officeDocument/2006/relationships" xmlns:p="http://schemas.openxmlformats.org/presentationml/2006/main">
-  <p:cSld>
-    <p:spTree>
-      <p:nvGrpSpPr>
-        <p:cNvPr id="1" name=""/>
-        <p:cNvGrpSpPr/>
-        <p:nvPr/>
-      </p:nvGrpSpPr>
-      <p:grpSpPr>
-        <a:xfrm>
-          <a:off x="0" y="0"/>
-          <a:ext cx="0" cy="0"/>
-          <a:chOff x="0" y="0"/>
-          <a:chExt cx="0" cy="0"/>
-        </a:xfrm>
-      </p:grpSpPr>
-      <p:sp>
-        <p:nvSpPr>
           <p:cNvPr id="4" name="Rectangle 3"/>
           <p:cNvSpPr/>
           <p:nvPr/>
         </p:nvSpPr>
         <p:spPr>
           <a:xfrm>
-            <a:off x="6574420" y="0"/>
-            <a:ext cx="5617580" cy="6858000"/>
+            <a:off x="8807354" y="0"/>
+            <a:ext cx="3384645" cy="6858000"/>
           </a:xfrm>
           <a:prstGeom prst="rect">
             <a:avLst/>
@@ -4885,282 +4510,6 @@
         <p:spPr>
           <a:xfrm>
             <a:off x="173620" y="219919"/>
-            <a:ext cx="5937813" cy="4382738"/>
-          </a:xfrm>
-          <a:prstGeom prst="rect">
-            <a:avLst/>
-          </a:prstGeom>
-          <a:noFill/>
-        </p:spPr>
-        <p:txBody>
-          <a:bodyPr wrap="square" rtlCol="0">
-            <a:spAutoFit/>
-          </a:bodyPr>
-          <a:lstStyle/>
-          <a:p>
-            <a:r>
-              <a:rPr lang="en-US" sz="4000" b="1" dirty="0">
-                <a:solidFill>
-                  <a:srgbClr val="CF3338"/>
-                </a:solidFill>
-                <a:latin typeface="Pragmatica" panose="020B0403040502020204" pitchFamily="34" charset="0"/>
-              </a:rPr>
-              <a:t>Demo</a:t>
-            </a:r>
-          </a:p>
-          <a:p>
-            <a:r>
-              <a:rPr lang="en-US" sz="2800" dirty="0">
-                <a:solidFill>
-                  <a:srgbClr val="CF3338"/>
-                </a:solidFill>
-                <a:latin typeface="Consolas" panose="020B0609020204030204" pitchFamily="49" charset="0"/>
-              </a:rPr>
-              <a:t>sales</a:t>
-            </a:r>
-            <a:r>
-              <a:rPr lang="en-US" sz="2800" dirty="0">
-                <a:solidFill>
-                  <a:srgbClr val="CF3338"/>
-                </a:solidFill>
-                <a:latin typeface="Pragmatica" panose="020B0403040502020204" pitchFamily="34" charset="0"/>
-              </a:rPr>
-              <a:t> worksheet:</a:t>
-            </a:r>
-          </a:p>
-          <a:p>
-            <a:endParaRPr lang="en-US" sz="2800" dirty="0">
-              <a:solidFill>
-                <a:srgbClr val="CF3338"/>
-              </a:solidFill>
-              <a:latin typeface="Pragmatica" panose="020B0403040502020204" pitchFamily="34" charset="0"/>
-            </a:endParaRPr>
-          </a:p>
-          <a:p>
-            <a:pPr marL="457200" lvl="0" indent="-361950">
-              <a:lnSpc>
-                <a:spcPct val="115000"/>
-              </a:lnSpc>
-              <a:spcBef>
-                <a:spcPts val="750"/>
-              </a:spcBef>
-              <a:buClr>
-                <a:srgbClr val="C00000"/>
-              </a:buClr>
-              <a:buSzPts val="2100"/>
-              <a:buFont typeface="Arial" panose="020B0604020202020204" pitchFamily="34" charset="0"/>
-              <a:buChar char="•"/>
-            </a:pPr>
-            <a:r>
-              <a:rPr lang="en-US" sz="2400" dirty="0">
-                <a:solidFill>
-                  <a:srgbClr val="C00000"/>
-                </a:solidFill>
-                <a:latin typeface="Pragmatica" panose="020B0403040502020204"/>
-                <a:ea typeface="Consolas"/>
-                <a:cs typeface="Consolas"/>
-                <a:sym typeface="Consolas"/>
-              </a:rPr>
-              <a:t>Create, configure, reformat PivotTables</a:t>
-            </a:r>
-          </a:p>
-          <a:p>
-            <a:pPr marL="457200" lvl="0" indent="-361950">
-              <a:lnSpc>
-                <a:spcPct val="115000"/>
-              </a:lnSpc>
-              <a:spcBef>
-                <a:spcPts val="750"/>
-              </a:spcBef>
-              <a:buClr>
-                <a:srgbClr val="C00000"/>
-              </a:buClr>
-              <a:buSzPts val="2100"/>
-              <a:buFont typeface="Arial" panose="020B0604020202020204" pitchFamily="34" charset="0"/>
-              <a:buChar char="•"/>
-            </a:pPr>
-            <a:r>
-              <a:rPr lang="en-US" sz="2400" dirty="0">
-                <a:solidFill>
-                  <a:srgbClr val="C00000"/>
-                </a:solidFill>
-                <a:latin typeface="Pragmatica" panose="020B0403040502020204"/>
-                <a:ea typeface="Consolas"/>
-                <a:cs typeface="Consolas"/>
-                <a:sym typeface="Consolas"/>
-              </a:rPr>
-              <a:t>Update, refresh, maintain data sources</a:t>
-            </a:r>
-          </a:p>
-          <a:p>
-            <a:pPr marL="457200" lvl="0" indent="-361950">
-              <a:lnSpc>
-                <a:spcPct val="115000"/>
-              </a:lnSpc>
-              <a:spcBef>
-                <a:spcPts val="750"/>
-              </a:spcBef>
-              <a:buClr>
-                <a:srgbClr val="C00000"/>
-              </a:buClr>
-              <a:buSzPts val="2100"/>
-              <a:buFont typeface="Arial" panose="020B0604020202020204" pitchFamily="34" charset="0"/>
-              <a:buChar char="•"/>
-            </a:pPr>
-            <a:r>
-              <a:rPr lang="en-US" sz="2400" dirty="0">
-                <a:solidFill>
-                  <a:srgbClr val="C00000"/>
-                </a:solidFill>
-                <a:latin typeface="Pragmatica" panose="020B0403040502020204"/>
-                <a:ea typeface="Consolas"/>
-                <a:cs typeface="Consolas"/>
-                <a:sym typeface="Consolas"/>
-              </a:rPr>
-              <a:t>Create calculated columns</a:t>
-            </a:r>
-            <a:endParaRPr lang="en-US" sz="2400" dirty="0">
-              <a:solidFill>
-                <a:srgbClr val="C00000"/>
-              </a:solidFill>
-              <a:latin typeface="Consolas" panose="020B0609020204030204" pitchFamily="49" charset="0"/>
-              <a:ea typeface="Consolas"/>
-              <a:cs typeface="Consolas"/>
-              <a:sym typeface="Consolas"/>
-            </a:endParaRPr>
-          </a:p>
-          <a:p>
-            <a:endParaRPr lang="en-US" sz="4000" dirty="0">
-              <a:solidFill>
-                <a:srgbClr val="CF3338"/>
-              </a:solidFill>
-              <a:latin typeface="Pragmatica" panose="020B0403040502020204" pitchFamily="34" charset="0"/>
-            </a:endParaRPr>
-          </a:p>
-          <a:p>
-            <a:endParaRPr lang="en-US" sz="4000" dirty="0">
-              <a:solidFill>
-                <a:srgbClr val="CF3338"/>
-              </a:solidFill>
-              <a:latin typeface="Pragmatica" panose="020B0403040502020204" pitchFamily="34" charset="0"/>
-            </a:endParaRPr>
-          </a:p>
-        </p:txBody>
-      </p:sp>
-    </p:spTree>
-    <p:extLst>
-      <p:ext uri="{BB962C8B-B14F-4D97-AF65-F5344CB8AC3E}">
-        <p14:creationId xmlns:p14="http://schemas.microsoft.com/office/powerpoint/2010/main" val="1750655333"/>
-      </p:ext>
-    </p:extLst>
-  </p:cSld>
-  <p:clrMapOvr>
-    <a:masterClrMapping/>
-  </p:clrMapOvr>
-</p:sld>
-</file>
-
-<file path=ppt/slides/slide13.xml><?xml version="1.0" encoding="utf-8"?>
-<p:sld xmlns:a="http://schemas.openxmlformats.org/drawingml/2006/main" xmlns:r="http://schemas.openxmlformats.org/officeDocument/2006/relationships" xmlns:p="http://schemas.openxmlformats.org/presentationml/2006/main">
-  <p:cSld>
-    <p:spTree>
-      <p:nvGrpSpPr>
-        <p:cNvPr id="1" name=""/>
-        <p:cNvGrpSpPr/>
-        <p:nvPr/>
-      </p:nvGrpSpPr>
-      <p:grpSpPr>
-        <a:xfrm>
-          <a:off x="0" y="0"/>
-          <a:ext cx="0" cy="0"/>
-          <a:chOff x="0" y="0"/>
-          <a:chExt cx="0" cy="0"/>
-        </a:xfrm>
-      </p:grpSpPr>
-      <p:sp>
-        <p:nvSpPr>
-          <p:cNvPr id="4" name="Rectangle 3"/>
-          <p:cNvSpPr/>
-          <p:nvPr/>
-        </p:nvSpPr>
-        <p:spPr>
-          <a:xfrm>
-            <a:off x="8807354" y="0"/>
-            <a:ext cx="3384645" cy="6858000"/>
-          </a:xfrm>
-          <a:prstGeom prst="rect">
-            <a:avLst/>
-          </a:prstGeom>
-          <a:solidFill>
-            <a:srgbClr val="CF3338"/>
-          </a:solidFill>
-          <a:ln>
-            <a:noFill/>
-          </a:ln>
-        </p:spPr>
-        <p:style>
-          <a:lnRef idx="2">
-            <a:schemeClr val="accent1">
-              <a:shade val="50000"/>
-            </a:schemeClr>
-          </a:lnRef>
-          <a:fillRef idx="1">
-            <a:schemeClr val="accent1"/>
-          </a:fillRef>
-          <a:effectRef idx="0">
-            <a:schemeClr val="accent1"/>
-          </a:effectRef>
-          <a:fontRef idx="minor">
-            <a:schemeClr val="lt1"/>
-          </a:fontRef>
-        </p:style>
-        <p:txBody>
-          <a:bodyPr rtlCol="0" anchor="ctr"/>
-          <a:lstStyle/>
-          <a:p>
-            <a:pPr algn="ctr"/>
-            <a:endParaRPr lang="en-US"/>
-          </a:p>
-        </p:txBody>
-      </p:sp>
-      <p:pic>
-        <p:nvPicPr>
-          <p:cNvPr id="2" name="Picture 1"/>
-          <p:cNvPicPr>
-            <a:picLocks noChangeAspect="1"/>
-          </p:cNvPicPr>
-          <p:nvPr/>
-        </p:nvPicPr>
-        <p:blipFill rotWithShape="1">
-          <a:blip r:embed="rId3">
-            <a:extLst>
-              <a:ext uri="{28A0092B-C50C-407E-A947-70E740481C1C}">
-                <a14:useLocalDpi xmlns:a14="http://schemas.microsoft.com/office/drawing/2010/main" val="0"/>
-              </a:ext>
-            </a:extLst>
-          </a:blip>
-          <a:srcRect l="69227" t="33418" r="20112" b="50548"/>
-          <a:stretch/>
-        </p:blipFill>
-        <p:spPr>
-          <a:xfrm>
-            <a:off x="10386349" y="5029795"/>
-            <a:ext cx="1805651" cy="1991719"/>
-          </a:xfrm>
-          <a:prstGeom prst="rect">
-            <a:avLst/>
-          </a:prstGeom>
-        </p:spPr>
-      </p:pic>
-      <p:sp>
-        <p:nvSpPr>
-          <p:cNvPr id="3" name="TextBox 2"/>
-          <p:cNvSpPr txBox="1"/>
-          <p:nvPr/>
-        </p:nvSpPr>
-        <p:spPr>
-          <a:xfrm>
-            <a:off x="173620" y="219919"/>
             <a:ext cx="8365329" cy="6032421"/>
           </a:xfrm>
           <a:prstGeom prst="rect">
@@ -5409,7 +4758,7 @@
 </p:sld>
 </file>
 
-<file path=ppt/slides/slide14.xml><?xml version="1.0" encoding="utf-8"?>
+<file path=ppt/slides/slide12.xml><?xml version="1.0" encoding="utf-8"?>
 <p:sld xmlns:a="http://schemas.openxmlformats.org/drawingml/2006/main" xmlns:r="http://schemas.openxmlformats.org/officeDocument/2006/relationships" xmlns:p="http://schemas.openxmlformats.org/presentationml/2006/main">
   <p:cSld>
     <p:spTree>
@@ -5567,7 +4916,7 @@
 </p:sld>
 </file>
 
-<file path=ppt/slides/slide15.xml><?xml version="1.0" encoding="utf-8"?>
+<file path=ppt/slides/slide13.xml><?xml version="1.0" encoding="utf-8"?>
 <p:sld xmlns:a="http://schemas.openxmlformats.org/drawingml/2006/main" xmlns:r="http://schemas.openxmlformats.org/officeDocument/2006/relationships" xmlns:p="http://schemas.openxmlformats.org/presentationml/2006/main">
   <p:cSld>
     <p:spTree>
@@ -5757,1208 +5106,7 @@
 </p:sld>
 </file>
 
-<file path=ppt/slides/slide16.xml><?xml version="1.0" encoding="utf-8"?>
-<p:sld xmlns:a="http://schemas.openxmlformats.org/drawingml/2006/main" xmlns:r="http://schemas.openxmlformats.org/officeDocument/2006/relationships" xmlns:p="http://schemas.openxmlformats.org/presentationml/2006/main">
-  <p:cSld>
-    <p:spTree>
-      <p:nvGrpSpPr>
-        <p:cNvPr id="1" name=""/>
-        <p:cNvGrpSpPr/>
-        <p:nvPr/>
-      </p:nvGrpSpPr>
-      <p:grpSpPr>
-        <a:xfrm>
-          <a:off x="0" y="0"/>
-          <a:ext cx="0" cy="0"/>
-          <a:chOff x="0" y="0"/>
-          <a:chExt cx="0" cy="0"/>
-        </a:xfrm>
-      </p:grpSpPr>
-      <p:sp>
-        <p:nvSpPr>
-          <p:cNvPr id="4" name="Rectangle 3"/>
-          <p:cNvSpPr/>
-          <p:nvPr/>
-        </p:nvSpPr>
-        <p:spPr>
-          <a:xfrm>
-            <a:off x="6574420" y="0"/>
-            <a:ext cx="5617580" cy="6858000"/>
-          </a:xfrm>
-          <a:prstGeom prst="rect">
-            <a:avLst/>
-          </a:prstGeom>
-          <a:solidFill>
-            <a:srgbClr val="CF3338"/>
-          </a:solidFill>
-          <a:ln>
-            <a:noFill/>
-          </a:ln>
-        </p:spPr>
-        <p:style>
-          <a:lnRef idx="2">
-            <a:schemeClr val="accent1">
-              <a:shade val="50000"/>
-            </a:schemeClr>
-          </a:lnRef>
-          <a:fillRef idx="1">
-            <a:schemeClr val="accent1"/>
-          </a:fillRef>
-          <a:effectRef idx="0">
-            <a:schemeClr val="accent1"/>
-          </a:effectRef>
-          <a:fontRef idx="minor">
-            <a:schemeClr val="lt1"/>
-          </a:fontRef>
-        </p:style>
-        <p:txBody>
-          <a:bodyPr rtlCol="0" anchor="ctr"/>
-          <a:lstStyle/>
-          <a:p>
-            <a:pPr algn="ctr"/>
-            <a:endParaRPr lang="en-US"/>
-          </a:p>
-        </p:txBody>
-      </p:sp>
-      <p:pic>
-        <p:nvPicPr>
-          <p:cNvPr id="2" name="Picture 1"/>
-          <p:cNvPicPr>
-            <a:picLocks noChangeAspect="1"/>
-          </p:cNvPicPr>
-          <p:nvPr/>
-        </p:nvPicPr>
-        <p:blipFill rotWithShape="1">
-          <a:blip r:embed="rId2">
-            <a:extLst>
-              <a:ext uri="{28A0092B-C50C-407E-A947-70E740481C1C}">
-                <a14:useLocalDpi xmlns:a14="http://schemas.microsoft.com/office/drawing/2010/main" val="0"/>
-              </a:ext>
-            </a:extLst>
-          </a:blip>
-          <a:srcRect l="69227" t="33418" r="20112" b="50548"/>
-          <a:stretch/>
-        </p:blipFill>
-        <p:spPr>
-          <a:xfrm>
-            <a:off x="10386349" y="5029795"/>
-            <a:ext cx="1805651" cy="1991719"/>
-          </a:xfrm>
-          <a:prstGeom prst="rect">
-            <a:avLst/>
-          </a:prstGeom>
-        </p:spPr>
-      </p:pic>
-      <p:sp>
-        <p:nvSpPr>
-          <p:cNvPr id="3" name="TextBox 2"/>
-          <p:cNvSpPr txBox="1"/>
-          <p:nvPr/>
-        </p:nvSpPr>
-        <p:spPr>
-          <a:xfrm>
-            <a:off x="173620" y="219919"/>
-            <a:ext cx="6288549" cy="3046988"/>
-          </a:xfrm>
-          <a:prstGeom prst="rect">
-            <a:avLst/>
-          </a:prstGeom>
-          <a:noFill/>
-        </p:spPr>
-        <p:txBody>
-          <a:bodyPr wrap="square" rtlCol="0">
-            <a:spAutoFit/>
-          </a:bodyPr>
-          <a:lstStyle/>
-          <a:p>
-            <a:r>
-              <a:rPr lang="en-US" sz="4000" b="1" dirty="0">
-                <a:solidFill>
-                  <a:srgbClr val="CF3338"/>
-                </a:solidFill>
-                <a:latin typeface="Pragmatica" panose="020B0403040502020204" pitchFamily="34" charset="0"/>
-              </a:rPr>
-              <a:t>Join my </a:t>
-            </a:r>
-            <a:r>
-              <a:rPr lang="en-US" sz="4000" b="1" dirty="0" err="1">
-                <a:solidFill>
-                  <a:srgbClr val="CF3338"/>
-                </a:solidFill>
-                <a:latin typeface="Pragmatica" panose="020B0403040502020204" pitchFamily="34" charset="0"/>
-              </a:rPr>
-              <a:t>Patreon</a:t>
-            </a:r>
-            <a:endParaRPr lang="en-US" sz="4000" b="1" dirty="0">
-              <a:solidFill>
-                <a:srgbClr val="CF3338"/>
-              </a:solidFill>
-              <a:latin typeface="Pragmatica" panose="020B0403040502020204" pitchFamily="34" charset="0"/>
-            </a:endParaRPr>
-          </a:p>
-          <a:p>
-            <a:endParaRPr lang="en-US" sz="4000" b="1" i="1" dirty="0">
-              <a:solidFill>
-                <a:srgbClr val="CF3338"/>
-              </a:solidFill>
-              <a:latin typeface="Pragmatica" panose="020B0403040502020204" pitchFamily="34" charset="0"/>
-            </a:endParaRPr>
-          </a:p>
-          <a:p>
-            <a:pPr marL="457200" indent="-457200">
-              <a:buFont typeface="Arial" panose="020B0604020202020204" pitchFamily="34" charset="0"/>
-              <a:buChar char="•"/>
-            </a:pPr>
-            <a:r>
-              <a:rPr lang="en-US" sz="2800" dirty="0">
-                <a:latin typeface="Pragmatica" panose="020B0403040502020204" pitchFamily="34" charset="0"/>
-                <a:hlinkClick r:id="rId3">
-                  <a:extLst>
-                    <a:ext uri="{A12FA001-AC4F-418D-AE19-62706E023703}">
-                      <ahyp:hlinkClr xmlns:ahyp="http://schemas.microsoft.com/office/drawing/2018/hyperlinkcolor" val="tx"/>
-                    </a:ext>
-                  </a:extLst>
-                </a:hlinkClick>
-              </a:rPr>
-              <a:t>https://social.stringfestanalytics.com/patreon</a:t>
-            </a:r>
-            <a:r>
-              <a:rPr lang="en-US" sz="2800" dirty="0">
-                <a:latin typeface="Pragmatica" panose="020B0403040502020204" pitchFamily="34" charset="0"/>
-              </a:rPr>
-              <a:t>  </a:t>
-            </a:r>
-          </a:p>
-          <a:p>
-            <a:pPr marL="457200" indent="-457200">
-              <a:buFont typeface="Arial" panose="020B0604020202020204" pitchFamily="34" charset="0"/>
-              <a:buChar char="•"/>
-            </a:pPr>
-            <a:r>
-              <a:rPr lang="en-US" sz="2800" dirty="0">
-                <a:latin typeface="Pragmatica" panose="020B0403040502020204" pitchFamily="34" charset="0"/>
-              </a:rPr>
-              <a:t>Get lifetime access to all past webinar recordings &amp; downloads</a:t>
-            </a:r>
-            <a:endParaRPr lang="en-US" sz="4000" dirty="0">
-              <a:latin typeface="Pragmatica" panose="020B0403040502020204" pitchFamily="34" charset="0"/>
-            </a:endParaRPr>
-          </a:p>
-        </p:txBody>
-      </p:sp>
-    </p:spTree>
-    <p:extLst>
-      <p:ext uri="{BB962C8B-B14F-4D97-AF65-F5344CB8AC3E}">
-        <p14:creationId xmlns:p14="http://schemas.microsoft.com/office/powerpoint/2010/main" val="801538824"/>
-      </p:ext>
-    </p:extLst>
-  </p:cSld>
-  <p:clrMapOvr>
-    <a:masterClrMapping/>
-  </p:clrMapOvr>
-</p:sld>
-</file>
-
-<file path=ppt/slides/slide17.xml><?xml version="1.0" encoding="utf-8"?>
-<p:sld xmlns:a="http://schemas.openxmlformats.org/drawingml/2006/main" xmlns:r="http://schemas.openxmlformats.org/officeDocument/2006/relationships" xmlns:p="http://schemas.openxmlformats.org/presentationml/2006/main">
-  <p:cSld>
-    <p:spTree>
-      <p:nvGrpSpPr>
-        <p:cNvPr id="1" name=""/>
-        <p:cNvGrpSpPr/>
-        <p:nvPr/>
-      </p:nvGrpSpPr>
-      <p:grpSpPr>
-        <a:xfrm>
-          <a:off x="0" y="0"/>
-          <a:ext cx="0" cy="0"/>
-          <a:chOff x="0" y="0"/>
-          <a:chExt cx="0" cy="0"/>
-        </a:xfrm>
-      </p:grpSpPr>
-      <p:sp>
-        <p:nvSpPr>
-          <p:cNvPr id="4" name="Rectangle 3"/>
-          <p:cNvSpPr/>
-          <p:nvPr/>
-        </p:nvSpPr>
-        <p:spPr>
-          <a:xfrm>
-            <a:off x="6574420" y="0"/>
-            <a:ext cx="5617580" cy="6858000"/>
-          </a:xfrm>
-          <a:prstGeom prst="rect">
-            <a:avLst/>
-          </a:prstGeom>
-          <a:solidFill>
-            <a:srgbClr val="CF3338"/>
-          </a:solidFill>
-          <a:ln>
-            <a:noFill/>
-          </a:ln>
-        </p:spPr>
-        <p:style>
-          <a:lnRef idx="2">
-            <a:schemeClr val="accent1">
-              <a:shade val="50000"/>
-            </a:schemeClr>
-          </a:lnRef>
-          <a:fillRef idx="1">
-            <a:schemeClr val="accent1"/>
-          </a:fillRef>
-          <a:effectRef idx="0">
-            <a:schemeClr val="accent1"/>
-          </a:effectRef>
-          <a:fontRef idx="minor">
-            <a:schemeClr val="lt1"/>
-          </a:fontRef>
-        </p:style>
-        <p:txBody>
-          <a:bodyPr rtlCol="0" anchor="ctr"/>
-          <a:lstStyle/>
-          <a:p>
-            <a:pPr algn="ctr"/>
-            <a:endParaRPr lang="en-US"/>
-          </a:p>
-        </p:txBody>
-      </p:sp>
-      <p:pic>
-        <p:nvPicPr>
-          <p:cNvPr id="2" name="Picture 1"/>
-          <p:cNvPicPr>
-            <a:picLocks noChangeAspect="1"/>
-          </p:cNvPicPr>
-          <p:nvPr/>
-        </p:nvPicPr>
-        <p:blipFill rotWithShape="1">
-          <a:blip r:embed="rId2">
-            <a:extLst>
-              <a:ext uri="{28A0092B-C50C-407E-A947-70E740481C1C}">
-                <a14:useLocalDpi xmlns:a14="http://schemas.microsoft.com/office/drawing/2010/main" val="0"/>
-              </a:ext>
-            </a:extLst>
-          </a:blip>
-          <a:srcRect l="69227" t="33418" r="20112" b="50548"/>
-          <a:stretch/>
-        </p:blipFill>
-        <p:spPr>
-          <a:xfrm>
-            <a:off x="10386349" y="5029795"/>
-            <a:ext cx="1805651" cy="1991719"/>
-          </a:xfrm>
-          <a:prstGeom prst="rect">
-            <a:avLst/>
-          </a:prstGeom>
-        </p:spPr>
-      </p:pic>
-      <p:sp>
-        <p:nvSpPr>
-          <p:cNvPr id="3" name="TextBox 2"/>
-          <p:cNvSpPr txBox="1"/>
-          <p:nvPr/>
-        </p:nvSpPr>
-        <p:spPr>
-          <a:xfrm>
-            <a:off x="173620" y="219919"/>
-            <a:ext cx="6288549" cy="6063198"/>
-          </a:xfrm>
-          <a:prstGeom prst="rect">
-            <a:avLst/>
-          </a:prstGeom>
-          <a:noFill/>
-        </p:spPr>
-        <p:txBody>
-          <a:bodyPr wrap="square" rtlCol="0">
-            <a:spAutoFit/>
-          </a:bodyPr>
-          <a:lstStyle/>
-          <a:p>
-            <a:r>
-              <a:rPr lang="en-US" sz="4000" b="1" i="1" dirty="0">
-                <a:solidFill>
-                  <a:srgbClr val="CF3338"/>
-                </a:solidFill>
-                <a:latin typeface="Pragmatica" panose="020B0403040502020204" pitchFamily="34" charset="0"/>
-              </a:rPr>
-              <a:t>Modern Data Analytics in Excel</a:t>
-            </a:r>
-          </a:p>
-          <a:p>
-            <a:endParaRPr lang="en-US" sz="4000" b="1" i="1" dirty="0">
-              <a:solidFill>
-                <a:srgbClr val="CF3338"/>
-              </a:solidFill>
-              <a:latin typeface="Pragmatica" panose="020B0403040502020204" pitchFamily="34" charset="0"/>
-            </a:endParaRPr>
-          </a:p>
-          <a:p>
-            <a:endParaRPr lang="en-US" sz="4000" dirty="0">
-              <a:solidFill>
-                <a:srgbClr val="CF3338"/>
-              </a:solidFill>
-              <a:latin typeface="Pragmatica" panose="020B0403040502020204" pitchFamily="34" charset="0"/>
-            </a:endParaRPr>
-          </a:p>
-          <a:p>
-            <a:endParaRPr lang="en-US" sz="4000" dirty="0">
-              <a:solidFill>
-                <a:srgbClr val="CF3338"/>
-              </a:solidFill>
-              <a:latin typeface="Pragmatica" panose="020B0403040502020204" pitchFamily="34" charset="0"/>
-            </a:endParaRPr>
-          </a:p>
-          <a:p>
-            <a:endParaRPr lang="en-US" sz="4000" dirty="0">
-              <a:solidFill>
-                <a:srgbClr val="CF3338"/>
-              </a:solidFill>
-              <a:latin typeface="Pragmatica" panose="020B0403040502020204" pitchFamily="34" charset="0"/>
-            </a:endParaRPr>
-          </a:p>
-          <a:p>
-            <a:endParaRPr lang="en-US" sz="4000" dirty="0">
-              <a:solidFill>
-                <a:srgbClr val="CF3338"/>
-              </a:solidFill>
-              <a:latin typeface="Pragmatica" panose="020B0403040502020204" pitchFamily="34" charset="0"/>
-            </a:endParaRPr>
-          </a:p>
-          <a:p>
-            <a:endParaRPr lang="en-US" sz="4000" dirty="0">
-              <a:solidFill>
-                <a:srgbClr val="CF3338"/>
-              </a:solidFill>
-              <a:latin typeface="Pragmatica" panose="020B0403040502020204" pitchFamily="34" charset="0"/>
-            </a:endParaRPr>
-          </a:p>
-          <a:p>
-            <a:r>
-              <a:rPr lang="en-US" sz="4000" dirty="0">
-                <a:solidFill>
-                  <a:srgbClr val="CF3338"/>
-                </a:solidFill>
-                <a:latin typeface="Pragmatica" panose="020B0403040502020204" pitchFamily="34" charset="0"/>
-              </a:rPr>
-              <a:t>Available in early release: </a:t>
-            </a:r>
-            <a:r>
-              <a:rPr lang="en-US" sz="2800" dirty="0">
-                <a:latin typeface="Pragmatica" panose="020B0403040502020204" pitchFamily="34" charset="0"/>
-                <a:hlinkClick r:id="rId3">
-                  <a:extLst>
-                    <a:ext uri="{A12FA001-AC4F-418D-AE19-62706E023703}">
-                      <ahyp:hlinkClr xmlns:ahyp="http://schemas.microsoft.com/office/drawing/2018/hyperlinkcolor" val="tx"/>
-                    </a:ext>
-                  </a:extLst>
-                </a:hlinkClick>
-              </a:rPr>
-              <a:t>https://stringfestanalytics.com/maxl/</a:t>
-            </a:r>
-            <a:r>
-              <a:rPr lang="en-US" sz="2800" dirty="0">
-                <a:latin typeface="Pragmatica" panose="020B0403040502020204" pitchFamily="34" charset="0"/>
-              </a:rPr>
-              <a:t>  </a:t>
-            </a:r>
-            <a:endParaRPr lang="en-US" sz="4000" dirty="0">
-              <a:latin typeface="Pragmatica" panose="020B0403040502020204" pitchFamily="34" charset="0"/>
-            </a:endParaRPr>
-          </a:p>
-        </p:txBody>
-      </p:sp>
-      <p:pic>
-        <p:nvPicPr>
-          <p:cNvPr id="1026" name="Picture 2" descr="Modern analytics in Excel cover ">
-            <a:extLst>
-              <a:ext uri="{FF2B5EF4-FFF2-40B4-BE49-F238E27FC236}">
-                <a16:creationId xmlns:a16="http://schemas.microsoft.com/office/drawing/2014/main" id="{A5A802EA-8E14-7D50-3D79-28EFA72A604E}"/>
-              </a:ext>
-            </a:extLst>
-          </p:cNvPr>
-          <p:cNvPicPr>
-            <a:picLocks noChangeAspect="1" noChangeArrowheads="1"/>
-          </p:cNvPicPr>
-          <p:nvPr/>
-        </p:nvPicPr>
-        <p:blipFill>
-          <a:blip r:embed="rId4">
-            <a:extLst>
-              <a:ext uri="{28A0092B-C50C-407E-A947-70E740481C1C}">
-                <a14:useLocalDpi xmlns:a14="http://schemas.microsoft.com/office/drawing/2010/main" val="0"/>
-              </a:ext>
-            </a:extLst>
-          </a:blip>
-          <a:srcRect/>
-          <a:stretch>
-            <a:fillRect/>
-          </a:stretch>
-        </p:blipFill>
-        <p:spPr bwMode="auto">
-          <a:xfrm>
-            <a:off x="7179677" y="615706"/>
-            <a:ext cx="3810000" cy="5000625"/>
-          </a:xfrm>
-          <a:prstGeom prst="rect">
-            <a:avLst/>
-          </a:prstGeom>
-          <a:noFill/>
-          <a:extLst>
-            <a:ext uri="{909E8E84-426E-40DD-AFC4-6F175D3DCCD1}">
-              <a14:hiddenFill xmlns:a14="http://schemas.microsoft.com/office/drawing/2010/main">
-                <a:solidFill>
-                  <a:srgbClr val="FFFFFF"/>
-                </a:solidFill>
-              </a14:hiddenFill>
-            </a:ext>
-          </a:extLst>
-        </p:spPr>
-      </p:pic>
-    </p:spTree>
-    <p:extLst>
-      <p:ext uri="{BB962C8B-B14F-4D97-AF65-F5344CB8AC3E}">
-        <p14:creationId xmlns:p14="http://schemas.microsoft.com/office/powerpoint/2010/main" val="3588636196"/>
-      </p:ext>
-    </p:extLst>
-  </p:cSld>
-  <p:clrMapOvr>
-    <a:masterClrMapping/>
-  </p:clrMapOvr>
-</p:sld>
-</file>
-
-<file path=ppt/slides/slide18.xml><?xml version="1.0" encoding="utf-8"?>
-<p:sld xmlns:a="http://schemas.openxmlformats.org/drawingml/2006/main" xmlns:r="http://schemas.openxmlformats.org/officeDocument/2006/relationships" xmlns:p="http://schemas.openxmlformats.org/presentationml/2006/main">
-  <p:cSld>
-    <p:spTree>
-      <p:nvGrpSpPr>
-        <p:cNvPr id="1" name=""/>
-        <p:cNvGrpSpPr/>
-        <p:nvPr/>
-      </p:nvGrpSpPr>
-      <p:grpSpPr>
-        <a:xfrm>
-          <a:off x="0" y="0"/>
-          <a:ext cx="0" cy="0"/>
-          <a:chOff x="0" y="0"/>
-          <a:chExt cx="0" cy="0"/>
-        </a:xfrm>
-      </p:grpSpPr>
-      <p:pic>
-        <p:nvPicPr>
-          <p:cNvPr id="8" name="Picture 8"/>
-          <p:cNvPicPr>
-            <a:picLocks noChangeAspect="1"/>
-          </p:cNvPicPr>
-          <p:nvPr/>
-        </p:nvPicPr>
-        <p:blipFill>
-          <a:blip r:embed="rId3"/>
-          <a:srcRect/>
-          <a:stretch>
-            <a:fillRect/>
-          </a:stretch>
-        </p:blipFill>
-        <p:spPr>
-          <a:xfrm>
-            <a:off x="10972800" y="-66052"/>
-            <a:ext cx="1337189" cy="980327"/>
-          </a:xfrm>
-          <a:prstGeom prst="rect">
-            <a:avLst/>
-          </a:prstGeom>
-        </p:spPr>
-      </p:pic>
-      <p:sp>
-        <p:nvSpPr>
-          <p:cNvPr id="9" name="TextBox 9"/>
-          <p:cNvSpPr txBox="1"/>
-          <p:nvPr/>
-        </p:nvSpPr>
-        <p:spPr>
-          <a:xfrm>
-            <a:off x="558800" y="411412"/>
-            <a:ext cx="10420804" cy="784510"/>
-          </a:xfrm>
-          <a:prstGeom prst="rect">
-            <a:avLst/>
-          </a:prstGeom>
-        </p:spPr>
-        <p:txBody>
-          <a:bodyPr wrap="square" lIns="0" tIns="0" rIns="0" bIns="0" rtlCol="0" anchor="t">
-            <a:spAutoFit/>
-          </a:bodyPr>
-          <a:lstStyle/>
-          <a:p>
-            <a:pPr>
-              <a:lnSpc>
-                <a:spcPts val="6720"/>
-              </a:lnSpc>
-              <a:spcBef>
-                <a:spcPct val="0"/>
-              </a:spcBef>
-            </a:pPr>
-            <a:r>
-              <a:rPr lang="en-US" sz="4800" dirty="0">
-                <a:solidFill>
-                  <a:srgbClr val="000000"/>
-                </a:solidFill>
-                <a:latin typeface="Open Sans Extra Bold"/>
-              </a:rPr>
-              <a:t>TAKE THE SURVEY</a:t>
-            </a:r>
-          </a:p>
-        </p:txBody>
-      </p:sp>
-      <p:pic>
-        <p:nvPicPr>
-          <p:cNvPr id="5" name="Picture 6">
-            <a:extLst>
-              <a:ext uri="{FF2B5EF4-FFF2-40B4-BE49-F238E27FC236}">
-                <a16:creationId xmlns:a16="http://schemas.microsoft.com/office/drawing/2014/main" id="{01C401A0-8EBC-47CA-B2DE-F204DE6EEF54}"/>
-              </a:ext>
-            </a:extLst>
-          </p:cNvPr>
-          <p:cNvPicPr>
-            <a:picLocks noChangeAspect="1"/>
-          </p:cNvPicPr>
-          <p:nvPr/>
-        </p:nvPicPr>
-        <p:blipFill>
-          <a:blip r:embed="rId4"/>
-          <a:srcRect b="44190"/>
-          <a:stretch>
-            <a:fillRect/>
-          </a:stretch>
-        </p:blipFill>
-        <p:spPr>
-          <a:xfrm>
-            <a:off x="10730080" y="6176837"/>
-            <a:ext cx="1342081" cy="549120"/>
-          </a:xfrm>
-          <a:prstGeom prst="rect">
-            <a:avLst/>
-          </a:prstGeom>
-        </p:spPr>
-      </p:pic>
-      <p:sp>
-        <p:nvSpPr>
-          <p:cNvPr id="6" name="TextBox 5">
-            <a:extLst>
-              <a:ext uri="{FF2B5EF4-FFF2-40B4-BE49-F238E27FC236}">
-                <a16:creationId xmlns:a16="http://schemas.microsoft.com/office/drawing/2014/main" id="{B72B56F1-579F-4CEC-BF86-0455EEB5C6F1}"/>
-              </a:ext>
-            </a:extLst>
-          </p:cNvPr>
-          <p:cNvSpPr txBox="1"/>
-          <p:nvPr/>
-        </p:nvSpPr>
-        <p:spPr>
-          <a:xfrm>
-            <a:off x="571500" y="1295400"/>
-            <a:ext cx="5818020" cy="4011419"/>
-          </a:xfrm>
-          <a:prstGeom prst="rect">
-            <a:avLst/>
-          </a:prstGeom>
-          <a:noFill/>
-        </p:spPr>
-        <p:txBody>
-          <a:bodyPr wrap="square" rtlCol="0">
-            <a:spAutoFit/>
-          </a:bodyPr>
-          <a:lstStyle/>
-          <a:p>
-            <a:r>
-              <a:rPr lang="en-US" sz="3200" dirty="0">
-                <a:latin typeface="Gidole" panose="02000503000000000000" pitchFamily="2" charset="0"/>
-                <a:ea typeface="Roboto Mono" pitchFamily="2" charset="0"/>
-              </a:rPr>
-              <a:t>How did I do today? Testimonials or other data welcome.</a:t>
-            </a:r>
-          </a:p>
-          <a:p>
-            <a:endParaRPr lang="en-US" sz="2667" dirty="0">
-              <a:latin typeface="Gidole" panose="02000503000000000000" pitchFamily="2" charset="0"/>
-              <a:ea typeface="Roboto Mono" pitchFamily="2" charset="0"/>
-            </a:endParaRPr>
-          </a:p>
-          <a:p>
-            <a:r>
-              <a:rPr lang="en-US" sz="4400" dirty="0">
-                <a:latin typeface="Gidole" panose="02000503000000000000" pitchFamily="2" charset="0"/>
-                <a:ea typeface="Roboto Mono" pitchFamily="2" charset="0"/>
-                <a:hlinkClick r:id="rId5"/>
-              </a:rPr>
-              <a:t>https://social.stringfestanalytics.com/event-feedback</a:t>
-            </a:r>
-            <a:r>
-              <a:rPr lang="en-US" sz="4400" dirty="0">
-                <a:latin typeface="Gidole" panose="02000503000000000000" pitchFamily="2" charset="0"/>
-                <a:ea typeface="Roboto Mono" pitchFamily="2" charset="0"/>
-              </a:rPr>
-              <a:t>  </a:t>
-            </a:r>
-          </a:p>
-        </p:txBody>
-      </p:sp>
-      <p:pic>
-        <p:nvPicPr>
-          <p:cNvPr id="3" name="Picture 2" descr="Shape&#10;&#10;Description automatically generated with low confidence">
-            <a:extLst>
-              <a:ext uri="{FF2B5EF4-FFF2-40B4-BE49-F238E27FC236}">
-                <a16:creationId xmlns:a16="http://schemas.microsoft.com/office/drawing/2014/main" id="{42F3175D-B642-4C36-959D-6981F5B7F69C}"/>
-              </a:ext>
-            </a:extLst>
-          </p:cNvPr>
-          <p:cNvPicPr>
-            <a:picLocks noChangeAspect="1"/>
-          </p:cNvPicPr>
-          <p:nvPr/>
-        </p:nvPicPr>
-        <p:blipFill>
-          <a:blip r:embed="rId6" cstate="print">
-            <a:extLst>
-              <a:ext uri="{28A0092B-C50C-407E-A947-70E740481C1C}">
-                <a14:useLocalDpi xmlns:a14="http://schemas.microsoft.com/office/drawing/2010/main" val="0"/>
-              </a:ext>
-            </a:extLst>
-          </a:blip>
-          <a:stretch>
-            <a:fillRect/>
-          </a:stretch>
-        </p:blipFill>
-        <p:spPr>
-          <a:xfrm>
-            <a:off x="6807200" y="3224189"/>
-            <a:ext cx="3505200" cy="3505200"/>
-          </a:xfrm>
-          <a:prstGeom prst="rect">
-            <a:avLst/>
-          </a:prstGeom>
-        </p:spPr>
-      </p:pic>
-    </p:spTree>
-    <p:extLst>
-      <p:ext uri="{BB962C8B-B14F-4D97-AF65-F5344CB8AC3E}">
-        <p14:creationId xmlns:p14="http://schemas.microsoft.com/office/powerpoint/2010/main" val="3032095955"/>
-      </p:ext>
-    </p:extLst>
-  </p:cSld>
-  <p:clrMapOvr>
-    <a:masterClrMapping/>
-  </p:clrMapOvr>
-</p:sld>
-</file>
-
-<file path=ppt/slides/slide19.xml><?xml version="1.0" encoding="utf-8"?>
-<p:sld xmlns:a="http://schemas.openxmlformats.org/drawingml/2006/main" xmlns:r="http://schemas.openxmlformats.org/officeDocument/2006/relationships" xmlns:p="http://schemas.openxmlformats.org/presentationml/2006/main">
-  <p:cSld>
-    <p:spTree>
-      <p:nvGrpSpPr>
-        <p:cNvPr id="1" name=""/>
-        <p:cNvGrpSpPr/>
-        <p:nvPr/>
-      </p:nvGrpSpPr>
-      <p:grpSpPr>
-        <a:xfrm>
-          <a:off x="0" y="0"/>
-          <a:ext cx="0" cy="0"/>
-          <a:chOff x="0" y="0"/>
-          <a:chExt cx="0" cy="0"/>
-        </a:xfrm>
-      </p:grpSpPr>
-      <p:pic>
-        <p:nvPicPr>
-          <p:cNvPr id="8" name="Picture 8"/>
-          <p:cNvPicPr>
-            <a:picLocks noChangeAspect="1"/>
-          </p:cNvPicPr>
-          <p:nvPr/>
-        </p:nvPicPr>
-        <p:blipFill>
-          <a:blip r:embed="rId3"/>
-          <a:srcRect/>
-          <a:stretch>
-            <a:fillRect/>
-          </a:stretch>
-        </p:blipFill>
-        <p:spPr>
-          <a:xfrm>
-            <a:off x="10972800" y="-66052"/>
-            <a:ext cx="1337189" cy="980327"/>
-          </a:xfrm>
-          <a:prstGeom prst="rect">
-            <a:avLst/>
-          </a:prstGeom>
-        </p:spPr>
-      </p:pic>
-      <p:sp>
-        <p:nvSpPr>
-          <p:cNvPr id="9" name="TextBox 9"/>
-          <p:cNvSpPr txBox="1"/>
-          <p:nvPr/>
-        </p:nvSpPr>
-        <p:spPr>
-          <a:xfrm>
-            <a:off x="558800" y="411412"/>
-            <a:ext cx="10420804" cy="784510"/>
-          </a:xfrm>
-          <a:prstGeom prst="rect">
-            <a:avLst/>
-          </a:prstGeom>
-        </p:spPr>
-        <p:txBody>
-          <a:bodyPr wrap="square" lIns="0" tIns="0" rIns="0" bIns="0" rtlCol="0" anchor="t">
-            <a:spAutoFit/>
-          </a:bodyPr>
-          <a:lstStyle/>
-          <a:p>
-            <a:pPr>
-              <a:lnSpc>
-                <a:spcPts val="6720"/>
-              </a:lnSpc>
-              <a:spcBef>
-                <a:spcPct val="0"/>
-              </a:spcBef>
-            </a:pPr>
-            <a:r>
-              <a:rPr lang="en-US" sz="4800" dirty="0">
-                <a:solidFill>
-                  <a:srgbClr val="000000"/>
-                </a:solidFill>
-                <a:latin typeface="Open Sans Extra Bold"/>
-              </a:rPr>
-              <a:t>FINAL QUESTIONS?</a:t>
-            </a:r>
-          </a:p>
-        </p:txBody>
-      </p:sp>
-      <p:pic>
-        <p:nvPicPr>
-          <p:cNvPr id="5" name="Picture 6">
-            <a:extLst>
-              <a:ext uri="{FF2B5EF4-FFF2-40B4-BE49-F238E27FC236}">
-                <a16:creationId xmlns:a16="http://schemas.microsoft.com/office/drawing/2014/main" id="{01C401A0-8EBC-47CA-B2DE-F204DE6EEF54}"/>
-              </a:ext>
-            </a:extLst>
-          </p:cNvPr>
-          <p:cNvPicPr>
-            <a:picLocks noChangeAspect="1"/>
-          </p:cNvPicPr>
-          <p:nvPr/>
-        </p:nvPicPr>
-        <p:blipFill>
-          <a:blip r:embed="rId4"/>
-          <a:srcRect b="44190"/>
-          <a:stretch>
-            <a:fillRect/>
-          </a:stretch>
-        </p:blipFill>
-        <p:spPr>
-          <a:xfrm>
-            <a:off x="10730080" y="6176837"/>
-            <a:ext cx="1342081" cy="549120"/>
-          </a:xfrm>
-          <a:prstGeom prst="rect">
-            <a:avLst/>
-          </a:prstGeom>
-        </p:spPr>
-      </p:pic>
-      <p:sp>
-        <p:nvSpPr>
-          <p:cNvPr id="6" name="TextBox 5">
-            <a:extLst>
-              <a:ext uri="{FF2B5EF4-FFF2-40B4-BE49-F238E27FC236}">
-                <a16:creationId xmlns:a16="http://schemas.microsoft.com/office/drawing/2014/main" id="{B72B56F1-579F-4CEC-BF86-0455EEB5C6F1}"/>
-              </a:ext>
-            </a:extLst>
-          </p:cNvPr>
-          <p:cNvSpPr txBox="1"/>
-          <p:nvPr/>
-        </p:nvSpPr>
-        <p:spPr>
-          <a:xfrm>
-            <a:off x="571500" y="1295400"/>
-            <a:ext cx="8585200" cy="3786229"/>
-          </a:xfrm>
-          <a:prstGeom prst="rect">
-            <a:avLst/>
-          </a:prstGeom>
-          <a:noFill/>
-        </p:spPr>
-        <p:txBody>
-          <a:bodyPr wrap="square" rtlCol="0">
-            <a:spAutoFit/>
-          </a:bodyPr>
-          <a:lstStyle/>
-          <a:p>
-            <a:r>
-              <a:rPr lang="en-US" sz="2667" dirty="0">
-                <a:latin typeface="Gidole" panose="02000503000000000000" pitchFamily="2" charset="0"/>
-                <a:ea typeface="Roboto Mono" pitchFamily="2" charset="0"/>
-              </a:rPr>
-              <a:t>Thanks for joining! </a:t>
-            </a:r>
-          </a:p>
-          <a:p>
-            <a:endParaRPr lang="en-US" sz="2667" dirty="0">
-              <a:latin typeface="Gidole" panose="02000503000000000000" pitchFamily="2" charset="0"/>
-              <a:ea typeface="Roboto Mono" pitchFamily="2" charset="0"/>
-            </a:endParaRPr>
-          </a:p>
-          <a:p>
-            <a:r>
-              <a:rPr lang="en-US" sz="2667" dirty="0">
-                <a:latin typeface="Gidole" panose="02000503000000000000" pitchFamily="2" charset="0"/>
-                <a:ea typeface="Roboto Mono" pitchFamily="2" charset="0"/>
-              </a:rPr>
-              <a:t>A recap email with recording, survey and more will be coming…</a:t>
-            </a:r>
-          </a:p>
-          <a:p>
-            <a:endParaRPr lang="en-US" sz="2667" dirty="0">
-              <a:latin typeface="Gidole" panose="02000503000000000000" pitchFamily="2" charset="0"/>
-              <a:ea typeface="Roboto Mono" pitchFamily="2" charset="0"/>
-            </a:endParaRPr>
-          </a:p>
-          <a:p>
-            <a:r>
-              <a:rPr lang="en-US" sz="2667" dirty="0">
-                <a:latin typeface="Gidole" panose="02000503000000000000" pitchFamily="2" charset="0"/>
-                <a:ea typeface="Roboto Mono" pitchFamily="2" charset="0"/>
-              </a:rPr>
-              <a:t>The recording stays up for 48 hours, then moves to my </a:t>
-            </a:r>
-            <a:r>
-              <a:rPr lang="en-US" sz="2667" dirty="0" err="1">
-                <a:latin typeface="Gidole" panose="02000503000000000000" pitchFamily="2" charset="0"/>
-                <a:ea typeface="Roboto Mono" pitchFamily="2" charset="0"/>
-              </a:rPr>
-              <a:t>Patreon</a:t>
-            </a:r>
-            <a:endParaRPr lang="en-US" sz="2667" dirty="0">
-              <a:latin typeface="Gidole" panose="02000503000000000000" pitchFamily="2" charset="0"/>
-              <a:ea typeface="Roboto Mono" pitchFamily="2" charset="0"/>
-            </a:endParaRPr>
-          </a:p>
-          <a:p>
-            <a:endParaRPr lang="en-US" sz="2667" dirty="0">
-              <a:latin typeface="Gidole" panose="02000503000000000000" pitchFamily="2" charset="0"/>
-              <a:ea typeface="Roboto Mono" pitchFamily="2" charset="0"/>
-            </a:endParaRPr>
-          </a:p>
-          <a:p>
-            <a:r>
-              <a:rPr lang="en-US" sz="2667" dirty="0">
-                <a:latin typeface="Gidole" panose="02000503000000000000" pitchFamily="2" charset="0"/>
-                <a:ea typeface="Roboto Mono" pitchFamily="2" charset="0"/>
-              </a:rPr>
-              <a:t>I appreciate your reviews &amp; referrals. </a:t>
-            </a:r>
-          </a:p>
-        </p:txBody>
-      </p:sp>
-    </p:spTree>
-    <p:extLst>
-      <p:ext uri="{BB962C8B-B14F-4D97-AF65-F5344CB8AC3E}">
-        <p14:creationId xmlns:p14="http://schemas.microsoft.com/office/powerpoint/2010/main" val="1167863343"/>
-      </p:ext>
-    </p:extLst>
-  </p:cSld>
-  <p:clrMapOvr>
-    <a:masterClrMapping/>
-  </p:clrMapOvr>
-</p:sld>
-</file>
-
-<file path=ppt/slides/slide2.xml><?xml version="1.0" encoding="utf-8"?>
-<p:sld xmlns:a="http://schemas.openxmlformats.org/drawingml/2006/main" xmlns:r="http://schemas.openxmlformats.org/officeDocument/2006/relationships" xmlns:p="http://schemas.openxmlformats.org/presentationml/2006/main">
-  <p:cSld>
-    <p:spTree>
-      <p:nvGrpSpPr>
-        <p:cNvPr id="1" name=""/>
-        <p:cNvGrpSpPr/>
-        <p:nvPr/>
-      </p:nvGrpSpPr>
-      <p:grpSpPr>
-        <a:xfrm>
-          <a:off x="0" y="0"/>
-          <a:ext cx="0" cy="0"/>
-          <a:chOff x="0" y="0"/>
-          <a:chExt cx="0" cy="0"/>
-        </a:xfrm>
-      </p:grpSpPr>
-      <p:sp>
-        <p:nvSpPr>
-          <p:cNvPr id="4" name="Rectangle 3"/>
-          <p:cNvSpPr/>
-          <p:nvPr/>
-        </p:nvSpPr>
-        <p:spPr>
-          <a:xfrm>
-            <a:off x="0" y="0"/>
-            <a:ext cx="12192000" cy="6858000"/>
-          </a:xfrm>
-          <a:prstGeom prst="rect">
-            <a:avLst/>
-          </a:prstGeom>
-          <a:solidFill>
-            <a:srgbClr val="CF3338"/>
-          </a:solidFill>
-          <a:ln>
-            <a:noFill/>
-          </a:ln>
-        </p:spPr>
-        <p:style>
-          <a:lnRef idx="2">
-            <a:schemeClr val="accent1">
-              <a:shade val="50000"/>
-            </a:schemeClr>
-          </a:lnRef>
-          <a:fillRef idx="1">
-            <a:schemeClr val="accent1"/>
-          </a:fillRef>
-          <a:effectRef idx="0">
-            <a:schemeClr val="accent1"/>
-          </a:effectRef>
-          <a:fontRef idx="minor">
-            <a:schemeClr val="lt1"/>
-          </a:fontRef>
-        </p:style>
-        <p:txBody>
-          <a:bodyPr rtlCol="0" anchor="ctr"/>
-          <a:lstStyle/>
-          <a:p>
-            <a:pPr algn="ctr"/>
-            <a:endParaRPr lang="en-US"/>
-          </a:p>
-        </p:txBody>
-      </p:sp>
-      <p:sp>
-        <p:nvSpPr>
-          <p:cNvPr id="5" name="TextBox 4"/>
-          <p:cNvSpPr txBox="1"/>
-          <p:nvPr/>
-        </p:nvSpPr>
-        <p:spPr>
-          <a:xfrm>
-            <a:off x="520861" y="393539"/>
-            <a:ext cx="10324617" cy="1107996"/>
-          </a:xfrm>
-          <a:prstGeom prst="rect">
-            <a:avLst/>
-          </a:prstGeom>
-          <a:noFill/>
-        </p:spPr>
-        <p:txBody>
-          <a:bodyPr wrap="square" rtlCol="0">
-            <a:spAutoFit/>
-          </a:bodyPr>
-          <a:lstStyle/>
-          <a:p>
-            <a:r>
-              <a:rPr lang="en-US" sz="6600" b="1" dirty="0">
-                <a:solidFill>
-                  <a:schemeClr val="bg1"/>
-                </a:solidFill>
-                <a:latin typeface="Normafixed Tryout" panose="00000409000000000000" pitchFamily="49" charset="0"/>
-              </a:rPr>
-              <a:t>Hi, I’m George</a:t>
-            </a:r>
-          </a:p>
-        </p:txBody>
-      </p:sp>
-      <p:pic>
-        <p:nvPicPr>
-          <p:cNvPr id="3" name="Picture 4" descr="Advancing into Analytics Cover Image">
-            <a:extLst>
-              <a:ext uri="{FF2B5EF4-FFF2-40B4-BE49-F238E27FC236}">
-                <a16:creationId xmlns:a16="http://schemas.microsoft.com/office/drawing/2014/main" id="{588F684B-18EF-D76C-5F7B-15E4BAD60643}"/>
-              </a:ext>
-            </a:extLst>
-          </p:cNvPr>
-          <p:cNvPicPr>
-            <a:picLocks noChangeAspect="1" noChangeArrowheads="1"/>
-          </p:cNvPicPr>
-          <p:nvPr/>
-        </p:nvPicPr>
-        <p:blipFill>
-          <a:blip r:embed="rId2" cstate="print">
-            <a:extLst>
-              <a:ext uri="{28A0092B-C50C-407E-A947-70E740481C1C}">
-                <a14:useLocalDpi xmlns:a14="http://schemas.microsoft.com/office/drawing/2010/main" val="0"/>
-              </a:ext>
-            </a:extLst>
-          </a:blip>
-          <a:srcRect/>
-          <a:stretch>
-            <a:fillRect/>
-          </a:stretch>
-        </p:blipFill>
-        <p:spPr bwMode="auto">
-          <a:xfrm>
-            <a:off x="7588155" y="350009"/>
-            <a:ext cx="2830945" cy="3697560"/>
-          </a:xfrm>
-          <a:prstGeom prst="rect">
-            <a:avLst/>
-          </a:prstGeom>
-          <a:noFill/>
-          <a:extLst>
-            <a:ext uri="{909E8E84-426E-40DD-AFC4-6F175D3DCCD1}">
-              <a14:hiddenFill xmlns:a14="http://schemas.microsoft.com/office/drawing/2010/main">
-                <a:solidFill>
-                  <a:srgbClr val="FFFFFF"/>
-                </a:solidFill>
-              </a14:hiddenFill>
-            </a:ext>
-          </a:extLst>
-        </p:spPr>
-      </p:pic>
-      <p:pic>
-        <p:nvPicPr>
-          <p:cNvPr id="6" name="Picture 6" descr="Free photos of Cleveland">
-            <a:extLst>
-              <a:ext uri="{FF2B5EF4-FFF2-40B4-BE49-F238E27FC236}">
-                <a16:creationId xmlns:a16="http://schemas.microsoft.com/office/drawing/2014/main" id="{CBA53EEE-E3E1-D99E-A4DC-1C4DD2E6CE4A}"/>
-              </a:ext>
-            </a:extLst>
-          </p:cNvPr>
-          <p:cNvPicPr>
-            <a:picLocks noChangeAspect="1" noChangeArrowheads="1"/>
-          </p:cNvPicPr>
-          <p:nvPr/>
-        </p:nvPicPr>
-        <p:blipFill>
-          <a:blip r:embed="rId3" cstate="print">
-            <a:extLst>
-              <a:ext uri="{28A0092B-C50C-407E-A947-70E740481C1C}">
-                <a14:useLocalDpi xmlns:a14="http://schemas.microsoft.com/office/drawing/2010/main" val="0"/>
-              </a:ext>
-            </a:extLst>
-          </a:blip>
-          <a:srcRect/>
-          <a:stretch>
-            <a:fillRect/>
-          </a:stretch>
-        </p:blipFill>
-        <p:spPr bwMode="auto">
-          <a:xfrm>
-            <a:off x="1130461" y="1979206"/>
-            <a:ext cx="3690239" cy="2456315"/>
-          </a:xfrm>
-          <a:prstGeom prst="rect">
-            <a:avLst/>
-          </a:prstGeom>
-          <a:noFill/>
-          <a:extLst>
-            <a:ext uri="{909E8E84-426E-40DD-AFC4-6F175D3DCCD1}">
-              <a14:hiddenFill xmlns:a14="http://schemas.microsoft.com/office/drawing/2010/main">
-                <a:solidFill>
-                  <a:srgbClr val="FFFFFF"/>
-                </a:solidFill>
-              </a14:hiddenFill>
-            </a:ext>
-          </a:extLst>
-        </p:spPr>
-      </p:pic>
-      <p:pic>
-        <p:nvPicPr>
-          <p:cNvPr id="8" name="Picture 7" descr="Logo&#10;&#10;Description automatically generated">
-            <a:extLst>
-              <a:ext uri="{FF2B5EF4-FFF2-40B4-BE49-F238E27FC236}">
-                <a16:creationId xmlns:a16="http://schemas.microsoft.com/office/drawing/2014/main" id="{97E0F267-87DF-961E-1FAA-47FD4F27A5C6}"/>
-              </a:ext>
-            </a:extLst>
-          </p:cNvPr>
-          <p:cNvPicPr>
-            <a:picLocks noChangeAspect="1"/>
-          </p:cNvPicPr>
-          <p:nvPr/>
-        </p:nvPicPr>
-        <p:blipFill>
-          <a:blip r:embed="rId4" cstate="print">
-            <a:extLst>
-              <a:ext uri="{28A0092B-C50C-407E-A947-70E740481C1C}">
-                <a14:useLocalDpi xmlns:a14="http://schemas.microsoft.com/office/drawing/2010/main" val="0"/>
-              </a:ext>
-            </a:extLst>
-          </a:blip>
-          <a:stretch>
-            <a:fillRect/>
-          </a:stretch>
-        </p:blipFill>
-        <p:spPr>
-          <a:xfrm>
-            <a:off x="5122460" y="4001797"/>
-            <a:ext cx="4965539" cy="3641787"/>
-          </a:xfrm>
-          <a:prstGeom prst="rect">
-            <a:avLst/>
-          </a:prstGeom>
-        </p:spPr>
-      </p:pic>
-      <p:pic>
-        <p:nvPicPr>
-          <p:cNvPr id="1026" name="Picture 2" descr="Excel MVP Led Training - The Best Way to Learn Excel.">
-            <a:extLst>
-              <a:ext uri="{FF2B5EF4-FFF2-40B4-BE49-F238E27FC236}">
-                <a16:creationId xmlns:a16="http://schemas.microsoft.com/office/drawing/2014/main" id="{2A1CA193-2FA9-8F81-F4B7-A7434CB374E4}"/>
-              </a:ext>
-            </a:extLst>
-          </p:cNvPr>
-          <p:cNvPicPr>
-            <a:picLocks noChangeAspect="1" noChangeArrowheads="1"/>
-          </p:cNvPicPr>
-          <p:nvPr/>
-        </p:nvPicPr>
-        <p:blipFill>
-          <a:blip r:embed="rId5">
-            <a:extLst>
-              <a:ext uri="{28A0092B-C50C-407E-A947-70E740481C1C}">
-                <a14:useLocalDpi xmlns:a14="http://schemas.microsoft.com/office/drawing/2010/main" val="0"/>
-              </a:ext>
-            </a:extLst>
-          </a:blip>
-          <a:srcRect/>
-          <a:stretch>
-            <a:fillRect/>
-          </a:stretch>
-        </p:blipFill>
-        <p:spPr bwMode="auto">
-          <a:xfrm>
-            <a:off x="589588" y="4765760"/>
-            <a:ext cx="4532872" cy="1828842"/>
-          </a:xfrm>
-          <a:prstGeom prst="rect">
-            <a:avLst/>
-          </a:prstGeom>
-          <a:noFill/>
-          <a:extLst>
-            <a:ext uri="{909E8E84-426E-40DD-AFC4-6F175D3DCCD1}">
-              <a14:hiddenFill xmlns:a14="http://schemas.microsoft.com/office/drawing/2010/main">
-                <a:solidFill>
-                  <a:srgbClr val="FFFFFF"/>
-                </a:solidFill>
-              </a14:hiddenFill>
-            </a:ext>
-          </a:extLst>
-        </p:spPr>
-      </p:pic>
-    </p:spTree>
-    <p:extLst>
-      <p:ext uri="{BB962C8B-B14F-4D97-AF65-F5344CB8AC3E}">
-        <p14:creationId xmlns:p14="http://schemas.microsoft.com/office/powerpoint/2010/main" val="166785523"/>
-      </p:ext>
-    </p:extLst>
-  </p:cSld>
-  <p:clrMapOvr>
-    <a:masterClrMapping/>
-  </p:clrMapOvr>
-</p:sld>
-</file>
-
-<file path=ppt/slides/slide20.xml><?xml version="1.0" encoding="utf-8"?>
+<file path=ppt/slides/slide14.xml><?xml version="1.0" encoding="utf-8"?>
 <p:sld xmlns:a="http://schemas.openxmlformats.org/drawingml/2006/main" xmlns:r="http://schemas.openxmlformats.org/officeDocument/2006/relationships" xmlns:p="http://schemas.openxmlformats.org/presentationml/2006/main">
   <p:cSld>
     <p:spTree>
@@ -7086,6 +5234,387 @@
 </p:sld>
 </file>
 
+<file path=ppt/slides/slide2.xml><?xml version="1.0" encoding="utf-8"?>
+<p:sld xmlns:a="http://schemas.openxmlformats.org/drawingml/2006/main" xmlns:r="http://schemas.openxmlformats.org/officeDocument/2006/relationships" xmlns:p="http://schemas.openxmlformats.org/presentationml/2006/main">
+  <p:cSld>
+    <p:spTree>
+      <p:nvGrpSpPr>
+        <p:cNvPr id="1" name=""/>
+        <p:cNvGrpSpPr/>
+        <p:nvPr/>
+      </p:nvGrpSpPr>
+      <p:grpSpPr>
+        <a:xfrm>
+          <a:off x="0" y="0"/>
+          <a:ext cx="0" cy="0"/>
+          <a:chOff x="0" y="0"/>
+          <a:chExt cx="0" cy="0"/>
+        </a:xfrm>
+      </p:grpSpPr>
+      <p:sp>
+        <p:nvSpPr>
+          <p:cNvPr id="4" name="Rectangle 3"/>
+          <p:cNvSpPr/>
+          <p:nvPr/>
+        </p:nvSpPr>
+        <p:spPr>
+          <a:xfrm>
+            <a:off x="0" y="0"/>
+            <a:ext cx="12192000" cy="6858000"/>
+          </a:xfrm>
+          <a:prstGeom prst="rect">
+            <a:avLst/>
+          </a:prstGeom>
+          <a:solidFill>
+            <a:srgbClr val="CF3338"/>
+          </a:solidFill>
+          <a:ln>
+            <a:noFill/>
+          </a:ln>
+        </p:spPr>
+        <p:style>
+          <a:lnRef idx="2">
+            <a:schemeClr val="accent1">
+              <a:shade val="50000"/>
+            </a:schemeClr>
+          </a:lnRef>
+          <a:fillRef idx="1">
+            <a:schemeClr val="accent1"/>
+          </a:fillRef>
+          <a:effectRef idx="0">
+            <a:schemeClr val="accent1"/>
+          </a:effectRef>
+          <a:fontRef idx="minor">
+            <a:schemeClr val="lt1"/>
+          </a:fontRef>
+        </p:style>
+        <p:txBody>
+          <a:bodyPr rtlCol="0" anchor="ctr"/>
+          <a:lstStyle/>
+          <a:p>
+            <a:pPr algn="ctr"/>
+            <a:endParaRPr lang="en-US"/>
+          </a:p>
+        </p:txBody>
+      </p:sp>
+      <p:sp>
+        <p:nvSpPr>
+          <p:cNvPr id="5" name="TextBox 4"/>
+          <p:cNvSpPr txBox="1"/>
+          <p:nvPr/>
+        </p:nvSpPr>
+        <p:spPr>
+          <a:xfrm>
+            <a:off x="520861" y="393539"/>
+            <a:ext cx="10324617" cy="1107996"/>
+          </a:xfrm>
+          <a:prstGeom prst="rect">
+            <a:avLst/>
+          </a:prstGeom>
+          <a:noFill/>
+        </p:spPr>
+        <p:txBody>
+          <a:bodyPr wrap="square" rtlCol="0">
+            <a:spAutoFit/>
+          </a:bodyPr>
+          <a:lstStyle/>
+          <a:p>
+            <a:r>
+              <a:rPr lang="en-US" sz="6600" b="1" dirty="0">
+                <a:solidFill>
+                  <a:schemeClr val="bg1"/>
+                </a:solidFill>
+                <a:latin typeface="Normafixed Tryout" panose="00000409000000000000" pitchFamily="49" charset="0"/>
+              </a:rPr>
+              <a:t>Hi, I’m George</a:t>
+            </a:r>
+          </a:p>
+        </p:txBody>
+      </p:sp>
+      <p:pic>
+        <p:nvPicPr>
+          <p:cNvPr id="3" name="Picture 4" descr="Advancing into Analytics Cover Image">
+            <a:extLst>
+              <a:ext uri="{FF2B5EF4-FFF2-40B4-BE49-F238E27FC236}">
+                <a16:creationId xmlns:a16="http://schemas.microsoft.com/office/drawing/2014/main" id="{588F684B-18EF-D76C-5F7B-15E4BAD60643}"/>
+              </a:ext>
+            </a:extLst>
+          </p:cNvPr>
+          <p:cNvPicPr>
+            <a:picLocks noChangeAspect="1" noChangeArrowheads="1"/>
+          </p:cNvPicPr>
+          <p:nvPr/>
+        </p:nvPicPr>
+        <p:blipFill>
+          <a:blip r:embed="rId2" cstate="print">
+            <a:extLst>
+              <a:ext uri="{28A0092B-C50C-407E-A947-70E740481C1C}">
+                <a14:useLocalDpi xmlns:a14="http://schemas.microsoft.com/office/drawing/2010/main" val="0"/>
+              </a:ext>
+            </a:extLst>
+          </a:blip>
+          <a:srcRect/>
+          <a:stretch>
+            <a:fillRect/>
+          </a:stretch>
+        </p:blipFill>
+        <p:spPr bwMode="auto">
+          <a:xfrm>
+            <a:off x="6189757" y="1956626"/>
+            <a:ext cx="2235957" cy="2920434"/>
+          </a:xfrm>
+          <a:prstGeom prst="rect">
+            <a:avLst/>
+          </a:prstGeom>
+          <a:noFill/>
+          <a:extLst>
+            <a:ext uri="{909E8E84-426E-40DD-AFC4-6F175D3DCCD1}">
+              <a14:hiddenFill xmlns:a14="http://schemas.microsoft.com/office/drawing/2010/main">
+                <a:solidFill>
+                  <a:srgbClr val="FFFFFF"/>
+                </a:solidFill>
+              </a14:hiddenFill>
+            </a:ext>
+          </a:extLst>
+        </p:spPr>
+      </p:pic>
+      <p:pic>
+        <p:nvPicPr>
+          <p:cNvPr id="6" name="Picture 6" descr="Free photos of Cleveland">
+            <a:extLst>
+              <a:ext uri="{FF2B5EF4-FFF2-40B4-BE49-F238E27FC236}">
+                <a16:creationId xmlns:a16="http://schemas.microsoft.com/office/drawing/2014/main" id="{CBA53EEE-E3E1-D99E-A4DC-1C4DD2E6CE4A}"/>
+              </a:ext>
+            </a:extLst>
+          </p:cNvPr>
+          <p:cNvPicPr>
+            <a:picLocks noChangeAspect="1" noChangeArrowheads="1"/>
+          </p:cNvPicPr>
+          <p:nvPr/>
+        </p:nvPicPr>
+        <p:blipFill>
+          <a:blip r:embed="rId3" cstate="print">
+            <a:extLst>
+              <a:ext uri="{28A0092B-C50C-407E-A947-70E740481C1C}">
+                <a14:useLocalDpi xmlns:a14="http://schemas.microsoft.com/office/drawing/2010/main" val="0"/>
+              </a:ext>
+            </a:extLst>
+          </a:blip>
+          <a:srcRect/>
+          <a:stretch>
+            <a:fillRect/>
+          </a:stretch>
+        </p:blipFill>
+        <p:spPr bwMode="auto">
+          <a:xfrm>
+            <a:off x="1130461" y="1979206"/>
+            <a:ext cx="3690239" cy="2456315"/>
+          </a:xfrm>
+          <a:prstGeom prst="rect">
+            <a:avLst/>
+          </a:prstGeom>
+          <a:noFill/>
+          <a:extLst>
+            <a:ext uri="{909E8E84-426E-40DD-AFC4-6F175D3DCCD1}">
+              <a14:hiddenFill xmlns:a14="http://schemas.microsoft.com/office/drawing/2010/main">
+                <a:solidFill>
+                  <a:srgbClr val="FFFFFF"/>
+                </a:solidFill>
+              </a14:hiddenFill>
+            </a:ext>
+          </a:extLst>
+        </p:spPr>
+      </p:pic>
+      <p:pic>
+        <p:nvPicPr>
+          <p:cNvPr id="8" name="Picture 7" descr="Logo&#10;&#10;Description automatically generated">
+            <a:extLst>
+              <a:ext uri="{FF2B5EF4-FFF2-40B4-BE49-F238E27FC236}">
+                <a16:creationId xmlns:a16="http://schemas.microsoft.com/office/drawing/2014/main" id="{97E0F267-87DF-961E-1FAA-47FD4F27A5C6}"/>
+              </a:ext>
+            </a:extLst>
+          </p:cNvPr>
+          <p:cNvPicPr>
+            <a:picLocks noChangeAspect="1"/>
+          </p:cNvPicPr>
+          <p:nvPr/>
+        </p:nvPicPr>
+        <p:blipFill>
+          <a:blip r:embed="rId4" cstate="print">
+            <a:extLst>
+              <a:ext uri="{28A0092B-C50C-407E-A947-70E740481C1C}">
+                <a14:useLocalDpi xmlns:a14="http://schemas.microsoft.com/office/drawing/2010/main" val="0"/>
+              </a:ext>
+            </a:extLst>
+          </a:blip>
+          <a:stretch>
+            <a:fillRect/>
+          </a:stretch>
+        </p:blipFill>
+        <p:spPr>
+          <a:xfrm>
+            <a:off x="5122460" y="4001797"/>
+            <a:ext cx="4965539" cy="3641787"/>
+          </a:xfrm>
+          <a:prstGeom prst="rect">
+            <a:avLst/>
+          </a:prstGeom>
+        </p:spPr>
+      </p:pic>
+      <p:pic>
+        <p:nvPicPr>
+          <p:cNvPr id="1026" name="Picture 2" descr="Excel MVP Led Training - The Best Way to Learn Excel.">
+            <a:extLst>
+              <a:ext uri="{FF2B5EF4-FFF2-40B4-BE49-F238E27FC236}">
+                <a16:creationId xmlns:a16="http://schemas.microsoft.com/office/drawing/2014/main" id="{2A1CA193-2FA9-8F81-F4B7-A7434CB374E4}"/>
+              </a:ext>
+            </a:extLst>
+          </p:cNvPr>
+          <p:cNvPicPr>
+            <a:picLocks noChangeAspect="1" noChangeArrowheads="1"/>
+          </p:cNvPicPr>
+          <p:nvPr/>
+        </p:nvPicPr>
+        <p:blipFill>
+          <a:blip r:embed="rId5">
+            <a:extLst>
+              <a:ext uri="{28A0092B-C50C-407E-A947-70E740481C1C}">
+                <a14:useLocalDpi xmlns:a14="http://schemas.microsoft.com/office/drawing/2010/main" val="0"/>
+              </a:ext>
+            </a:extLst>
+          </a:blip>
+          <a:srcRect/>
+          <a:stretch>
+            <a:fillRect/>
+          </a:stretch>
+        </p:blipFill>
+        <p:spPr bwMode="auto">
+          <a:xfrm>
+            <a:off x="589588" y="4765760"/>
+            <a:ext cx="4532872" cy="1828842"/>
+          </a:xfrm>
+          <a:prstGeom prst="rect">
+            <a:avLst/>
+          </a:prstGeom>
+          <a:noFill/>
+          <a:extLst>
+            <a:ext uri="{909E8E84-426E-40DD-AFC4-6F175D3DCCD1}">
+              <a14:hiddenFill xmlns:a14="http://schemas.microsoft.com/office/drawing/2010/main">
+                <a:solidFill>
+                  <a:srgbClr val="FFFFFF"/>
+                </a:solidFill>
+              </a14:hiddenFill>
+            </a:ext>
+          </a:extLst>
+        </p:spPr>
+      </p:pic>
+      <p:pic>
+        <p:nvPicPr>
+          <p:cNvPr id="2" name="Picture 2" descr="Modern data analytics in Excel book cover">
+            <a:extLst>
+              <a:ext uri="{FF2B5EF4-FFF2-40B4-BE49-F238E27FC236}">
+                <a16:creationId xmlns:a16="http://schemas.microsoft.com/office/drawing/2014/main" id="{EB15FEEA-EF6A-3CD3-E292-A1966E1037A1}"/>
+              </a:ext>
+            </a:extLst>
+          </p:cNvPr>
+          <p:cNvPicPr>
+            <a:picLocks noChangeAspect="1" noChangeArrowheads="1"/>
+          </p:cNvPicPr>
+          <p:nvPr/>
+        </p:nvPicPr>
+        <p:blipFill>
+          <a:blip r:embed="rId6">
+            <a:extLst>
+              <a:ext uri="{28A0092B-C50C-407E-A947-70E740481C1C}">
+                <a14:useLocalDpi xmlns:a14="http://schemas.microsoft.com/office/drawing/2010/main" val="0"/>
+              </a:ext>
+            </a:extLst>
+          </a:blip>
+          <a:srcRect/>
+          <a:stretch>
+            <a:fillRect/>
+          </a:stretch>
+        </p:blipFill>
+        <p:spPr bwMode="auto">
+          <a:xfrm>
+            <a:off x="9648150" y="620486"/>
+            <a:ext cx="2235957" cy="2932476"/>
+          </a:xfrm>
+          <a:prstGeom prst="rect">
+            <a:avLst/>
+          </a:prstGeom>
+          <a:noFill/>
+          <a:extLst>
+            <a:ext uri="{909E8E84-426E-40DD-AFC4-6F175D3DCCD1}">
+              <a14:hiddenFill xmlns:a14="http://schemas.microsoft.com/office/drawing/2010/main">
+                <a:solidFill>
+                  <a:srgbClr val="FFFFFF"/>
+                </a:solidFill>
+              </a14:hiddenFill>
+            </a:ext>
+          </a:extLst>
+        </p:spPr>
+      </p:pic>
+      <p:pic>
+        <p:nvPicPr>
+          <p:cNvPr id="1028" name="Picture 4" descr="linkedinlearninginstructor #linkedinlearning | Thais Cooke | 82 comments">
+            <a:extLst>
+              <a:ext uri="{FF2B5EF4-FFF2-40B4-BE49-F238E27FC236}">
+                <a16:creationId xmlns:a16="http://schemas.microsoft.com/office/drawing/2014/main" id="{42E746D9-A4A8-6FDB-8FBD-8D17C7E08EAF}"/>
+              </a:ext>
+            </a:extLst>
+          </p:cNvPr>
+          <p:cNvPicPr>
+            <a:picLocks noChangeAspect="1" noChangeArrowheads="1"/>
+          </p:cNvPicPr>
+          <p:nvPr/>
+        </p:nvPicPr>
+        <p:blipFill>
+          <a:blip r:embed="rId7">
+            <a:extLst>
+              <a:ext uri="{28A0092B-C50C-407E-A947-70E740481C1C}">
+                <a14:useLocalDpi xmlns:a14="http://schemas.microsoft.com/office/drawing/2010/main" val="0"/>
+              </a:ext>
+            </a:extLst>
+          </a:blip>
+          <a:srcRect/>
+          <a:stretch>
+            <a:fillRect/>
+          </a:stretch>
+        </p:blipFill>
+        <p:spPr bwMode="auto">
+          <a:xfrm>
+            <a:off x="6244862" y="522727"/>
+            <a:ext cx="2775041" cy="1141731"/>
+          </a:xfrm>
+          <a:prstGeom prst="rect">
+            <a:avLst/>
+          </a:prstGeom>
+          <a:noFill/>
+          <a:extLst>
+            <a:ext uri="{909E8E84-426E-40DD-AFC4-6F175D3DCCD1}">
+              <a14:hiddenFill xmlns:a14="http://schemas.microsoft.com/office/drawing/2010/main">
+                <a:solidFill>
+                  <a:srgbClr val="FFFFFF"/>
+                </a:solidFill>
+              </a14:hiddenFill>
+            </a:ext>
+          </a:extLst>
+        </p:spPr>
+      </p:pic>
+    </p:spTree>
+    <p:extLst>
+      <p:ext uri="{BB962C8B-B14F-4D97-AF65-F5344CB8AC3E}">
+        <p14:creationId xmlns:p14="http://schemas.microsoft.com/office/powerpoint/2010/main" val="166785523"/>
+      </p:ext>
+    </p:extLst>
+  </p:cSld>
+  <p:clrMapOvr>
+    <a:masterClrMapping/>
+  </p:clrMapOvr>
+</p:sld>
+</file>
+
 <file path=ppt/slides/slide3.xml><?xml version="1.0" encoding="utf-8"?>
 <p:sld xmlns:a="http://schemas.openxmlformats.org/drawingml/2006/main" xmlns:r="http://schemas.openxmlformats.org/officeDocument/2006/relationships" xmlns:p="http://schemas.openxmlformats.org/presentationml/2006/main">
   <p:cSld>
@@ -7297,511 +5826,6 @@
       </p:grpSpPr>
       <p:sp>
         <p:nvSpPr>
-          <p:cNvPr id="11" name="TextBox 10"/>
-          <p:cNvSpPr txBox="1"/>
-          <p:nvPr/>
-        </p:nvSpPr>
-        <p:spPr>
-          <a:xfrm>
-            <a:off x="347240" y="113388"/>
-            <a:ext cx="7986531" cy="1015663"/>
-          </a:xfrm>
-          <a:prstGeom prst="rect">
-            <a:avLst/>
-          </a:prstGeom>
-          <a:noFill/>
-        </p:spPr>
-        <p:txBody>
-          <a:bodyPr wrap="square" rtlCol="0">
-            <a:spAutoFit/>
-          </a:bodyPr>
-          <a:lstStyle/>
-          <a:p>
-            <a:r>
-              <a:rPr lang="en-US" sz="6000" dirty="0">
-                <a:latin typeface="Aliens &amp; cows" panose="00000500000000000000" pitchFamily="2" charset="0"/>
-              </a:rPr>
-              <a:t>Download the files:</a:t>
-            </a:r>
-          </a:p>
-        </p:txBody>
-      </p:sp>
-      <p:sp>
-        <p:nvSpPr>
-          <p:cNvPr id="3" name="TextBox 2"/>
-          <p:cNvSpPr txBox="1"/>
-          <p:nvPr/>
-        </p:nvSpPr>
-        <p:spPr>
-          <a:xfrm>
-            <a:off x="347240" y="2127965"/>
-            <a:ext cx="9595413" cy="1384995"/>
-          </a:xfrm>
-          <a:prstGeom prst="rect">
-            <a:avLst/>
-          </a:prstGeom>
-          <a:noFill/>
-        </p:spPr>
-        <p:txBody>
-          <a:bodyPr wrap="square" rtlCol="0">
-            <a:spAutoFit/>
-          </a:bodyPr>
-          <a:lstStyle/>
-          <a:p>
-            <a:pPr marL="457200" indent="-457200">
-              <a:buClr>
-                <a:srgbClr val="CF3338"/>
-              </a:buClr>
-              <a:buFont typeface="Arial" panose="020B0604020202020204" pitchFamily="34" charset="0"/>
-              <a:buChar char="•"/>
-            </a:pPr>
-            <a:r>
-              <a:rPr lang="en-US" sz="2800" dirty="0">
-                <a:solidFill>
-                  <a:srgbClr val="707070"/>
-                </a:solidFill>
-                <a:latin typeface="Pragmatica" panose="020B0403040502020204" pitchFamily="34" charset="0"/>
-                <a:hlinkClick r:id="rId2"/>
-              </a:rPr>
-              <a:t>https://swiy.co/ptdl</a:t>
-            </a:r>
-            <a:endParaRPr lang="en-US" sz="2800" dirty="0">
-              <a:solidFill>
-                <a:srgbClr val="707070"/>
-              </a:solidFill>
-              <a:latin typeface="Pragmatica" panose="020B0403040502020204" pitchFamily="34" charset="0"/>
-            </a:endParaRPr>
-          </a:p>
-          <a:p>
-            <a:pPr marL="457200" indent="-457200">
-              <a:buClr>
-                <a:srgbClr val="CF3338"/>
-              </a:buClr>
-              <a:buFont typeface="Arial" panose="020B0604020202020204" pitchFamily="34" charset="0"/>
-              <a:buChar char="•"/>
-            </a:pPr>
-            <a:r>
-              <a:rPr lang="en-US" sz="2800" dirty="0">
-                <a:solidFill>
-                  <a:srgbClr val="707070"/>
-                </a:solidFill>
-                <a:latin typeface="Pragmatica" panose="020B0403040502020204" pitchFamily="34" charset="0"/>
-              </a:rPr>
-              <a:t>Feel free to share to latecomers</a:t>
-            </a:r>
-          </a:p>
-          <a:p>
-            <a:pPr marL="457200" indent="-457200">
-              <a:buClr>
-                <a:srgbClr val="CF3338"/>
-              </a:buClr>
-              <a:buFont typeface="Arial" panose="020B0604020202020204" pitchFamily="34" charset="0"/>
-              <a:buChar char="•"/>
-            </a:pPr>
-            <a:r>
-              <a:rPr lang="en-US" sz="2800" dirty="0">
-                <a:solidFill>
-                  <a:srgbClr val="707070"/>
-                </a:solidFill>
-                <a:latin typeface="Pragmatica" panose="020B0403040502020204" pitchFamily="34" charset="0"/>
-              </a:rPr>
-              <a:t>Downloads &amp; recording will move to </a:t>
-            </a:r>
-            <a:r>
-              <a:rPr lang="en-US" sz="2800" dirty="0" err="1">
-                <a:solidFill>
-                  <a:srgbClr val="707070"/>
-                </a:solidFill>
-                <a:latin typeface="Pragmatica" panose="020B0403040502020204" pitchFamily="34" charset="0"/>
-              </a:rPr>
-              <a:t>Patreon</a:t>
-            </a:r>
-            <a:r>
-              <a:rPr lang="en-US" sz="2800" dirty="0">
-                <a:solidFill>
-                  <a:srgbClr val="707070"/>
-                </a:solidFill>
-                <a:latin typeface="Pragmatica" panose="020B0403040502020204" pitchFamily="34" charset="0"/>
-              </a:rPr>
-              <a:t> after 48 </a:t>
-            </a:r>
-            <a:r>
-              <a:rPr lang="en-US" sz="2800" dirty="0" err="1">
-                <a:solidFill>
-                  <a:srgbClr val="707070"/>
-                </a:solidFill>
-                <a:latin typeface="Pragmatica" panose="020B0403040502020204" pitchFamily="34" charset="0"/>
-              </a:rPr>
-              <a:t>hrs</a:t>
-            </a:r>
-            <a:r>
-              <a:rPr lang="en-US" sz="2800" dirty="0">
-                <a:solidFill>
-                  <a:srgbClr val="707070"/>
-                </a:solidFill>
-                <a:latin typeface="Pragmatica" panose="020B0403040502020204" pitchFamily="34" charset="0"/>
-              </a:rPr>
-              <a:t> </a:t>
-            </a:r>
-          </a:p>
-        </p:txBody>
-      </p:sp>
-      <p:pic>
-        <p:nvPicPr>
-          <p:cNvPr id="15" name="Picture 14" descr="A close up of a sign&#10;&#10;Description automatically generated">
-            <a:extLst>
-              <a:ext uri="{FF2B5EF4-FFF2-40B4-BE49-F238E27FC236}">
-                <a16:creationId xmlns:a16="http://schemas.microsoft.com/office/drawing/2014/main" id="{29761B90-A7DE-4A60-A915-F085BD87CAB4}"/>
-              </a:ext>
-            </a:extLst>
-          </p:cNvPr>
-          <p:cNvPicPr>
-            <a:picLocks noChangeAspect="1"/>
-          </p:cNvPicPr>
-          <p:nvPr/>
-        </p:nvPicPr>
-        <p:blipFill>
-          <a:blip r:embed="rId3">
-            <a:extLst>
-              <a:ext uri="{28A0092B-C50C-407E-A947-70E740481C1C}">
-                <a14:useLocalDpi xmlns:a14="http://schemas.microsoft.com/office/drawing/2010/main" val="0"/>
-              </a:ext>
-            </a:extLst>
-          </a:blip>
-          <a:stretch>
-            <a:fillRect/>
-          </a:stretch>
-        </p:blipFill>
-        <p:spPr>
-          <a:xfrm>
-            <a:off x="10894024" y="5372286"/>
-            <a:ext cx="1295238" cy="1485714"/>
-          </a:xfrm>
-          <a:prstGeom prst="rect">
-            <a:avLst/>
-          </a:prstGeom>
-        </p:spPr>
-      </p:pic>
-    </p:spTree>
-    <p:extLst>
-      <p:ext uri="{BB962C8B-B14F-4D97-AF65-F5344CB8AC3E}">
-        <p14:creationId xmlns:p14="http://schemas.microsoft.com/office/powerpoint/2010/main" val="1578450289"/>
-      </p:ext>
-    </p:extLst>
-  </p:cSld>
-  <p:clrMapOvr>
-    <a:masterClrMapping/>
-  </p:clrMapOvr>
-</p:sld>
-</file>
-
-<file path=ppt/slides/slide5.xml><?xml version="1.0" encoding="utf-8"?>
-<p:sld xmlns:a="http://schemas.openxmlformats.org/drawingml/2006/main" xmlns:r="http://schemas.openxmlformats.org/officeDocument/2006/relationships" xmlns:p="http://schemas.openxmlformats.org/presentationml/2006/main">
-  <p:cSld>
-    <p:spTree>
-      <p:nvGrpSpPr>
-        <p:cNvPr id="1" name=""/>
-        <p:cNvGrpSpPr/>
-        <p:nvPr/>
-      </p:nvGrpSpPr>
-      <p:grpSpPr>
-        <a:xfrm>
-          <a:off x="0" y="0"/>
-          <a:ext cx="0" cy="0"/>
-          <a:chOff x="0" y="0"/>
-          <a:chExt cx="0" cy="0"/>
-        </a:xfrm>
-      </p:grpSpPr>
-      <p:pic>
-        <p:nvPicPr>
-          <p:cNvPr id="10" name="Picture 9"/>
-          <p:cNvPicPr>
-            <a:picLocks noChangeAspect="1"/>
-          </p:cNvPicPr>
-          <p:nvPr/>
-        </p:nvPicPr>
-        <p:blipFill rotWithShape="1">
-          <a:blip r:embed="rId3">
-            <a:extLst>
-              <a:ext uri="{28A0092B-C50C-407E-A947-70E740481C1C}">
-                <a14:useLocalDpi xmlns:a14="http://schemas.microsoft.com/office/drawing/2010/main" val="0"/>
-              </a:ext>
-            </a:extLst>
-          </a:blip>
-          <a:srcRect l="50728" t="56371"/>
-          <a:stretch/>
-        </p:blipFill>
-        <p:spPr>
-          <a:xfrm>
-            <a:off x="10894024" y="5370653"/>
-            <a:ext cx="1297975" cy="1487348"/>
-          </a:xfrm>
-          <a:prstGeom prst="rect">
-            <a:avLst/>
-          </a:prstGeom>
-        </p:spPr>
-      </p:pic>
-      <p:sp>
-        <p:nvSpPr>
-          <p:cNvPr id="11" name="TextBox 10"/>
-          <p:cNvSpPr txBox="1"/>
-          <p:nvPr/>
-        </p:nvSpPr>
-        <p:spPr>
-          <a:xfrm>
-            <a:off x="347240" y="113388"/>
-            <a:ext cx="9799937" cy="1015663"/>
-          </a:xfrm>
-          <a:prstGeom prst="rect">
-            <a:avLst/>
-          </a:prstGeom>
-          <a:noFill/>
-        </p:spPr>
-        <p:txBody>
-          <a:bodyPr wrap="square" rtlCol="0">
-            <a:spAutoFit/>
-          </a:bodyPr>
-          <a:lstStyle/>
-          <a:p>
-            <a:r>
-              <a:rPr lang="en-US" sz="6000" dirty="0">
-                <a:latin typeface="Aliens &amp; cows" panose="00000500000000000000" pitchFamily="2" charset="0"/>
-              </a:rPr>
-              <a:t>Terms of engagement</a:t>
-            </a:r>
-          </a:p>
-        </p:txBody>
-      </p:sp>
-      <p:sp>
-        <p:nvSpPr>
-          <p:cNvPr id="3" name="TextBox 2"/>
-          <p:cNvSpPr txBox="1"/>
-          <p:nvPr/>
-        </p:nvSpPr>
-        <p:spPr>
-          <a:xfrm>
-            <a:off x="462987" y="1365813"/>
-            <a:ext cx="9595413" cy="4938403"/>
-          </a:xfrm>
-          <a:prstGeom prst="rect">
-            <a:avLst/>
-          </a:prstGeom>
-          <a:noFill/>
-        </p:spPr>
-        <p:txBody>
-          <a:bodyPr wrap="square" rtlCol="0">
-            <a:spAutoFit/>
-          </a:bodyPr>
-          <a:lstStyle/>
-          <a:p>
-            <a:pPr marL="457200" indent="-457200">
-              <a:lnSpc>
-                <a:spcPts val="3750"/>
-              </a:lnSpc>
-              <a:buFont typeface="Arial" panose="020B0604020202020204" pitchFamily="34" charset="0"/>
-              <a:buChar char="•"/>
-            </a:pPr>
-            <a:r>
-              <a:rPr lang="en-US" sz="2800" spc="30" dirty="0">
-                <a:solidFill>
-                  <a:srgbClr val="000000"/>
-                </a:solidFill>
-                <a:latin typeface="Gidole"/>
-              </a:rPr>
-              <a:t>Feel free to share the download link with latecomers </a:t>
-            </a:r>
-            <a:r>
-              <a:rPr lang="en-US" sz="2800" spc="30" dirty="0">
-                <a:solidFill>
-                  <a:srgbClr val="000000"/>
-                </a:solidFill>
-                <a:latin typeface="Gidole"/>
-                <a:sym typeface="Wingdings" panose="05000000000000000000" pitchFamily="2" charset="2"/>
-              </a:rPr>
-              <a:t> </a:t>
-            </a:r>
-            <a:br>
-              <a:rPr lang="en-US" sz="2800" spc="30" dirty="0">
-                <a:solidFill>
-                  <a:srgbClr val="000000"/>
-                </a:solidFill>
-                <a:latin typeface="Gidole"/>
-                <a:sym typeface="Wingdings" panose="05000000000000000000" pitchFamily="2" charset="2"/>
-              </a:rPr>
-            </a:br>
-            <a:endParaRPr lang="en-US" sz="2800" spc="30" dirty="0">
-              <a:solidFill>
-                <a:srgbClr val="000000"/>
-              </a:solidFill>
-              <a:latin typeface="Gidole"/>
-            </a:endParaRPr>
-          </a:p>
-          <a:p>
-            <a:pPr marL="457200" indent="-457200">
-              <a:lnSpc>
-                <a:spcPts val="3750"/>
-              </a:lnSpc>
-              <a:buFont typeface="Arial" panose="020B0604020202020204" pitchFamily="34" charset="0"/>
-              <a:buChar char="•"/>
-            </a:pPr>
-            <a:r>
-              <a:rPr lang="en-US" sz="2800" spc="30" dirty="0">
-                <a:solidFill>
-                  <a:srgbClr val="000000"/>
-                </a:solidFill>
-                <a:latin typeface="Gidole"/>
-              </a:rPr>
-              <a:t>Participation is welcome via the chat/unmute</a:t>
-            </a:r>
-            <a:br>
-              <a:rPr lang="en-US" sz="2800" spc="30" dirty="0">
-                <a:solidFill>
-                  <a:srgbClr val="000000"/>
-                </a:solidFill>
-                <a:latin typeface="Gidole"/>
-              </a:rPr>
-            </a:br>
-            <a:endParaRPr lang="en-US" sz="2800" spc="30" dirty="0">
-              <a:solidFill>
-                <a:srgbClr val="000000"/>
-              </a:solidFill>
-              <a:latin typeface="Gidole"/>
-            </a:endParaRPr>
-          </a:p>
-          <a:p>
-            <a:pPr marL="457200" indent="-457200">
-              <a:lnSpc>
-                <a:spcPts val="3750"/>
-              </a:lnSpc>
-              <a:buFont typeface="Arial" panose="020B0604020202020204" pitchFamily="34" charset="0"/>
-              <a:buChar char="•"/>
-            </a:pPr>
-            <a:r>
-              <a:rPr lang="en-US" sz="2800" spc="30" dirty="0">
-                <a:solidFill>
-                  <a:srgbClr val="000000"/>
-                </a:solidFill>
-                <a:latin typeface="Gidole"/>
-              </a:rPr>
-              <a:t>Demos work best with 365 for PC</a:t>
-            </a:r>
-            <a:br>
-              <a:rPr lang="en-US" sz="2800" spc="30" dirty="0">
-                <a:solidFill>
-                  <a:srgbClr val="000000"/>
-                </a:solidFill>
-                <a:latin typeface="Gidole"/>
-              </a:rPr>
-            </a:br>
-            <a:endParaRPr lang="en-US" sz="2800" spc="30" dirty="0">
-              <a:solidFill>
-                <a:srgbClr val="000000"/>
-              </a:solidFill>
-              <a:latin typeface="Gidole"/>
-            </a:endParaRPr>
-          </a:p>
-          <a:p>
-            <a:pPr marL="457200" indent="-457200">
-              <a:lnSpc>
-                <a:spcPts val="3750"/>
-              </a:lnSpc>
-              <a:buFont typeface="Arial" panose="020B0604020202020204" pitchFamily="34" charset="0"/>
-              <a:buChar char="•"/>
-            </a:pPr>
-            <a:r>
-              <a:rPr lang="en-US" sz="2800" spc="30" dirty="0">
-                <a:solidFill>
-                  <a:srgbClr val="000000"/>
-                </a:solidFill>
-                <a:latin typeface="Gidole"/>
-              </a:rPr>
-              <a:t>Recording goes out later today, moves to </a:t>
-            </a:r>
-            <a:r>
-              <a:rPr lang="en-US" sz="2800" spc="30" dirty="0" err="1">
-                <a:solidFill>
-                  <a:srgbClr val="000000"/>
-                </a:solidFill>
-                <a:latin typeface="Gidole"/>
-              </a:rPr>
-              <a:t>Patreon</a:t>
-            </a:r>
-            <a:r>
-              <a:rPr lang="en-US" sz="2800" spc="30" dirty="0">
-                <a:solidFill>
-                  <a:srgbClr val="000000"/>
-                </a:solidFill>
-                <a:latin typeface="Gidole"/>
-              </a:rPr>
-              <a:t> after 2 days</a:t>
-            </a:r>
-            <a:br>
-              <a:rPr lang="en-US" sz="2800" spc="30" dirty="0">
-                <a:solidFill>
-                  <a:srgbClr val="000000"/>
-                </a:solidFill>
-                <a:latin typeface="Gidole"/>
-              </a:rPr>
-            </a:br>
-            <a:endParaRPr lang="en-US" sz="2800" spc="30" dirty="0">
-              <a:solidFill>
-                <a:srgbClr val="000000"/>
-              </a:solidFill>
-              <a:latin typeface="Gidole"/>
-            </a:endParaRPr>
-          </a:p>
-          <a:p>
-            <a:pPr marL="457200" indent="-457200">
-              <a:lnSpc>
-                <a:spcPts val="3750"/>
-              </a:lnSpc>
-              <a:buFont typeface="Arial" panose="020B0604020202020204" pitchFamily="34" charset="0"/>
-              <a:buChar char="•"/>
-            </a:pPr>
-            <a:r>
-              <a:rPr lang="en-US" sz="2800" spc="30" dirty="0">
-                <a:solidFill>
-                  <a:srgbClr val="000000"/>
-                </a:solidFill>
-                <a:latin typeface="Gidole"/>
-              </a:rPr>
-              <a:t>I will do my best to answer your questions</a:t>
-            </a:r>
-          </a:p>
-        </p:txBody>
-      </p:sp>
-    </p:spTree>
-    <p:extLst>
-      <p:ext uri="{BB962C8B-B14F-4D97-AF65-F5344CB8AC3E}">
-        <p14:creationId xmlns:p14="http://schemas.microsoft.com/office/powerpoint/2010/main" val="735416566"/>
-      </p:ext>
-    </p:extLst>
-  </p:cSld>
-  <p:clrMapOvr>
-    <a:masterClrMapping/>
-  </p:clrMapOvr>
-</p:sld>
-</file>
-
-<file path=ppt/slides/slide6.xml><?xml version="1.0" encoding="utf-8"?>
-<p:sld xmlns:a="http://schemas.openxmlformats.org/drawingml/2006/main" xmlns:r="http://schemas.openxmlformats.org/officeDocument/2006/relationships" xmlns:p="http://schemas.openxmlformats.org/presentationml/2006/main">
-  <p:cSld>
-    <p:spTree>
-      <p:nvGrpSpPr>
-        <p:cNvPr id="1" name=""/>
-        <p:cNvGrpSpPr/>
-        <p:nvPr/>
-      </p:nvGrpSpPr>
-      <p:grpSpPr>
-        <a:xfrm>
-          <a:off x="0" y="0"/>
-          <a:ext cx="0" cy="0"/>
-          <a:chOff x="0" y="0"/>
-          <a:chExt cx="0" cy="0"/>
-        </a:xfrm>
-      </p:grpSpPr>
-      <p:sp>
-        <p:nvSpPr>
           <p:cNvPr id="4" name="Rectangle 3"/>
           <p:cNvSpPr/>
           <p:nvPr/>
@@ -7893,7 +5917,7 @@
 </p:sld>
 </file>
 
-<file path=ppt/slides/slide7.xml><?xml version="1.0" encoding="utf-8"?>
+<file path=ppt/slides/slide5.xml><?xml version="1.0" encoding="utf-8"?>
 <p:sld xmlns:a="http://schemas.openxmlformats.org/drawingml/2006/main" xmlns:r="http://schemas.openxmlformats.org/officeDocument/2006/relationships" xmlns:p="http://schemas.openxmlformats.org/presentationml/2006/main">
   <p:cSld>
     <p:spTree>
@@ -8129,7 +6153,7 @@
 </p:sld>
 </file>
 
-<file path=ppt/slides/slide8.xml><?xml version="1.0" encoding="utf-8"?>
+<file path=ppt/slides/slide6.xml><?xml version="1.0" encoding="utf-8"?>
 <p:sld xmlns:a="http://schemas.openxmlformats.org/drawingml/2006/main" xmlns:r="http://schemas.openxmlformats.org/officeDocument/2006/relationships" xmlns:p="http://schemas.openxmlformats.org/presentationml/2006/main">
   <p:cSld>
     <p:spTree>
@@ -8410,6 +6434,457 @@
     <p:extLst>
       <p:ext uri="{BB962C8B-B14F-4D97-AF65-F5344CB8AC3E}">
         <p14:creationId xmlns:p14="http://schemas.microsoft.com/office/powerpoint/2010/main" val="478401415"/>
+      </p:ext>
+    </p:extLst>
+  </p:cSld>
+  <p:clrMapOvr>
+    <a:masterClrMapping/>
+  </p:clrMapOvr>
+</p:sld>
+</file>
+
+<file path=ppt/slides/slide7.xml><?xml version="1.0" encoding="utf-8"?>
+<p:sld xmlns:a="http://schemas.openxmlformats.org/drawingml/2006/main" xmlns:r="http://schemas.openxmlformats.org/officeDocument/2006/relationships" xmlns:p="http://schemas.openxmlformats.org/presentationml/2006/main">
+  <p:cSld>
+    <p:spTree>
+      <p:nvGrpSpPr>
+        <p:cNvPr id="1" name=""/>
+        <p:cNvGrpSpPr/>
+        <p:nvPr/>
+      </p:nvGrpSpPr>
+      <p:grpSpPr>
+        <a:xfrm>
+          <a:off x="0" y="0"/>
+          <a:ext cx="0" cy="0"/>
+          <a:chOff x="0" y="0"/>
+          <a:chExt cx="0" cy="0"/>
+        </a:xfrm>
+      </p:grpSpPr>
+      <p:sp>
+        <p:nvSpPr>
+          <p:cNvPr id="4" name="Rectangle 3"/>
+          <p:cNvSpPr/>
+          <p:nvPr/>
+        </p:nvSpPr>
+        <p:spPr>
+          <a:xfrm>
+            <a:off x="6574420" y="0"/>
+            <a:ext cx="5617580" cy="6858000"/>
+          </a:xfrm>
+          <a:prstGeom prst="rect">
+            <a:avLst/>
+          </a:prstGeom>
+          <a:solidFill>
+            <a:srgbClr val="CF3338"/>
+          </a:solidFill>
+          <a:ln>
+            <a:noFill/>
+          </a:ln>
+        </p:spPr>
+        <p:style>
+          <a:lnRef idx="2">
+            <a:schemeClr val="accent1">
+              <a:shade val="50000"/>
+            </a:schemeClr>
+          </a:lnRef>
+          <a:fillRef idx="1">
+            <a:schemeClr val="accent1"/>
+          </a:fillRef>
+          <a:effectRef idx="0">
+            <a:schemeClr val="accent1"/>
+          </a:effectRef>
+          <a:fontRef idx="minor">
+            <a:schemeClr val="lt1"/>
+          </a:fontRef>
+        </p:style>
+        <p:txBody>
+          <a:bodyPr rtlCol="0" anchor="ctr"/>
+          <a:lstStyle/>
+          <a:p>
+            <a:pPr algn="ctr"/>
+            <a:endParaRPr lang="en-US"/>
+          </a:p>
+        </p:txBody>
+      </p:sp>
+      <p:pic>
+        <p:nvPicPr>
+          <p:cNvPr id="2" name="Picture 1"/>
+          <p:cNvPicPr>
+            <a:picLocks noChangeAspect="1"/>
+          </p:cNvPicPr>
+          <p:nvPr/>
+        </p:nvPicPr>
+        <p:blipFill rotWithShape="1">
+          <a:blip r:embed="rId3">
+            <a:extLst>
+              <a:ext uri="{28A0092B-C50C-407E-A947-70E740481C1C}">
+                <a14:useLocalDpi xmlns:a14="http://schemas.microsoft.com/office/drawing/2010/main" val="0"/>
+              </a:ext>
+            </a:extLst>
+          </a:blip>
+          <a:srcRect l="69227" t="33418" r="20112" b="50548"/>
+          <a:stretch/>
+        </p:blipFill>
+        <p:spPr>
+          <a:xfrm>
+            <a:off x="10386349" y="5029795"/>
+            <a:ext cx="1805651" cy="1991719"/>
+          </a:xfrm>
+          <a:prstGeom prst="rect">
+            <a:avLst/>
+          </a:prstGeom>
+        </p:spPr>
+      </p:pic>
+      <p:sp>
+        <p:nvSpPr>
+          <p:cNvPr id="3" name="TextBox 2"/>
+          <p:cNvSpPr txBox="1"/>
+          <p:nvPr/>
+        </p:nvSpPr>
+        <p:spPr>
+          <a:xfrm>
+            <a:off x="173620" y="219919"/>
+            <a:ext cx="5937813" cy="4183709"/>
+          </a:xfrm>
+          <a:prstGeom prst="rect">
+            <a:avLst/>
+          </a:prstGeom>
+          <a:noFill/>
+        </p:spPr>
+        <p:txBody>
+          <a:bodyPr wrap="square" rtlCol="0">
+            <a:spAutoFit/>
+          </a:bodyPr>
+          <a:lstStyle/>
+          <a:p>
+            <a:r>
+              <a:rPr lang="en-US" sz="4000" b="1" dirty="0">
+                <a:solidFill>
+                  <a:srgbClr val="CF3338"/>
+                </a:solidFill>
+                <a:latin typeface="Pragmatica" panose="020B0403040502020204" pitchFamily="34" charset="0"/>
+              </a:rPr>
+              <a:t>Demo</a:t>
+            </a:r>
+          </a:p>
+          <a:p>
+            <a:r>
+              <a:rPr lang="en-US" sz="2800" dirty="0">
+                <a:solidFill>
+                  <a:srgbClr val="CF3338"/>
+                </a:solidFill>
+                <a:latin typeface="Pragmatica" panose="020B0403040502020204" pitchFamily="34" charset="0"/>
+              </a:rPr>
+              <a:t>Using </a:t>
+            </a:r>
+            <a:r>
+              <a:rPr lang="en-US" sz="2800" dirty="0">
+                <a:solidFill>
+                  <a:srgbClr val="CF3338"/>
+                </a:solidFill>
+                <a:latin typeface="Consolas" panose="020B0609020204030204" pitchFamily="49" charset="0"/>
+              </a:rPr>
+              <a:t>wholesale-customers</a:t>
+            </a:r>
+            <a:r>
+              <a:rPr lang="en-US" sz="2800" dirty="0">
+                <a:solidFill>
+                  <a:srgbClr val="CF3338"/>
+                </a:solidFill>
+                <a:latin typeface="Pragmatica" panose="020B0403040502020204" pitchFamily="34" charset="0"/>
+              </a:rPr>
+              <a:t> worksheet:</a:t>
+            </a:r>
+          </a:p>
+          <a:p>
+            <a:endParaRPr lang="en-US" sz="2800" dirty="0">
+              <a:solidFill>
+                <a:srgbClr val="CF3338"/>
+              </a:solidFill>
+              <a:latin typeface="Pragmatica" panose="020B0403040502020204" pitchFamily="34" charset="0"/>
+            </a:endParaRPr>
+          </a:p>
+          <a:p>
+            <a:pPr marL="457200" lvl="0" indent="-361950">
+              <a:lnSpc>
+                <a:spcPct val="115000"/>
+              </a:lnSpc>
+              <a:spcBef>
+                <a:spcPts val="750"/>
+              </a:spcBef>
+              <a:buClr>
+                <a:srgbClr val="C00000"/>
+              </a:buClr>
+              <a:buSzPts val="2100"/>
+              <a:buFont typeface="Arial"/>
+              <a:buAutoNum type="arabicPeriod"/>
+            </a:pPr>
+            <a:r>
+              <a:rPr lang="en-US" sz="2400" dirty="0">
+                <a:solidFill>
+                  <a:srgbClr val="C00000"/>
+                </a:solidFill>
+                <a:latin typeface="Pragmatica" panose="020B0403040502020204"/>
+              </a:rPr>
+              <a:t>Get the total sum of sales by Region, then Channel</a:t>
+            </a:r>
+            <a:endParaRPr lang="en-US" sz="2400" dirty="0">
+              <a:solidFill>
+                <a:srgbClr val="C00000"/>
+              </a:solidFill>
+              <a:latin typeface="Consolas" panose="020B0609020204030204" pitchFamily="49" charset="0"/>
+              <a:ea typeface="Consolas"/>
+              <a:cs typeface="Consolas"/>
+              <a:sym typeface="Consolas"/>
+            </a:endParaRPr>
+          </a:p>
+          <a:p>
+            <a:endParaRPr lang="en-US" sz="4000" dirty="0">
+              <a:solidFill>
+                <a:srgbClr val="CF3338"/>
+              </a:solidFill>
+              <a:latin typeface="Pragmatica" panose="020B0403040502020204" pitchFamily="34" charset="0"/>
+            </a:endParaRPr>
+          </a:p>
+          <a:p>
+            <a:endParaRPr lang="en-US" sz="4000" dirty="0">
+              <a:solidFill>
+                <a:srgbClr val="CF3338"/>
+              </a:solidFill>
+              <a:latin typeface="Pragmatica" panose="020B0403040502020204" pitchFamily="34" charset="0"/>
+            </a:endParaRPr>
+          </a:p>
+        </p:txBody>
+      </p:sp>
+    </p:spTree>
+    <p:extLst>
+      <p:ext uri="{BB962C8B-B14F-4D97-AF65-F5344CB8AC3E}">
+        <p14:creationId xmlns:p14="http://schemas.microsoft.com/office/powerpoint/2010/main" val="3498493819"/>
+      </p:ext>
+    </p:extLst>
+  </p:cSld>
+  <p:clrMapOvr>
+    <a:masterClrMapping/>
+  </p:clrMapOvr>
+</p:sld>
+</file>
+
+<file path=ppt/slides/slide8.xml><?xml version="1.0" encoding="utf-8"?>
+<p:sld xmlns:a="http://schemas.openxmlformats.org/drawingml/2006/main" xmlns:r="http://schemas.openxmlformats.org/officeDocument/2006/relationships" xmlns:p="http://schemas.openxmlformats.org/presentationml/2006/main">
+  <p:cSld>
+    <p:spTree>
+      <p:nvGrpSpPr>
+        <p:cNvPr id="1" name=""/>
+        <p:cNvGrpSpPr/>
+        <p:nvPr/>
+      </p:nvGrpSpPr>
+      <p:grpSpPr>
+        <a:xfrm>
+          <a:off x="0" y="0"/>
+          <a:ext cx="0" cy="0"/>
+          <a:chOff x="0" y="0"/>
+          <a:chExt cx="0" cy="0"/>
+        </a:xfrm>
+      </p:grpSpPr>
+      <p:sp>
+        <p:nvSpPr>
+          <p:cNvPr id="11" name="TextBox 10"/>
+          <p:cNvSpPr txBox="1"/>
+          <p:nvPr/>
+        </p:nvSpPr>
+        <p:spPr>
+          <a:xfrm>
+            <a:off x="347240" y="113388"/>
+            <a:ext cx="10348056" cy="830997"/>
+          </a:xfrm>
+          <a:prstGeom prst="rect">
+            <a:avLst/>
+          </a:prstGeom>
+          <a:noFill/>
+        </p:spPr>
+        <p:txBody>
+          <a:bodyPr wrap="square" rtlCol="0">
+            <a:spAutoFit/>
+          </a:bodyPr>
+          <a:lstStyle/>
+          <a:p>
+            <a:r>
+              <a:rPr lang="en-US" sz="4800" dirty="0">
+                <a:latin typeface="Aliens &amp; cows" panose="00000500000000000000" pitchFamily="2" charset="0"/>
+              </a:rPr>
+              <a:t>What makes data “Pivot”-ready? </a:t>
+            </a:r>
+          </a:p>
+        </p:txBody>
+      </p:sp>
+      <p:pic>
+        <p:nvPicPr>
+          <p:cNvPr id="15" name="Picture 14" descr="A close up of a sign&#10;&#10;Description automatically generated">
+            <a:extLst>
+              <a:ext uri="{FF2B5EF4-FFF2-40B4-BE49-F238E27FC236}">
+                <a16:creationId xmlns:a16="http://schemas.microsoft.com/office/drawing/2014/main" id="{29761B90-A7DE-4A60-A915-F085BD87CAB4}"/>
+              </a:ext>
+            </a:extLst>
+          </p:cNvPr>
+          <p:cNvPicPr>
+            <a:picLocks noChangeAspect="1"/>
+          </p:cNvPicPr>
+          <p:nvPr/>
+        </p:nvPicPr>
+        <p:blipFill>
+          <a:blip r:embed="rId3">
+            <a:extLst>
+              <a:ext uri="{28A0092B-C50C-407E-A947-70E740481C1C}">
+                <a14:useLocalDpi xmlns:a14="http://schemas.microsoft.com/office/drawing/2010/main" val="0"/>
+              </a:ext>
+            </a:extLst>
+          </a:blip>
+          <a:stretch>
+            <a:fillRect/>
+          </a:stretch>
+        </p:blipFill>
+        <p:spPr>
+          <a:xfrm>
+            <a:off x="10894024" y="5372286"/>
+            <a:ext cx="1295238" cy="1485714"/>
+          </a:xfrm>
+          <a:prstGeom prst="rect">
+            <a:avLst/>
+          </a:prstGeom>
+        </p:spPr>
+      </p:pic>
+      <p:pic>
+        <p:nvPicPr>
+          <p:cNvPr id="4" name="Picture 3">
+            <a:extLst>
+              <a:ext uri="{FF2B5EF4-FFF2-40B4-BE49-F238E27FC236}">
+                <a16:creationId xmlns:a16="http://schemas.microsoft.com/office/drawing/2014/main" id="{81048157-9FEE-C016-5CB4-2C3AE5FF6CFE}"/>
+              </a:ext>
+            </a:extLst>
+          </p:cNvPr>
+          <p:cNvPicPr>
+            <a:picLocks noChangeAspect="1"/>
+          </p:cNvPicPr>
+          <p:nvPr/>
+        </p:nvPicPr>
+        <p:blipFill>
+          <a:blip r:embed="rId4"/>
+          <a:stretch>
+            <a:fillRect/>
+          </a:stretch>
+        </p:blipFill>
+        <p:spPr>
+          <a:xfrm>
+            <a:off x="1894347" y="3345686"/>
+            <a:ext cx="7439892" cy="2998668"/>
+          </a:xfrm>
+          <a:prstGeom prst="rect">
+            <a:avLst/>
+          </a:prstGeom>
+        </p:spPr>
+      </p:pic>
+      <p:sp>
+        <p:nvSpPr>
+          <p:cNvPr id="5" name="TextBox 4">
+            <a:extLst>
+              <a:ext uri="{FF2B5EF4-FFF2-40B4-BE49-F238E27FC236}">
+                <a16:creationId xmlns:a16="http://schemas.microsoft.com/office/drawing/2014/main" id="{E6387811-4F0E-B40E-9FBC-65A81E1411FB}"/>
+              </a:ext>
+            </a:extLst>
+          </p:cNvPr>
+          <p:cNvSpPr txBox="1"/>
+          <p:nvPr/>
+        </p:nvSpPr>
+        <p:spPr>
+          <a:xfrm>
+            <a:off x="295835" y="1271570"/>
+            <a:ext cx="8589981" cy="1754968"/>
+          </a:xfrm>
+          <a:prstGeom prst="rect">
+            <a:avLst/>
+          </a:prstGeom>
+          <a:noFill/>
+        </p:spPr>
+        <p:txBody>
+          <a:bodyPr wrap="square" rtlCol="0">
+            <a:spAutoFit/>
+          </a:bodyPr>
+          <a:lstStyle/>
+          <a:p>
+            <a:pPr marL="457200" marR="190500" lvl="0" indent="-381000">
+              <a:lnSpc>
+                <a:spcPct val="115000"/>
+              </a:lnSpc>
+              <a:spcBef>
+                <a:spcPts val="800"/>
+              </a:spcBef>
+              <a:buClr>
+                <a:srgbClr val="CF3338"/>
+              </a:buClr>
+              <a:buSzPts val="2400"/>
+              <a:buChar char="•"/>
+            </a:pPr>
+            <a:r>
+              <a:rPr lang="en-US" sz="2800" dirty="0">
+                <a:solidFill>
+                  <a:srgbClr val="505050"/>
+                </a:solidFill>
+              </a:rPr>
+              <a:t>Each variable is in its own column </a:t>
+            </a:r>
+          </a:p>
+          <a:p>
+            <a:pPr marL="457200" marR="190500" lvl="0" indent="-381000">
+              <a:lnSpc>
+                <a:spcPct val="115000"/>
+              </a:lnSpc>
+              <a:spcBef>
+                <a:spcPts val="800"/>
+              </a:spcBef>
+              <a:buClr>
+                <a:srgbClr val="CF3338"/>
+              </a:buClr>
+              <a:buSzPts val="2400"/>
+              <a:buChar char="•"/>
+            </a:pPr>
+            <a:r>
+              <a:rPr lang="en-US" sz="2800" dirty="0">
+                <a:solidFill>
+                  <a:srgbClr val="505050"/>
+                </a:solidFill>
+              </a:rPr>
+              <a:t>Each observation is in its own row</a:t>
+            </a:r>
+          </a:p>
+          <a:p>
+            <a:pPr marL="457200" marR="190500" lvl="0" indent="-381000">
+              <a:lnSpc>
+                <a:spcPct val="115000"/>
+              </a:lnSpc>
+              <a:spcBef>
+                <a:spcPts val="800"/>
+              </a:spcBef>
+              <a:buClr>
+                <a:srgbClr val="CF3338"/>
+              </a:buClr>
+              <a:buSzPts val="2400"/>
+              <a:buChar char="•"/>
+            </a:pPr>
+            <a:r>
+              <a:rPr lang="en-US" sz="2800" dirty="0">
+                <a:solidFill>
+                  <a:srgbClr val="505050"/>
+                </a:solidFill>
+              </a:rPr>
+              <a:t>Every cell is an observation-variable intersection </a:t>
+            </a:r>
+          </a:p>
+        </p:txBody>
+      </p:sp>
+    </p:spTree>
+    <p:extLst>
+      <p:ext uri="{BB962C8B-B14F-4D97-AF65-F5344CB8AC3E}">
+        <p14:creationId xmlns:p14="http://schemas.microsoft.com/office/powerpoint/2010/main" val="4040772074"/>
       </p:ext>
     </p:extLst>
   </p:cSld>
@@ -8438,59 +6913,50 @@
       </p:grpSpPr>
       <p:sp>
         <p:nvSpPr>
-          <p:cNvPr id="4" name="Rectangle 3"/>
-          <p:cNvSpPr/>
+          <p:cNvPr id="11" name="TextBox 10"/>
+          <p:cNvSpPr txBox="1"/>
           <p:nvPr/>
         </p:nvSpPr>
         <p:spPr>
           <a:xfrm>
-            <a:off x="6574420" y="0"/>
-            <a:ext cx="5617580" cy="6858000"/>
+            <a:off x="347240" y="113388"/>
+            <a:ext cx="10348056" cy="830997"/>
           </a:xfrm>
           <a:prstGeom prst="rect">
             <a:avLst/>
           </a:prstGeom>
-          <a:solidFill>
-            <a:srgbClr val="CF3338"/>
-          </a:solidFill>
-          <a:ln>
-            <a:noFill/>
-          </a:ln>
-        </p:spPr>
-        <p:style>
-          <a:lnRef idx="2">
-            <a:schemeClr val="accent1">
-              <a:shade val="50000"/>
-            </a:schemeClr>
-          </a:lnRef>
-          <a:fillRef idx="1">
-            <a:schemeClr val="accent1"/>
-          </a:fillRef>
-          <a:effectRef idx="0">
-            <a:schemeClr val="accent1"/>
-          </a:effectRef>
-          <a:fontRef idx="minor">
-            <a:schemeClr val="lt1"/>
-          </a:fontRef>
-        </p:style>
-        <p:txBody>
-          <a:bodyPr rtlCol="0" anchor="ctr"/>
-          <a:lstStyle/>
-          <a:p>
-            <a:pPr algn="ctr"/>
-            <a:endParaRPr lang="en-US"/>
+          <a:noFill/>
+        </p:spPr>
+        <p:txBody>
+          <a:bodyPr wrap="square" rtlCol="0">
+            <a:spAutoFit/>
+          </a:bodyPr>
+          <a:lstStyle/>
+          <a:p>
+            <a:r>
+              <a:rPr lang="en-US" sz="4800" dirty="0">
+                <a:latin typeface="Aliens &amp; cows" panose="00000500000000000000" pitchFamily="2" charset="0"/>
+              </a:rPr>
+              <a:t>Heavy cleaning is a job for Power Query</a:t>
+            </a:r>
           </a:p>
         </p:txBody>
       </p:sp>
       <p:pic>
         <p:nvPicPr>
-          <p:cNvPr id="2" name="Picture 1"/>
+          <p:cNvPr id="15" name="Picture 14" descr="A close up of a sign&#10;&#10;Description automatically generated">
+            <a:extLst>
+              <a:ext uri="{FF2B5EF4-FFF2-40B4-BE49-F238E27FC236}">
+                <a16:creationId xmlns:a16="http://schemas.microsoft.com/office/drawing/2014/main" id="{29761B90-A7DE-4A60-A915-F085BD87CAB4}"/>
+              </a:ext>
+            </a:extLst>
+          </p:cNvPr>
           <p:cNvPicPr>
             <a:picLocks noChangeAspect="1"/>
           </p:cNvPicPr>
           <p:nvPr/>
         </p:nvPicPr>
-        <p:blipFill rotWithShape="1">
+        <p:blipFill>
           <a:blip r:embed="rId3">
             <a:extLst>
               <a:ext uri="{28A0092B-C50C-407E-A947-70E740481C1C}">
@@ -8498,144 +6964,119 @@
               </a:ext>
             </a:extLst>
           </a:blip>
-          <a:srcRect l="69227" t="33418" r="20112" b="50548"/>
-          <a:stretch/>
+          <a:stretch>
+            <a:fillRect/>
+          </a:stretch>
         </p:blipFill>
         <p:spPr>
           <a:xfrm>
-            <a:off x="10386349" y="5029795"/>
-            <a:ext cx="1805651" cy="1991719"/>
+            <a:off x="10894024" y="5372286"/>
+            <a:ext cx="1295238" cy="1485714"/>
           </a:xfrm>
           <a:prstGeom prst="rect">
             <a:avLst/>
           </a:prstGeom>
         </p:spPr>
       </p:pic>
-      <p:sp>
-        <p:nvSpPr>
-          <p:cNvPr id="3" name="TextBox 2"/>
-          <p:cNvSpPr txBox="1"/>
+      <p:pic>
+        <p:nvPicPr>
+          <p:cNvPr id="2050" name="Picture 2" descr="What is Power BI? - P3 Adaptive">
+            <a:extLst>
+              <a:ext uri="{FF2B5EF4-FFF2-40B4-BE49-F238E27FC236}">
+                <a16:creationId xmlns:a16="http://schemas.microsoft.com/office/drawing/2014/main" id="{9A257B7B-6DB2-4728-A411-0CC2AECF05EE}"/>
+              </a:ext>
+            </a:extLst>
+          </p:cNvPr>
+          <p:cNvPicPr>
+            <a:picLocks noChangeAspect="1" noChangeArrowheads="1"/>
+          </p:cNvPicPr>
           <p:nvPr/>
-        </p:nvSpPr>
-        <p:spPr>
-          <a:xfrm>
-            <a:off x="173620" y="219919"/>
-            <a:ext cx="5937813" cy="4183709"/>
+        </p:nvPicPr>
+        <p:blipFill>
+          <a:blip r:embed="rId4">
+            <a:extLst>
+              <a:ext uri="{28A0092B-C50C-407E-A947-70E740481C1C}">
+                <a14:useLocalDpi xmlns:a14="http://schemas.microsoft.com/office/drawing/2010/main" val="0"/>
+              </a:ext>
+            </a:extLst>
+          </a:blip>
+          <a:srcRect/>
+          <a:stretch>
+            <a:fillRect/>
+          </a:stretch>
+        </p:blipFill>
+        <p:spPr bwMode="auto">
+          <a:xfrm>
+            <a:off x="811854" y="1106373"/>
+            <a:ext cx="8810861" cy="4969876"/>
           </a:xfrm>
           <a:prstGeom prst="rect">
             <a:avLst/>
           </a:prstGeom>
           <a:noFill/>
-        </p:spPr>
-        <p:txBody>
-          <a:bodyPr wrap="square" rtlCol="0">
+          <a:extLst>
+            <a:ext uri="{909E8E84-426E-40DD-AFC4-6F175D3DCCD1}">
+              <a14:hiddenFill xmlns:a14="http://schemas.microsoft.com/office/drawing/2010/main">
+                <a:solidFill>
+                  <a:srgbClr val="FFFFFF"/>
+                </a:solidFill>
+              </a14:hiddenFill>
+            </a:ext>
+          </a:extLst>
+        </p:spPr>
+      </p:pic>
+      <p:sp>
+        <p:nvSpPr>
+          <p:cNvPr id="4" name="TextBox 3">
+            <a:extLst>
+              <a:ext uri="{FF2B5EF4-FFF2-40B4-BE49-F238E27FC236}">
+                <a16:creationId xmlns:a16="http://schemas.microsoft.com/office/drawing/2014/main" id="{AE980D48-4340-3965-75D0-F93CDB3DF105}"/>
+              </a:ext>
+            </a:extLst>
+          </p:cNvPr>
+          <p:cNvSpPr txBox="1"/>
+          <p:nvPr/>
+        </p:nvSpPr>
+        <p:spPr>
+          <a:xfrm>
+            <a:off x="100532" y="6375280"/>
+            <a:ext cx="6096896" cy="369332"/>
+          </a:xfrm>
+          <a:prstGeom prst="rect">
+            <a:avLst/>
+          </a:prstGeom>
+          <a:noFill/>
+        </p:spPr>
+        <p:txBody>
+          <a:bodyPr wrap="square">
             <a:spAutoFit/>
           </a:bodyPr>
           <a:lstStyle/>
           <a:p>
             <a:r>
-              <a:rPr lang="en-US" sz="4000" b="1" dirty="0">
-                <a:solidFill>
-                  <a:srgbClr val="CF3338"/>
-                </a:solidFill>
-                <a:latin typeface="Pragmatica" panose="020B0403040502020204" pitchFamily="34" charset="0"/>
+              <a:rPr lang="en-US" dirty="0">
+                <a:hlinkClick r:id="rId5"/>
               </a:rPr>
-              <a:t>Demo</a:t>
-            </a:r>
-          </a:p>
-          <a:p>
-            <a:r>
-              <a:rPr lang="en-US" sz="2800" dirty="0">
-                <a:solidFill>
-                  <a:srgbClr val="CF3338"/>
-                </a:solidFill>
-                <a:latin typeface="Pragmatica" panose="020B0403040502020204" pitchFamily="34" charset="0"/>
+              <a:t>https://p3adaptive.com/2014/09/</a:t>
+            </a:r>
+            <a:r>
+              <a:rPr lang="en-US">
+                <a:hlinkClick r:id="rId5"/>
               </a:rPr>
-              <a:t>Using </a:t>
-            </a:r>
-            <a:r>
-              <a:rPr lang="en-US" sz="2800" dirty="0">
-                <a:solidFill>
-                  <a:srgbClr val="CF3338"/>
-                </a:solidFill>
-                <a:latin typeface="Consolas" panose="020B0609020204030204" pitchFamily="49" charset="0"/>
-              </a:rPr>
-              <a:t>wholesale-customers</a:t>
-            </a:r>
-            <a:r>
-              <a:rPr lang="en-US" sz="2800" dirty="0">
-                <a:solidFill>
-                  <a:srgbClr val="CF3338"/>
-                </a:solidFill>
-                <a:latin typeface="Pragmatica" panose="020B0403040502020204" pitchFamily="34" charset="0"/>
-              </a:rPr>
-              <a:t> worksheet:</a:t>
-            </a:r>
-          </a:p>
-          <a:p>
-            <a:endParaRPr lang="en-US" sz="2800" dirty="0">
-              <a:solidFill>
-                <a:srgbClr val="CF3338"/>
-              </a:solidFill>
-              <a:latin typeface="Pragmatica" panose="020B0403040502020204" pitchFamily="34" charset="0"/>
-            </a:endParaRPr>
-          </a:p>
-          <a:p>
-            <a:pPr marL="457200" lvl="0" indent="-361950">
-              <a:lnSpc>
-                <a:spcPct val="115000"/>
-              </a:lnSpc>
-              <a:spcBef>
-                <a:spcPts val="750"/>
-              </a:spcBef>
-              <a:buClr>
-                <a:srgbClr val="C00000"/>
-              </a:buClr>
-              <a:buSzPts val="2100"/>
-              <a:buFont typeface="Arial"/>
-              <a:buAutoNum type="arabicPeriod"/>
-            </a:pPr>
-            <a:r>
-              <a:rPr lang="en-US" sz="2400" dirty="0">
-                <a:solidFill>
-                  <a:srgbClr val="C00000"/>
-                </a:solidFill>
-                <a:latin typeface="Pragmatica" panose="020B0403040502020204"/>
-              </a:rPr>
-              <a:t>Get the total sum of sales by Region, then Channel</a:t>
-            </a:r>
-            <a:endParaRPr lang="en-US" sz="2400" dirty="0">
-              <a:solidFill>
-                <a:srgbClr val="C00000"/>
-              </a:solidFill>
-              <a:latin typeface="Consolas" panose="020B0609020204030204" pitchFamily="49" charset="0"/>
-              <a:ea typeface="Consolas"/>
-              <a:cs typeface="Consolas"/>
-              <a:sym typeface="Consolas"/>
-            </a:endParaRPr>
-          </a:p>
-          <a:p>
-            <a:endParaRPr lang="en-US" sz="4000" dirty="0">
-              <a:solidFill>
-                <a:srgbClr val="CF3338"/>
-              </a:solidFill>
-              <a:latin typeface="Pragmatica" panose="020B0403040502020204" pitchFamily="34" charset="0"/>
-            </a:endParaRPr>
-          </a:p>
-          <a:p>
-            <a:endParaRPr lang="en-US" sz="4000" dirty="0">
-              <a:solidFill>
-                <a:srgbClr val="CF3338"/>
-              </a:solidFill>
-              <a:latin typeface="Pragmatica" panose="020B0403040502020204" pitchFamily="34" charset="0"/>
-            </a:endParaRPr>
+              <a:t>what-is-power-bi/</a:t>
+            </a:r>
+            <a:r>
+              <a:rPr lang="en-US"/>
+              <a:t>  </a:t>
+            </a:r>
+            <a:endParaRPr lang="en-US" dirty="0"/>
           </a:p>
         </p:txBody>
       </p:sp>
     </p:spTree>
     <p:extLst>
       <p:ext uri="{BB962C8B-B14F-4D97-AF65-F5344CB8AC3E}">
-        <p14:creationId xmlns:p14="http://schemas.microsoft.com/office/powerpoint/2010/main" val="3498493819"/>
+        <p14:creationId xmlns:p14="http://schemas.microsoft.com/office/powerpoint/2010/main" val="2964633400"/>
       </p:ext>
     </p:extLst>
   </p:cSld>
